--- a/Big Data & Hadoop.pptx
+++ b/Big Data & Hadoop.pptx
@@ -28,6 +28,9 @@
     <p:sldId id="276" r:id="rId22"/>
     <p:sldId id="277" r:id="rId23"/>
     <p:sldId id="278" r:id="rId24"/>
+    <p:sldId id="283" r:id="rId25"/>
+    <p:sldId id="281" r:id="rId26"/>
+    <p:sldId id="284" r:id="rId27"/>
   </p:sldIdLst>
   <p:sldSz cx="12192000" cy="6858000"/>
   <p:notesSz cx="6858000" cy="9144000"/>
@@ -126,7 +129,2114 @@
       </a:defRPr>
     </a:lvl9pPr>
   </p:defaultTextStyle>
+  <p:extLst>
+    <p:ext uri="{EFAFB233-063F-42B5-8137-9DF3F51BA10A}">
+      <p15:sldGuideLst xmlns:p15="http://schemas.microsoft.com/office/powerpoint/2012/main"/>
+    </p:ext>
+  </p:extLst>
 </p:presentation>
+</file>
+
+<file path=ppt/charts/chart1.xml><?xml version="1.0" encoding="utf-8"?>
+<c:chartSpace xmlns:c="http://schemas.openxmlformats.org/drawingml/2006/chart" xmlns:a="http://schemas.openxmlformats.org/drawingml/2006/main" xmlns:r="http://schemas.openxmlformats.org/officeDocument/2006/relationships" xmlns:c16r2="http://schemas.microsoft.com/office/drawing/2015/06/chart">
+  <c:date1904 val="0"/>
+  <c:lang val="en-US"/>
+  <c:roundedCorners val="0"/>
+  <mc:AlternateContent xmlns:mc="http://schemas.openxmlformats.org/markup-compatibility/2006">
+    <mc:Choice xmlns:c14="http://schemas.microsoft.com/office/drawing/2007/8/2/chart" Requires="c14">
+      <c14:style val="102"/>
+    </mc:Choice>
+    <mc:Fallback>
+      <c:style val="2"/>
+    </mc:Fallback>
+  </mc:AlternateContent>
+  <c:chart>
+    <c:title>
+      <c:tx>
+        <c:rich>
+          <a:bodyPr rot="0" spcFirstLastPara="1" vertOverflow="ellipsis" vert="horz" wrap="square" anchor="ctr" anchorCtr="1"/>
+          <a:lstStyle/>
+          <a:p>
+            <a:pPr>
+              <a:defRPr sz="1400" b="0" i="0" u="none" strike="noStrike" kern="1200" spc="0" baseline="0">
+                <a:solidFill>
+                  <a:schemeClr val="tx1">
+                    <a:lumMod val="65000"/>
+                    <a:lumOff val="35000"/>
+                  </a:schemeClr>
+                </a:solidFill>
+                <a:latin typeface="+mn-lt"/>
+                <a:ea typeface="+mn-ea"/>
+                <a:cs typeface="+mn-cs"/>
+              </a:defRPr>
+            </a:pPr>
+            <a:r>
+              <a:rPr lang="en-US"/>
+              <a:t>H1B Visa application</a:t>
+            </a:r>
+          </a:p>
+        </c:rich>
+      </c:tx>
+      <c:layout>
+        <c:manualLayout>
+          <c:xMode val="edge"/>
+          <c:yMode val="edge"/>
+          <c:x val="0.35570822397200352"/>
+          <c:y val="3.2407407407407406E-2"/>
+        </c:manualLayout>
+      </c:layout>
+      <c:overlay val="0"/>
+      <c:spPr>
+        <a:noFill/>
+        <a:ln>
+          <a:noFill/>
+        </a:ln>
+        <a:effectLst/>
+      </c:spPr>
+      <c:txPr>
+        <a:bodyPr rot="0" spcFirstLastPara="1" vertOverflow="ellipsis" vert="horz" wrap="square" anchor="ctr" anchorCtr="1"/>
+        <a:lstStyle/>
+        <a:p>
+          <a:pPr>
+            <a:defRPr sz="1400" b="0" i="0" u="none" strike="noStrike" kern="1200" spc="0" baseline="0">
+              <a:solidFill>
+                <a:schemeClr val="tx1">
+                  <a:lumMod val="65000"/>
+                  <a:lumOff val="35000"/>
+                </a:schemeClr>
+              </a:solidFill>
+              <a:latin typeface="+mn-lt"/>
+              <a:ea typeface="+mn-ea"/>
+              <a:cs typeface="+mn-cs"/>
+            </a:defRPr>
+          </a:pPr>
+          <a:endParaRPr lang="en-US"/>
+        </a:p>
+      </c:txPr>
+    </c:title>
+    <c:autoTitleDeleted val="0"/>
+    <c:view3D>
+      <c:rotX val="15"/>
+      <c:rotY val="20"/>
+      <c:depthPercent val="100"/>
+      <c:rAngAx val="1"/>
+    </c:view3D>
+    <c:floor>
+      <c:thickness val="0"/>
+      <c:spPr>
+        <a:noFill/>
+        <a:ln>
+          <a:noFill/>
+        </a:ln>
+        <a:effectLst/>
+        <a:sp3d/>
+      </c:spPr>
+    </c:floor>
+    <c:sideWall>
+      <c:thickness val="0"/>
+      <c:spPr>
+        <a:noFill/>
+        <a:ln>
+          <a:noFill/>
+        </a:ln>
+        <a:effectLst/>
+        <a:sp3d/>
+      </c:spPr>
+    </c:sideWall>
+    <c:backWall>
+      <c:thickness val="0"/>
+      <c:spPr>
+        <a:noFill/>
+        <a:ln>
+          <a:noFill/>
+        </a:ln>
+        <a:effectLst/>
+        <a:sp3d/>
+      </c:spPr>
+    </c:backWall>
+    <c:plotArea>
+      <c:layout/>
+      <c:bar3DChart>
+        <c:barDir val="col"/>
+        <c:grouping val="stacked"/>
+        <c:varyColors val="0"/>
+        <c:ser>
+          <c:idx val="1"/>
+          <c:order val="0"/>
+          <c:tx>
+            <c:strRef>
+              <c:f>Sheet1!$B$20</c:f>
+              <c:strCache>
+                <c:ptCount val="1"/>
+                <c:pt idx="0">
+                  <c:v>total applications</c:v>
+                </c:pt>
+              </c:strCache>
+            </c:strRef>
+          </c:tx>
+          <c:spPr>
+            <a:solidFill>
+              <a:schemeClr val="accent2"/>
+            </a:solidFill>
+            <a:ln>
+              <a:noFill/>
+            </a:ln>
+            <a:effectLst/>
+            <a:sp3d/>
+          </c:spPr>
+          <c:invertIfNegative val="0"/>
+          <c:cat>
+            <c:numRef>
+              <c:f>Sheet1!$A$21:$A$26</c:f>
+              <c:numCache>
+                <c:formatCode>General</c:formatCode>
+                <c:ptCount val="6"/>
+                <c:pt idx="0">
+                  <c:v>2011</c:v>
+                </c:pt>
+                <c:pt idx="1">
+                  <c:v>2012</c:v>
+                </c:pt>
+                <c:pt idx="2">
+                  <c:v>2013</c:v>
+                </c:pt>
+                <c:pt idx="3">
+                  <c:v>2014</c:v>
+                </c:pt>
+                <c:pt idx="4">
+                  <c:v>2015</c:v>
+                </c:pt>
+                <c:pt idx="5">
+                  <c:v>2016</c:v>
+                </c:pt>
+              </c:numCache>
+            </c:numRef>
+          </c:cat>
+          <c:val>
+            <c:numRef>
+              <c:f>Sheet1!$B$21:$B$26</c:f>
+              <c:numCache>
+                <c:formatCode>General</c:formatCode>
+                <c:ptCount val="6"/>
+                <c:pt idx="0">
+                  <c:v>358767</c:v>
+                </c:pt>
+                <c:pt idx="1">
+                  <c:v>415607</c:v>
+                </c:pt>
+                <c:pt idx="2">
+                  <c:v>442114</c:v>
+                </c:pt>
+                <c:pt idx="3">
+                  <c:v>519427</c:v>
+                </c:pt>
+                <c:pt idx="4">
+                  <c:v>618727</c:v>
+                </c:pt>
+                <c:pt idx="5">
+                  <c:v>647803</c:v>
+                </c:pt>
+              </c:numCache>
+            </c:numRef>
+          </c:val>
+          <c:extLst>
+            <c:ext xmlns:c16="http://schemas.microsoft.com/office/drawing/2014/chart" uri="{C3380CC4-5D6E-409C-BE32-E72D297353CC}">
+              <c16:uniqueId val="{00000000-1C5C-40A2-BD71-06AF623643F1}"/>
+            </c:ext>
+          </c:extLst>
+        </c:ser>
+        <c:dLbls>
+          <c:showLegendKey val="0"/>
+          <c:showVal val="0"/>
+          <c:showCatName val="0"/>
+          <c:showSerName val="0"/>
+          <c:showPercent val="0"/>
+          <c:showBubbleSize val="0"/>
+        </c:dLbls>
+        <c:gapWidth val="150"/>
+        <c:shape val="box"/>
+        <c:axId val="1106233440"/>
+        <c:axId val="1106235520"/>
+        <c:axId val="0"/>
+      </c:bar3DChart>
+      <c:catAx>
+        <c:axId val="1106233440"/>
+        <c:scaling>
+          <c:orientation val="minMax"/>
+        </c:scaling>
+        <c:delete val="0"/>
+        <c:axPos val="b"/>
+        <c:numFmt formatCode="General" sourceLinked="1"/>
+        <c:majorTickMark val="none"/>
+        <c:minorTickMark val="none"/>
+        <c:tickLblPos val="nextTo"/>
+        <c:spPr>
+          <a:noFill/>
+          <a:ln>
+            <a:noFill/>
+          </a:ln>
+          <a:effectLst/>
+        </c:spPr>
+        <c:txPr>
+          <a:bodyPr rot="-60000000" spcFirstLastPara="1" vertOverflow="ellipsis" vert="horz" wrap="square" anchor="ctr" anchorCtr="1"/>
+          <a:lstStyle/>
+          <a:p>
+            <a:pPr>
+              <a:defRPr sz="900" b="0" i="0" u="none" strike="noStrike" kern="1200" baseline="0">
+                <a:solidFill>
+                  <a:schemeClr val="tx1">
+                    <a:lumMod val="65000"/>
+                    <a:lumOff val="35000"/>
+                  </a:schemeClr>
+                </a:solidFill>
+                <a:latin typeface="+mn-lt"/>
+                <a:ea typeface="+mn-ea"/>
+                <a:cs typeface="+mn-cs"/>
+              </a:defRPr>
+            </a:pPr>
+            <a:endParaRPr lang="en-US"/>
+          </a:p>
+        </c:txPr>
+        <c:crossAx val="1106235520"/>
+        <c:crosses val="autoZero"/>
+        <c:auto val="1"/>
+        <c:lblAlgn val="ctr"/>
+        <c:lblOffset val="100"/>
+        <c:noMultiLvlLbl val="0"/>
+      </c:catAx>
+      <c:valAx>
+        <c:axId val="1106235520"/>
+        <c:scaling>
+          <c:orientation val="minMax"/>
+        </c:scaling>
+        <c:delete val="0"/>
+        <c:axPos val="l"/>
+        <c:majorGridlines>
+          <c:spPr>
+            <a:ln w="9525" cap="flat" cmpd="sng" algn="ctr">
+              <a:solidFill>
+                <a:schemeClr val="tx1">
+                  <a:lumMod val="15000"/>
+                  <a:lumOff val="85000"/>
+                </a:schemeClr>
+              </a:solidFill>
+              <a:round/>
+            </a:ln>
+            <a:effectLst/>
+          </c:spPr>
+        </c:majorGridlines>
+        <c:numFmt formatCode="General" sourceLinked="1"/>
+        <c:majorTickMark val="none"/>
+        <c:minorTickMark val="none"/>
+        <c:tickLblPos val="nextTo"/>
+        <c:spPr>
+          <a:noFill/>
+          <a:ln>
+            <a:noFill/>
+          </a:ln>
+          <a:effectLst/>
+        </c:spPr>
+        <c:txPr>
+          <a:bodyPr rot="-60000000" spcFirstLastPara="1" vertOverflow="ellipsis" vert="horz" wrap="square" anchor="ctr" anchorCtr="1"/>
+          <a:lstStyle/>
+          <a:p>
+            <a:pPr>
+              <a:defRPr sz="900" b="0" i="0" u="none" strike="noStrike" kern="1200" baseline="0">
+                <a:solidFill>
+                  <a:schemeClr val="tx1">
+                    <a:lumMod val="65000"/>
+                    <a:lumOff val="35000"/>
+                  </a:schemeClr>
+                </a:solidFill>
+                <a:latin typeface="+mn-lt"/>
+                <a:ea typeface="+mn-ea"/>
+                <a:cs typeface="+mn-cs"/>
+              </a:defRPr>
+            </a:pPr>
+            <a:endParaRPr lang="en-US"/>
+          </a:p>
+        </c:txPr>
+        <c:crossAx val="1106233440"/>
+        <c:crosses val="autoZero"/>
+        <c:crossBetween val="between"/>
+      </c:valAx>
+      <c:spPr>
+        <a:noFill/>
+        <a:ln>
+          <a:noFill/>
+        </a:ln>
+        <a:effectLst/>
+      </c:spPr>
+    </c:plotArea>
+    <c:legend>
+      <c:legendPos val="b"/>
+      <c:layout/>
+      <c:overlay val="0"/>
+      <c:spPr>
+        <a:noFill/>
+        <a:ln>
+          <a:noFill/>
+        </a:ln>
+        <a:effectLst/>
+      </c:spPr>
+      <c:txPr>
+        <a:bodyPr rot="0" spcFirstLastPara="1" vertOverflow="ellipsis" vert="horz" wrap="square" anchor="ctr" anchorCtr="1"/>
+        <a:lstStyle/>
+        <a:p>
+          <a:pPr>
+            <a:defRPr sz="900" b="0" i="0" u="none" strike="noStrike" kern="1200" baseline="0">
+              <a:solidFill>
+                <a:schemeClr val="tx1">
+                  <a:lumMod val="65000"/>
+                  <a:lumOff val="35000"/>
+                </a:schemeClr>
+              </a:solidFill>
+              <a:latin typeface="+mn-lt"/>
+              <a:ea typeface="+mn-ea"/>
+              <a:cs typeface="+mn-cs"/>
+            </a:defRPr>
+          </a:pPr>
+          <a:endParaRPr lang="en-US"/>
+        </a:p>
+      </c:txPr>
+    </c:legend>
+    <c:plotVisOnly val="1"/>
+    <c:dispBlanksAs val="gap"/>
+    <c:showDLblsOverMax val="0"/>
+  </c:chart>
+  <c:spPr>
+    <a:noFill/>
+    <a:ln>
+      <a:noFill/>
+    </a:ln>
+    <a:effectLst/>
+  </c:spPr>
+  <c:txPr>
+    <a:bodyPr/>
+    <a:lstStyle/>
+    <a:p>
+      <a:pPr>
+        <a:defRPr/>
+      </a:pPr>
+      <a:endParaRPr lang="en-US"/>
+    </a:p>
+  </c:txPr>
+  <c:externalData r:id="rId3">
+    <c:autoUpdate val="0"/>
+  </c:externalData>
+</c:chartSpace>
+</file>
+
+<file path=ppt/charts/chart2.xml><?xml version="1.0" encoding="utf-8"?>
+<c:chartSpace xmlns:c="http://schemas.openxmlformats.org/drawingml/2006/chart" xmlns:a="http://schemas.openxmlformats.org/drawingml/2006/main" xmlns:r="http://schemas.openxmlformats.org/officeDocument/2006/relationships" xmlns:c16r2="http://schemas.microsoft.com/office/drawing/2015/06/chart">
+  <c:date1904 val="0"/>
+  <c:lang val="en-US"/>
+  <c:roundedCorners val="0"/>
+  <mc:AlternateContent xmlns:mc="http://schemas.openxmlformats.org/markup-compatibility/2006">
+    <mc:Choice xmlns:c14="http://schemas.microsoft.com/office/drawing/2007/8/2/chart" Requires="c14">
+      <c14:style val="102"/>
+    </mc:Choice>
+    <mc:Fallback>
+      <c:style val="2"/>
+    </mc:Fallback>
+  </mc:AlternateContent>
+  <c:chart>
+    <c:title>
+      <c:tx>
+        <c:rich>
+          <a:bodyPr rot="0" spcFirstLastPara="1" vertOverflow="ellipsis" vert="horz" wrap="square" anchor="ctr" anchorCtr="1"/>
+          <a:lstStyle/>
+          <a:p>
+            <a:pPr>
+              <a:defRPr sz="1400" b="0" i="0" u="none" strike="noStrike" kern="1200" spc="0" baseline="0">
+                <a:solidFill>
+                  <a:schemeClr val="tx1">
+                    <a:lumMod val="65000"/>
+                    <a:lumOff val="35000"/>
+                  </a:schemeClr>
+                </a:solidFill>
+                <a:latin typeface="+mn-lt"/>
+                <a:ea typeface="+mn-ea"/>
+                <a:cs typeface="+mn-cs"/>
+              </a:defRPr>
+            </a:pPr>
+            <a:r>
+              <a:rPr lang="en-IN"/>
+              <a:t>H1b</a:t>
+            </a:r>
+            <a:r>
+              <a:rPr lang="en-IN" baseline="0"/>
+              <a:t> visa application</a:t>
+            </a:r>
+            <a:endParaRPr lang="en-IN"/>
+          </a:p>
+        </c:rich>
+      </c:tx>
+      <c:layout>
+        <c:manualLayout>
+          <c:xMode val="edge"/>
+          <c:yMode val="edge"/>
+          <c:x val="0.40949300087489071"/>
+          <c:y val="3.7037037037037035E-2"/>
+        </c:manualLayout>
+      </c:layout>
+      <c:overlay val="0"/>
+      <c:spPr>
+        <a:noFill/>
+        <a:ln>
+          <a:noFill/>
+        </a:ln>
+        <a:effectLst/>
+      </c:spPr>
+      <c:txPr>
+        <a:bodyPr rot="0" spcFirstLastPara="1" vertOverflow="ellipsis" vert="horz" wrap="square" anchor="ctr" anchorCtr="1"/>
+        <a:lstStyle/>
+        <a:p>
+          <a:pPr>
+            <a:defRPr sz="1400" b="0" i="0" u="none" strike="noStrike" kern="1200" spc="0" baseline="0">
+              <a:solidFill>
+                <a:schemeClr val="tx1">
+                  <a:lumMod val="65000"/>
+                  <a:lumOff val="35000"/>
+                </a:schemeClr>
+              </a:solidFill>
+              <a:latin typeface="+mn-lt"/>
+              <a:ea typeface="+mn-ea"/>
+              <a:cs typeface="+mn-cs"/>
+            </a:defRPr>
+          </a:pPr>
+          <a:endParaRPr lang="en-US"/>
+        </a:p>
+      </c:txPr>
+    </c:title>
+    <c:autoTitleDeleted val="0"/>
+    <c:plotArea>
+      <c:layout/>
+      <c:lineChart>
+        <c:grouping val="standard"/>
+        <c:varyColors val="0"/>
+        <c:ser>
+          <c:idx val="1"/>
+          <c:order val="0"/>
+          <c:tx>
+            <c:strRef>
+              <c:f>Sheet1!$B$4</c:f>
+              <c:strCache>
+                <c:ptCount val="1"/>
+                <c:pt idx="0">
+                  <c:v>certified withdrawn</c:v>
+                </c:pt>
+              </c:strCache>
+            </c:strRef>
+          </c:tx>
+          <c:spPr>
+            <a:ln w="28575" cap="rnd">
+              <a:solidFill>
+                <a:schemeClr val="accent2"/>
+              </a:solidFill>
+              <a:round/>
+            </a:ln>
+            <a:effectLst/>
+          </c:spPr>
+          <c:marker>
+            <c:symbol val="none"/>
+          </c:marker>
+          <c:cat>
+            <c:numRef>
+              <c:f>Sheet1!$A$5:$A$10</c:f>
+              <c:numCache>
+                <c:formatCode>General</c:formatCode>
+                <c:ptCount val="6"/>
+                <c:pt idx="0">
+                  <c:v>2011</c:v>
+                </c:pt>
+                <c:pt idx="1">
+                  <c:v>2012</c:v>
+                </c:pt>
+                <c:pt idx="2">
+                  <c:v>2013</c:v>
+                </c:pt>
+                <c:pt idx="3">
+                  <c:v>2014</c:v>
+                </c:pt>
+                <c:pt idx="4">
+                  <c:v>2015</c:v>
+                </c:pt>
+                <c:pt idx="5">
+                  <c:v>2016</c:v>
+                </c:pt>
+              </c:numCache>
+            </c:numRef>
+          </c:cat>
+          <c:val>
+            <c:numRef>
+              <c:f>Sheet1!$B$5:$B$10</c:f>
+              <c:numCache>
+                <c:formatCode>General</c:formatCode>
+                <c:ptCount val="6"/>
+                <c:pt idx="0">
+                  <c:v>11596</c:v>
+                </c:pt>
+                <c:pt idx="1">
+                  <c:v>31118</c:v>
+                </c:pt>
+                <c:pt idx="2">
+                  <c:v>35432</c:v>
+                </c:pt>
+                <c:pt idx="3">
+                  <c:v>36350</c:v>
+                </c:pt>
+                <c:pt idx="4">
+                  <c:v>41071</c:v>
+                </c:pt>
+                <c:pt idx="5">
+                  <c:v>47092</c:v>
+                </c:pt>
+              </c:numCache>
+            </c:numRef>
+          </c:val>
+          <c:smooth val="0"/>
+          <c:extLst>
+            <c:ext xmlns:c16="http://schemas.microsoft.com/office/drawing/2014/chart" uri="{C3380CC4-5D6E-409C-BE32-E72D297353CC}">
+              <c16:uniqueId val="{00000000-B729-444C-B09F-5B51AD68DEF7}"/>
+            </c:ext>
+          </c:extLst>
+        </c:ser>
+        <c:ser>
+          <c:idx val="2"/>
+          <c:order val="1"/>
+          <c:tx>
+            <c:strRef>
+              <c:f>Sheet1!$C$4</c:f>
+              <c:strCache>
+                <c:ptCount val="1"/>
+                <c:pt idx="0">
+                  <c:v>withdrawn</c:v>
+                </c:pt>
+              </c:strCache>
+            </c:strRef>
+          </c:tx>
+          <c:spPr>
+            <a:ln w="28575" cap="rnd">
+              <a:solidFill>
+                <a:schemeClr val="accent3"/>
+              </a:solidFill>
+              <a:round/>
+            </a:ln>
+            <a:effectLst/>
+          </c:spPr>
+          <c:marker>
+            <c:symbol val="none"/>
+          </c:marker>
+          <c:cat>
+            <c:numRef>
+              <c:f>Sheet1!$A$5:$A$10</c:f>
+              <c:numCache>
+                <c:formatCode>General</c:formatCode>
+                <c:ptCount val="6"/>
+                <c:pt idx="0">
+                  <c:v>2011</c:v>
+                </c:pt>
+                <c:pt idx="1">
+                  <c:v>2012</c:v>
+                </c:pt>
+                <c:pt idx="2">
+                  <c:v>2013</c:v>
+                </c:pt>
+                <c:pt idx="3">
+                  <c:v>2014</c:v>
+                </c:pt>
+                <c:pt idx="4">
+                  <c:v>2015</c:v>
+                </c:pt>
+                <c:pt idx="5">
+                  <c:v>2016</c:v>
+                </c:pt>
+              </c:numCache>
+            </c:numRef>
+          </c:cat>
+          <c:val>
+            <c:numRef>
+              <c:f>Sheet1!$C$5:$C$10</c:f>
+              <c:numCache>
+                <c:formatCode>General</c:formatCode>
+                <c:ptCount val="6"/>
+                <c:pt idx="0">
+                  <c:v>10105</c:v>
+                </c:pt>
+                <c:pt idx="1">
+                  <c:v>10725</c:v>
+                </c:pt>
+                <c:pt idx="2">
+                  <c:v>11590</c:v>
+                </c:pt>
+                <c:pt idx="3">
+                  <c:v>16034</c:v>
+                </c:pt>
+                <c:pt idx="4">
+                  <c:v>19455</c:v>
+                </c:pt>
+                <c:pt idx="5">
+                  <c:v>21890</c:v>
+                </c:pt>
+              </c:numCache>
+            </c:numRef>
+          </c:val>
+          <c:smooth val="0"/>
+          <c:extLst>
+            <c:ext xmlns:c16="http://schemas.microsoft.com/office/drawing/2014/chart" uri="{C3380CC4-5D6E-409C-BE32-E72D297353CC}">
+              <c16:uniqueId val="{00000001-B729-444C-B09F-5B51AD68DEF7}"/>
+            </c:ext>
+          </c:extLst>
+        </c:ser>
+        <c:ser>
+          <c:idx val="3"/>
+          <c:order val="2"/>
+          <c:tx>
+            <c:strRef>
+              <c:f>Sheet1!$D$4</c:f>
+              <c:strCache>
+                <c:ptCount val="1"/>
+                <c:pt idx="0">
+                  <c:v>certified</c:v>
+                </c:pt>
+              </c:strCache>
+            </c:strRef>
+          </c:tx>
+          <c:spPr>
+            <a:ln w="28575" cap="rnd">
+              <a:solidFill>
+                <a:schemeClr val="accent4"/>
+              </a:solidFill>
+              <a:round/>
+            </a:ln>
+            <a:effectLst/>
+          </c:spPr>
+          <c:marker>
+            <c:symbol val="none"/>
+          </c:marker>
+          <c:cat>
+            <c:numRef>
+              <c:f>Sheet1!$A$5:$A$10</c:f>
+              <c:numCache>
+                <c:formatCode>General</c:formatCode>
+                <c:ptCount val="6"/>
+                <c:pt idx="0">
+                  <c:v>2011</c:v>
+                </c:pt>
+                <c:pt idx="1">
+                  <c:v>2012</c:v>
+                </c:pt>
+                <c:pt idx="2">
+                  <c:v>2013</c:v>
+                </c:pt>
+                <c:pt idx="3">
+                  <c:v>2014</c:v>
+                </c:pt>
+                <c:pt idx="4">
+                  <c:v>2015</c:v>
+                </c:pt>
+                <c:pt idx="5">
+                  <c:v>2016</c:v>
+                </c:pt>
+              </c:numCache>
+            </c:numRef>
+          </c:cat>
+          <c:val>
+            <c:numRef>
+              <c:f>Sheet1!$D$5:$D$10</c:f>
+              <c:numCache>
+                <c:formatCode>General</c:formatCode>
+                <c:ptCount val="6"/>
+                <c:pt idx="0">
+                  <c:v>307936</c:v>
+                </c:pt>
+                <c:pt idx="1">
+                  <c:v>352668</c:v>
+                </c:pt>
+                <c:pt idx="2">
+                  <c:v>382951</c:v>
+                </c:pt>
+                <c:pt idx="3">
+                  <c:v>455144</c:v>
+                </c:pt>
+                <c:pt idx="4">
+                  <c:v>547278</c:v>
+                </c:pt>
+                <c:pt idx="5">
+                  <c:v>569646</c:v>
+                </c:pt>
+              </c:numCache>
+            </c:numRef>
+          </c:val>
+          <c:smooth val="0"/>
+          <c:extLst>
+            <c:ext xmlns:c16="http://schemas.microsoft.com/office/drawing/2014/chart" uri="{C3380CC4-5D6E-409C-BE32-E72D297353CC}">
+              <c16:uniqueId val="{00000002-B729-444C-B09F-5B51AD68DEF7}"/>
+            </c:ext>
+          </c:extLst>
+        </c:ser>
+        <c:ser>
+          <c:idx val="4"/>
+          <c:order val="3"/>
+          <c:tx>
+            <c:strRef>
+              <c:f>Sheet1!$E$4</c:f>
+              <c:strCache>
+                <c:ptCount val="1"/>
+                <c:pt idx="0">
+                  <c:v>denied</c:v>
+                </c:pt>
+              </c:strCache>
+            </c:strRef>
+          </c:tx>
+          <c:spPr>
+            <a:ln w="28575" cap="rnd">
+              <a:solidFill>
+                <a:schemeClr val="accent5"/>
+              </a:solidFill>
+              <a:round/>
+            </a:ln>
+            <a:effectLst/>
+          </c:spPr>
+          <c:marker>
+            <c:symbol val="none"/>
+          </c:marker>
+          <c:cat>
+            <c:numRef>
+              <c:f>Sheet1!$A$5:$A$10</c:f>
+              <c:numCache>
+                <c:formatCode>General</c:formatCode>
+                <c:ptCount val="6"/>
+                <c:pt idx="0">
+                  <c:v>2011</c:v>
+                </c:pt>
+                <c:pt idx="1">
+                  <c:v>2012</c:v>
+                </c:pt>
+                <c:pt idx="2">
+                  <c:v>2013</c:v>
+                </c:pt>
+                <c:pt idx="3">
+                  <c:v>2014</c:v>
+                </c:pt>
+                <c:pt idx="4">
+                  <c:v>2015</c:v>
+                </c:pt>
+                <c:pt idx="5">
+                  <c:v>2016</c:v>
+                </c:pt>
+              </c:numCache>
+            </c:numRef>
+          </c:cat>
+          <c:val>
+            <c:numRef>
+              <c:f>Sheet1!$E$5:$E$10</c:f>
+              <c:numCache>
+                <c:formatCode>General</c:formatCode>
+                <c:ptCount val="6"/>
+                <c:pt idx="0">
+                  <c:v>29130</c:v>
+                </c:pt>
+                <c:pt idx="1">
+                  <c:v>21096</c:v>
+                </c:pt>
+                <c:pt idx="2">
+                  <c:v>12141</c:v>
+                </c:pt>
+                <c:pt idx="3">
+                  <c:v>11899</c:v>
+                </c:pt>
+                <c:pt idx="4">
+                  <c:v>10923</c:v>
+                </c:pt>
+                <c:pt idx="5">
+                  <c:v>9175</c:v>
+                </c:pt>
+              </c:numCache>
+            </c:numRef>
+          </c:val>
+          <c:smooth val="0"/>
+          <c:extLst>
+            <c:ext xmlns:c16="http://schemas.microsoft.com/office/drawing/2014/chart" uri="{C3380CC4-5D6E-409C-BE32-E72D297353CC}">
+              <c16:uniqueId val="{00000003-B729-444C-B09F-5B51AD68DEF7}"/>
+            </c:ext>
+          </c:extLst>
+        </c:ser>
+        <c:dLbls>
+          <c:showLegendKey val="0"/>
+          <c:showVal val="0"/>
+          <c:showCatName val="0"/>
+          <c:showSerName val="0"/>
+          <c:showPercent val="0"/>
+          <c:showBubbleSize val="0"/>
+        </c:dLbls>
+        <c:smooth val="0"/>
+        <c:axId val="1579856336"/>
+        <c:axId val="1512970432"/>
+      </c:lineChart>
+      <c:catAx>
+        <c:axId val="1579856336"/>
+        <c:scaling>
+          <c:orientation val="minMax"/>
+        </c:scaling>
+        <c:delete val="0"/>
+        <c:axPos val="b"/>
+        <c:numFmt formatCode="General" sourceLinked="1"/>
+        <c:majorTickMark val="none"/>
+        <c:minorTickMark val="none"/>
+        <c:tickLblPos val="nextTo"/>
+        <c:spPr>
+          <a:noFill/>
+          <a:ln w="9525" cap="flat" cmpd="sng" algn="ctr">
+            <a:solidFill>
+              <a:schemeClr val="tx1">
+                <a:lumMod val="15000"/>
+                <a:lumOff val="85000"/>
+              </a:schemeClr>
+            </a:solidFill>
+            <a:round/>
+          </a:ln>
+          <a:effectLst/>
+        </c:spPr>
+        <c:txPr>
+          <a:bodyPr rot="-60000000" spcFirstLastPara="1" vertOverflow="ellipsis" vert="horz" wrap="square" anchor="ctr" anchorCtr="1"/>
+          <a:lstStyle/>
+          <a:p>
+            <a:pPr>
+              <a:defRPr sz="900" b="0" i="0" u="none" strike="noStrike" kern="1200" baseline="0">
+                <a:solidFill>
+                  <a:schemeClr val="tx1">
+                    <a:lumMod val="65000"/>
+                    <a:lumOff val="35000"/>
+                  </a:schemeClr>
+                </a:solidFill>
+                <a:latin typeface="+mn-lt"/>
+                <a:ea typeface="+mn-ea"/>
+                <a:cs typeface="+mn-cs"/>
+              </a:defRPr>
+            </a:pPr>
+            <a:endParaRPr lang="en-US"/>
+          </a:p>
+        </c:txPr>
+        <c:crossAx val="1512970432"/>
+        <c:crosses val="autoZero"/>
+        <c:auto val="1"/>
+        <c:lblAlgn val="ctr"/>
+        <c:lblOffset val="100"/>
+        <c:noMultiLvlLbl val="0"/>
+      </c:catAx>
+      <c:valAx>
+        <c:axId val="1512970432"/>
+        <c:scaling>
+          <c:orientation val="minMax"/>
+        </c:scaling>
+        <c:delete val="0"/>
+        <c:axPos val="l"/>
+        <c:majorGridlines>
+          <c:spPr>
+            <a:ln w="9525" cap="flat" cmpd="sng" algn="ctr">
+              <a:solidFill>
+                <a:schemeClr val="tx1">
+                  <a:lumMod val="15000"/>
+                  <a:lumOff val="85000"/>
+                </a:schemeClr>
+              </a:solidFill>
+              <a:round/>
+            </a:ln>
+            <a:effectLst/>
+          </c:spPr>
+        </c:majorGridlines>
+        <c:numFmt formatCode="General" sourceLinked="1"/>
+        <c:majorTickMark val="none"/>
+        <c:minorTickMark val="none"/>
+        <c:tickLblPos val="nextTo"/>
+        <c:spPr>
+          <a:noFill/>
+          <a:ln>
+            <a:noFill/>
+          </a:ln>
+          <a:effectLst/>
+        </c:spPr>
+        <c:txPr>
+          <a:bodyPr rot="-60000000" spcFirstLastPara="1" vertOverflow="ellipsis" vert="horz" wrap="square" anchor="ctr" anchorCtr="1"/>
+          <a:lstStyle/>
+          <a:p>
+            <a:pPr>
+              <a:defRPr sz="900" b="0" i="0" u="none" strike="noStrike" kern="1200" baseline="0">
+                <a:solidFill>
+                  <a:schemeClr val="tx1">
+                    <a:lumMod val="65000"/>
+                    <a:lumOff val="35000"/>
+                  </a:schemeClr>
+                </a:solidFill>
+                <a:latin typeface="+mn-lt"/>
+                <a:ea typeface="+mn-ea"/>
+                <a:cs typeface="+mn-cs"/>
+              </a:defRPr>
+            </a:pPr>
+            <a:endParaRPr lang="en-US"/>
+          </a:p>
+        </c:txPr>
+        <c:crossAx val="1579856336"/>
+        <c:crosses val="autoZero"/>
+        <c:crossBetween val="between"/>
+      </c:valAx>
+      <c:spPr>
+        <a:noFill/>
+        <a:ln>
+          <a:noFill/>
+        </a:ln>
+        <a:effectLst/>
+      </c:spPr>
+    </c:plotArea>
+    <c:legend>
+      <c:legendPos val="b"/>
+      <c:layout/>
+      <c:overlay val="0"/>
+      <c:spPr>
+        <a:noFill/>
+        <a:ln>
+          <a:noFill/>
+        </a:ln>
+        <a:effectLst/>
+      </c:spPr>
+      <c:txPr>
+        <a:bodyPr rot="0" spcFirstLastPara="1" vertOverflow="ellipsis" vert="horz" wrap="square" anchor="ctr" anchorCtr="1"/>
+        <a:lstStyle/>
+        <a:p>
+          <a:pPr>
+            <a:defRPr sz="900" b="0" i="0" u="none" strike="noStrike" kern="1200" baseline="0">
+              <a:solidFill>
+                <a:schemeClr val="tx1">
+                  <a:lumMod val="65000"/>
+                  <a:lumOff val="35000"/>
+                </a:schemeClr>
+              </a:solidFill>
+              <a:latin typeface="+mn-lt"/>
+              <a:ea typeface="+mn-ea"/>
+              <a:cs typeface="+mn-cs"/>
+            </a:defRPr>
+          </a:pPr>
+          <a:endParaRPr lang="en-US"/>
+        </a:p>
+      </c:txPr>
+    </c:legend>
+    <c:plotVisOnly val="1"/>
+    <c:dispBlanksAs val="gap"/>
+    <c:showDLblsOverMax val="0"/>
+  </c:chart>
+  <c:spPr>
+    <a:noFill/>
+    <a:ln>
+      <a:noFill/>
+    </a:ln>
+    <a:effectLst/>
+  </c:spPr>
+  <c:txPr>
+    <a:bodyPr/>
+    <a:lstStyle/>
+    <a:p>
+      <a:pPr>
+        <a:defRPr/>
+      </a:pPr>
+      <a:endParaRPr lang="en-US"/>
+    </a:p>
+  </c:txPr>
+  <c:externalData r:id="rId3">
+    <c:autoUpdate val="0"/>
+  </c:externalData>
+</c:chartSpace>
+</file>
+
+<file path=ppt/charts/colors1.xml><?xml version="1.0" encoding="utf-8"?>
+<cs:colorStyle xmlns:cs="http://schemas.microsoft.com/office/drawing/2012/chartStyle" xmlns:a="http://schemas.openxmlformats.org/drawingml/2006/main" meth="cycle" id="10">
+  <a:schemeClr val="accent1"/>
+  <a:schemeClr val="accent2"/>
+  <a:schemeClr val="accent3"/>
+  <a:schemeClr val="accent4"/>
+  <a:schemeClr val="accent5"/>
+  <a:schemeClr val="accent6"/>
+  <cs:variation/>
+  <cs:variation>
+    <a:lumMod val="60000"/>
+  </cs:variation>
+  <cs:variation>
+    <a:lumMod val="80000"/>
+    <a:lumOff val="20000"/>
+  </cs:variation>
+  <cs:variation>
+    <a:lumMod val="80000"/>
+  </cs:variation>
+  <cs:variation>
+    <a:lumMod val="60000"/>
+    <a:lumOff val="40000"/>
+  </cs:variation>
+  <cs:variation>
+    <a:lumMod val="50000"/>
+  </cs:variation>
+  <cs:variation>
+    <a:lumMod val="70000"/>
+    <a:lumOff val="30000"/>
+  </cs:variation>
+  <cs:variation>
+    <a:lumMod val="70000"/>
+  </cs:variation>
+  <cs:variation>
+    <a:lumMod val="50000"/>
+    <a:lumOff val="50000"/>
+  </cs:variation>
+</cs:colorStyle>
+</file>
+
+<file path=ppt/charts/colors2.xml><?xml version="1.0" encoding="utf-8"?>
+<cs:colorStyle xmlns:cs="http://schemas.microsoft.com/office/drawing/2012/chartStyle" xmlns:a="http://schemas.openxmlformats.org/drawingml/2006/main" meth="cycle" id="10">
+  <a:schemeClr val="accent1"/>
+  <a:schemeClr val="accent2"/>
+  <a:schemeClr val="accent3"/>
+  <a:schemeClr val="accent4"/>
+  <a:schemeClr val="accent5"/>
+  <a:schemeClr val="accent6"/>
+  <cs:variation/>
+  <cs:variation>
+    <a:lumMod val="60000"/>
+  </cs:variation>
+  <cs:variation>
+    <a:lumMod val="80000"/>
+    <a:lumOff val="20000"/>
+  </cs:variation>
+  <cs:variation>
+    <a:lumMod val="80000"/>
+  </cs:variation>
+  <cs:variation>
+    <a:lumMod val="60000"/>
+    <a:lumOff val="40000"/>
+  </cs:variation>
+  <cs:variation>
+    <a:lumMod val="50000"/>
+  </cs:variation>
+  <cs:variation>
+    <a:lumMod val="70000"/>
+    <a:lumOff val="30000"/>
+  </cs:variation>
+  <cs:variation>
+    <a:lumMod val="70000"/>
+  </cs:variation>
+  <cs:variation>
+    <a:lumMod val="50000"/>
+    <a:lumOff val="50000"/>
+  </cs:variation>
+</cs:colorStyle>
+</file>
+
+<file path=ppt/charts/style1.xml><?xml version="1.0" encoding="utf-8"?>
+<cs:chartStyle xmlns:cs="http://schemas.microsoft.com/office/drawing/2012/chartStyle" xmlns:a="http://schemas.openxmlformats.org/drawingml/2006/main" id="286">
+  <cs:axisTitle>
+    <cs:lnRef idx="0"/>
+    <cs:fillRef idx="0"/>
+    <cs:effectRef idx="0"/>
+    <cs:fontRef idx="minor">
+      <a:schemeClr val="tx1">
+        <a:lumMod val="65000"/>
+        <a:lumOff val="35000"/>
+      </a:schemeClr>
+    </cs:fontRef>
+    <cs:defRPr sz="1000" kern="1200"/>
+  </cs:axisTitle>
+  <cs:categoryAxis>
+    <cs:lnRef idx="0"/>
+    <cs:fillRef idx="0"/>
+    <cs:effectRef idx="0"/>
+    <cs:fontRef idx="minor">
+      <a:schemeClr val="tx1">
+        <a:lumMod val="65000"/>
+        <a:lumOff val="35000"/>
+      </a:schemeClr>
+    </cs:fontRef>
+    <cs:defRPr sz="900" kern="1200"/>
+  </cs:categoryAxis>
+  <cs:chartArea mods="allowNoFillOverride allowNoLineOverride">
+    <cs:lnRef idx="0"/>
+    <cs:fillRef idx="0"/>
+    <cs:effectRef idx="0"/>
+    <cs:fontRef idx="minor">
+      <a:schemeClr val="tx1"/>
+    </cs:fontRef>
+    <cs:spPr>
+      <a:solidFill>
+        <a:schemeClr val="bg1"/>
+      </a:solidFill>
+      <a:ln w="9525" cap="flat" cmpd="sng" algn="ctr">
+        <a:solidFill>
+          <a:schemeClr val="tx1">
+            <a:lumMod val="15000"/>
+            <a:lumOff val="85000"/>
+          </a:schemeClr>
+        </a:solidFill>
+        <a:round/>
+      </a:ln>
+    </cs:spPr>
+    <cs:defRPr sz="1000" kern="1200"/>
+  </cs:chartArea>
+  <cs:dataLabel>
+    <cs:lnRef idx="0"/>
+    <cs:fillRef idx="0"/>
+    <cs:effectRef idx="0"/>
+    <cs:fontRef idx="minor">
+      <a:schemeClr val="tx1">
+        <a:lumMod val="75000"/>
+        <a:lumOff val="25000"/>
+      </a:schemeClr>
+    </cs:fontRef>
+    <cs:defRPr sz="900" kern="1200"/>
+  </cs:dataLabel>
+  <cs:dataLabelCallout>
+    <cs:lnRef idx="0"/>
+    <cs:fillRef idx="0"/>
+    <cs:effectRef idx="0"/>
+    <cs:fontRef idx="minor">
+      <a:schemeClr val="dk1">
+        <a:lumMod val="65000"/>
+        <a:lumOff val="35000"/>
+      </a:schemeClr>
+    </cs:fontRef>
+    <cs:spPr>
+      <a:solidFill>
+        <a:schemeClr val="lt1"/>
+      </a:solidFill>
+      <a:ln>
+        <a:solidFill>
+          <a:schemeClr val="dk1">
+            <a:lumMod val="25000"/>
+            <a:lumOff val="75000"/>
+          </a:schemeClr>
+        </a:solidFill>
+      </a:ln>
+    </cs:spPr>
+    <cs:defRPr sz="900" kern="1200"/>
+    <cs:bodyPr rot="0" spcFirstLastPara="1" vertOverflow="clip" horzOverflow="clip" vert="horz" wrap="square" lIns="36576" tIns="18288" rIns="36576" bIns="18288" anchor="ctr" anchorCtr="1">
+      <a:spAutoFit/>
+    </cs:bodyPr>
+  </cs:dataLabelCallout>
+  <cs:dataPoint>
+    <cs:lnRef idx="0"/>
+    <cs:fillRef idx="1">
+      <cs:styleClr val="auto"/>
+    </cs:fillRef>
+    <cs:effectRef idx="0"/>
+    <cs:fontRef idx="minor">
+      <a:schemeClr val="tx1"/>
+    </cs:fontRef>
+  </cs:dataPoint>
+  <cs:dataPoint3D>
+    <cs:lnRef idx="0"/>
+    <cs:fillRef idx="1">
+      <cs:styleClr val="auto"/>
+    </cs:fillRef>
+    <cs:effectRef idx="0"/>
+    <cs:fontRef idx="minor">
+      <a:schemeClr val="tx1"/>
+    </cs:fontRef>
+  </cs:dataPoint3D>
+  <cs:dataPointLine>
+    <cs:lnRef idx="0">
+      <cs:styleClr val="auto"/>
+    </cs:lnRef>
+    <cs:fillRef idx="1"/>
+    <cs:effectRef idx="0"/>
+    <cs:fontRef idx="minor">
+      <a:schemeClr val="tx1"/>
+    </cs:fontRef>
+    <cs:spPr>
+      <a:ln w="28575" cap="rnd">
+        <a:solidFill>
+          <a:schemeClr val="phClr"/>
+        </a:solidFill>
+        <a:round/>
+      </a:ln>
+    </cs:spPr>
+  </cs:dataPointLine>
+  <cs:dataPointMarker>
+    <cs:lnRef idx="0">
+      <cs:styleClr val="auto"/>
+    </cs:lnRef>
+    <cs:fillRef idx="1">
+      <cs:styleClr val="auto"/>
+    </cs:fillRef>
+    <cs:effectRef idx="0"/>
+    <cs:fontRef idx="minor">
+      <a:schemeClr val="tx1"/>
+    </cs:fontRef>
+    <cs:spPr>
+      <a:ln w="9525">
+        <a:solidFill>
+          <a:schemeClr val="phClr"/>
+        </a:solidFill>
+      </a:ln>
+    </cs:spPr>
+  </cs:dataPointMarker>
+  <cs:dataPointMarkerLayout symbol="circle" size="5"/>
+  <cs:dataPointWireframe>
+    <cs:lnRef idx="0">
+      <cs:styleClr val="auto"/>
+    </cs:lnRef>
+    <cs:fillRef idx="1"/>
+    <cs:effectRef idx="0"/>
+    <cs:fontRef idx="minor">
+      <a:schemeClr val="tx1"/>
+    </cs:fontRef>
+    <cs:spPr>
+      <a:ln w="9525" cap="rnd">
+        <a:solidFill>
+          <a:schemeClr val="phClr"/>
+        </a:solidFill>
+        <a:round/>
+      </a:ln>
+    </cs:spPr>
+  </cs:dataPointWireframe>
+  <cs:dataTable>
+    <cs:lnRef idx="0"/>
+    <cs:fillRef idx="0"/>
+    <cs:effectRef idx="0"/>
+    <cs:fontRef idx="minor">
+      <a:schemeClr val="tx1">
+        <a:lumMod val="65000"/>
+        <a:lumOff val="35000"/>
+      </a:schemeClr>
+    </cs:fontRef>
+    <cs:spPr>
+      <a:noFill/>
+      <a:ln w="9525" cap="flat" cmpd="sng" algn="ctr">
+        <a:solidFill>
+          <a:schemeClr val="tx1">
+            <a:lumMod val="15000"/>
+            <a:lumOff val="85000"/>
+          </a:schemeClr>
+        </a:solidFill>
+        <a:round/>
+      </a:ln>
+    </cs:spPr>
+    <cs:defRPr sz="900" kern="1200"/>
+  </cs:dataTable>
+  <cs:downBar>
+    <cs:lnRef idx="0"/>
+    <cs:fillRef idx="0"/>
+    <cs:effectRef idx="0"/>
+    <cs:fontRef idx="minor">
+      <a:schemeClr val="tx1"/>
+    </cs:fontRef>
+    <cs:spPr>
+      <a:solidFill>
+        <a:schemeClr val="dk1">
+          <a:lumMod val="75000"/>
+          <a:lumOff val="25000"/>
+        </a:schemeClr>
+      </a:solidFill>
+      <a:ln w="9525" cap="flat" cmpd="sng" algn="ctr">
+        <a:solidFill>
+          <a:schemeClr val="tx1">
+            <a:lumMod val="65000"/>
+            <a:lumOff val="35000"/>
+          </a:schemeClr>
+        </a:solidFill>
+        <a:round/>
+      </a:ln>
+    </cs:spPr>
+  </cs:downBar>
+  <cs:dropLine>
+    <cs:lnRef idx="0"/>
+    <cs:fillRef idx="0"/>
+    <cs:effectRef idx="0"/>
+    <cs:fontRef idx="minor">
+      <a:schemeClr val="tx1"/>
+    </cs:fontRef>
+    <cs:spPr>
+      <a:ln w="9525" cap="flat" cmpd="sng" algn="ctr">
+        <a:solidFill>
+          <a:schemeClr val="tx1">
+            <a:lumMod val="35000"/>
+            <a:lumOff val="65000"/>
+          </a:schemeClr>
+        </a:solidFill>
+        <a:round/>
+      </a:ln>
+    </cs:spPr>
+  </cs:dropLine>
+  <cs:errorBar>
+    <cs:lnRef idx="0"/>
+    <cs:fillRef idx="0"/>
+    <cs:effectRef idx="0"/>
+    <cs:fontRef idx="minor">
+      <a:schemeClr val="tx1"/>
+    </cs:fontRef>
+    <cs:spPr>
+      <a:ln w="9525" cap="flat" cmpd="sng" algn="ctr">
+        <a:solidFill>
+          <a:schemeClr val="tx1">
+            <a:lumMod val="65000"/>
+            <a:lumOff val="35000"/>
+          </a:schemeClr>
+        </a:solidFill>
+        <a:round/>
+      </a:ln>
+    </cs:spPr>
+  </cs:errorBar>
+  <cs:floor>
+    <cs:lnRef idx="0"/>
+    <cs:fillRef idx="0"/>
+    <cs:effectRef idx="0"/>
+    <cs:fontRef idx="minor">
+      <a:schemeClr val="tx1"/>
+    </cs:fontRef>
+    <cs:spPr>
+      <a:noFill/>
+      <a:ln>
+        <a:noFill/>
+      </a:ln>
+    </cs:spPr>
+  </cs:floor>
+  <cs:gridlineMajor>
+    <cs:lnRef idx="0"/>
+    <cs:fillRef idx="0"/>
+    <cs:effectRef idx="0"/>
+    <cs:fontRef idx="minor">
+      <a:schemeClr val="tx1"/>
+    </cs:fontRef>
+    <cs:spPr>
+      <a:ln w="9525" cap="flat" cmpd="sng" algn="ctr">
+        <a:solidFill>
+          <a:schemeClr val="tx1">
+            <a:lumMod val="15000"/>
+            <a:lumOff val="85000"/>
+          </a:schemeClr>
+        </a:solidFill>
+        <a:round/>
+      </a:ln>
+    </cs:spPr>
+  </cs:gridlineMajor>
+  <cs:gridlineMinor>
+    <cs:lnRef idx="0"/>
+    <cs:fillRef idx="0"/>
+    <cs:effectRef idx="0"/>
+    <cs:fontRef idx="minor">
+      <a:schemeClr val="tx1"/>
+    </cs:fontRef>
+    <cs:spPr>
+      <a:ln w="9525" cap="flat" cmpd="sng" algn="ctr">
+        <a:solidFill>
+          <a:schemeClr val="tx1">
+            <a:lumMod val="5000"/>
+            <a:lumOff val="95000"/>
+          </a:schemeClr>
+        </a:solidFill>
+        <a:round/>
+      </a:ln>
+    </cs:spPr>
+  </cs:gridlineMinor>
+  <cs:hiLoLine>
+    <cs:lnRef idx="0"/>
+    <cs:fillRef idx="0"/>
+    <cs:effectRef idx="0"/>
+    <cs:fontRef idx="minor">
+      <a:schemeClr val="tx1"/>
+    </cs:fontRef>
+    <cs:spPr>
+      <a:ln w="9525" cap="flat" cmpd="sng" algn="ctr">
+        <a:solidFill>
+          <a:schemeClr val="tx1">
+            <a:lumMod val="50000"/>
+            <a:lumOff val="50000"/>
+          </a:schemeClr>
+        </a:solidFill>
+        <a:round/>
+      </a:ln>
+    </cs:spPr>
+  </cs:hiLoLine>
+  <cs:leaderLine>
+    <cs:lnRef idx="0"/>
+    <cs:fillRef idx="0"/>
+    <cs:effectRef idx="0"/>
+    <cs:fontRef idx="minor">
+      <a:schemeClr val="tx1"/>
+    </cs:fontRef>
+    <cs:spPr>
+      <a:ln w="9525" cap="flat" cmpd="sng" algn="ctr">
+        <a:solidFill>
+          <a:schemeClr val="tx1">
+            <a:lumMod val="35000"/>
+            <a:lumOff val="65000"/>
+          </a:schemeClr>
+        </a:solidFill>
+        <a:round/>
+      </a:ln>
+    </cs:spPr>
+  </cs:leaderLine>
+  <cs:legend>
+    <cs:lnRef idx="0"/>
+    <cs:fillRef idx="0"/>
+    <cs:effectRef idx="0"/>
+    <cs:fontRef idx="minor">
+      <a:schemeClr val="tx1">
+        <a:lumMod val="65000"/>
+        <a:lumOff val="35000"/>
+      </a:schemeClr>
+    </cs:fontRef>
+    <cs:defRPr sz="900" kern="1200"/>
+  </cs:legend>
+  <cs:plotArea mods="allowNoFillOverride allowNoLineOverride">
+    <cs:lnRef idx="0"/>
+    <cs:fillRef idx="0"/>
+    <cs:effectRef idx="0"/>
+    <cs:fontRef idx="minor">
+      <a:schemeClr val="tx1"/>
+    </cs:fontRef>
+  </cs:plotArea>
+  <cs:plotArea3D mods="allowNoFillOverride allowNoLineOverride">
+    <cs:lnRef idx="0"/>
+    <cs:fillRef idx="0"/>
+    <cs:effectRef idx="0"/>
+    <cs:fontRef idx="minor">
+      <a:schemeClr val="tx1"/>
+    </cs:fontRef>
+  </cs:plotArea3D>
+  <cs:seriesAxis>
+    <cs:lnRef idx="0"/>
+    <cs:fillRef idx="0"/>
+    <cs:effectRef idx="0"/>
+    <cs:fontRef idx="minor">
+      <a:schemeClr val="tx1">
+        <a:lumMod val="65000"/>
+        <a:lumOff val="35000"/>
+      </a:schemeClr>
+    </cs:fontRef>
+    <cs:defRPr sz="900" kern="1200"/>
+  </cs:seriesAxis>
+  <cs:seriesLine>
+    <cs:lnRef idx="0"/>
+    <cs:fillRef idx="0"/>
+    <cs:effectRef idx="0"/>
+    <cs:fontRef idx="minor">
+      <a:schemeClr val="tx1"/>
+    </cs:fontRef>
+    <cs:spPr>
+      <a:ln w="9525" cap="flat" cmpd="sng" algn="ctr">
+        <a:solidFill>
+          <a:schemeClr val="tx1">
+            <a:lumMod val="35000"/>
+            <a:lumOff val="65000"/>
+          </a:schemeClr>
+        </a:solidFill>
+        <a:round/>
+      </a:ln>
+    </cs:spPr>
+  </cs:seriesLine>
+  <cs:title>
+    <cs:lnRef idx="0"/>
+    <cs:fillRef idx="0"/>
+    <cs:effectRef idx="0"/>
+    <cs:fontRef idx="minor">
+      <a:schemeClr val="tx1">
+        <a:lumMod val="65000"/>
+        <a:lumOff val="35000"/>
+      </a:schemeClr>
+    </cs:fontRef>
+    <cs:defRPr sz="1400" b="0" kern="1200" spc="0" baseline="0"/>
+  </cs:title>
+  <cs:trendline>
+    <cs:lnRef idx="0">
+      <cs:styleClr val="auto"/>
+    </cs:lnRef>
+    <cs:fillRef idx="0"/>
+    <cs:effectRef idx="0"/>
+    <cs:fontRef idx="minor">
+      <a:schemeClr val="tx1"/>
+    </cs:fontRef>
+    <cs:spPr>
+      <a:ln w="19050" cap="rnd">
+        <a:solidFill>
+          <a:schemeClr val="phClr"/>
+        </a:solidFill>
+        <a:prstDash val="sysDot"/>
+      </a:ln>
+    </cs:spPr>
+  </cs:trendline>
+  <cs:trendlineLabel>
+    <cs:lnRef idx="0"/>
+    <cs:fillRef idx="0"/>
+    <cs:effectRef idx="0"/>
+    <cs:fontRef idx="minor">
+      <a:schemeClr val="tx1">
+        <a:lumMod val="65000"/>
+        <a:lumOff val="35000"/>
+      </a:schemeClr>
+    </cs:fontRef>
+    <cs:defRPr sz="900" kern="1200"/>
+  </cs:trendlineLabel>
+  <cs:upBar>
+    <cs:lnRef idx="0"/>
+    <cs:fillRef idx="0"/>
+    <cs:effectRef idx="0"/>
+    <cs:fontRef idx="minor">
+      <a:schemeClr val="tx1"/>
+    </cs:fontRef>
+    <cs:spPr>
+      <a:solidFill>
+        <a:schemeClr val="lt1"/>
+      </a:solidFill>
+      <a:ln w="9525" cap="flat" cmpd="sng" algn="ctr">
+        <a:solidFill>
+          <a:schemeClr val="tx1">
+            <a:lumMod val="65000"/>
+            <a:lumOff val="35000"/>
+          </a:schemeClr>
+        </a:solidFill>
+        <a:round/>
+      </a:ln>
+    </cs:spPr>
+  </cs:upBar>
+  <cs:valueAxis>
+    <cs:lnRef idx="0"/>
+    <cs:fillRef idx="0"/>
+    <cs:effectRef idx="0"/>
+    <cs:fontRef idx="minor">
+      <a:schemeClr val="tx1">
+        <a:lumMod val="65000"/>
+        <a:lumOff val="35000"/>
+      </a:schemeClr>
+    </cs:fontRef>
+    <cs:defRPr sz="900" kern="1200"/>
+  </cs:valueAxis>
+  <cs:wall>
+    <cs:lnRef idx="0"/>
+    <cs:fillRef idx="0"/>
+    <cs:effectRef idx="0"/>
+    <cs:fontRef idx="minor">
+      <a:schemeClr val="tx1"/>
+    </cs:fontRef>
+    <cs:spPr>
+      <a:noFill/>
+      <a:ln>
+        <a:noFill/>
+      </a:ln>
+    </cs:spPr>
+  </cs:wall>
+</cs:chartStyle>
+</file>
+
+<file path=ppt/charts/style2.xml><?xml version="1.0" encoding="utf-8"?>
+<cs:chartStyle xmlns:cs="http://schemas.microsoft.com/office/drawing/2012/chartStyle" xmlns:a="http://schemas.openxmlformats.org/drawingml/2006/main" id="227">
+  <cs:axisTitle>
+    <cs:lnRef idx="0"/>
+    <cs:fillRef idx="0"/>
+    <cs:effectRef idx="0"/>
+    <cs:fontRef idx="minor">
+      <a:schemeClr val="tx1">
+        <a:lumMod val="65000"/>
+        <a:lumOff val="35000"/>
+      </a:schemeClr>
+    </cs:fontRef>
+    <cs:defRPr sz="1000" kern="1200"/>
+  </cs:axisTitle>
+  <cs:categoryAxis>
+    <cs:lnRef idx="0"/>
+    <cs:fillRef idx="0"/>
+    <cs:effectRef idx="0"/>
+    <cs:fontRef idx="minor">
+      <a:schemeClr val="tx1">
+        <a:lumMod val="65000"/>
+        <a:lumOff val="35000"/>
+      </a:schemeClr>
+    </cs:fontRef>
+    <cs:spPr>
+      <a:ln w="9525" cap="flat" cmpd="sng" algn="ctr">
+        <a:solidFill>
+          <a:schemeClr val="tx1">
+            <a:lumMod val="15000"/>
+            <a:lumOff val="85000"/>
+          </a:schemeClr>
+        </a:solidFill>
+        <a:round/>
+      </a:ln>
+    </cs:spPr>
+    <cs:defRPr sz="900" kern="1200"/>
+  </cs:categoryAxis>
+  <cs:chartArea mods="allowNoFillOverride allowNoLineOverride">
+    <cs:lnRef idx="0"/>
+    <cs:fillRef idx="0"/>
+    <cs:effectRef idx="0"/>
+    <cs:fontRef idx="minor">
+      <a:schemeClr val="tx1"/>
+    </cs:fontRef>
+    <cs:spPr>
+      <a:solidFill>
+        <a:schemeClr val="bg1"/>
+      </a:solidFill>
+      <a:ln w="9525" cap="flat" cmpd="sng" algn="ctr">
+        <a:solidFill>
+          <a:schemeClr val="tx1">
+            <a:lumMod val="15000"/>
+            <a:lumOff val="85000"/>
+          </a:schemeClr>
+        </a:solidFill>
+        <a:round/>
+      </a:ln>
+    </cs:spPr>
+    <cs:defRPr sz="1000" kern="1200"/>
+  </cs:chartArea>
+  <cs:dataLabel>
+    <cs:lnRef idx="0"/>
+    <cs:fillRef idx="0"/>
+    <cs:effectRef idx="0"/>
+    <cs:fontRef idx="minor">
+      <a:schemeClr val="tx1">
+        <a:lumMod val="75000"/>
+        <a:lumOff val="25000"/>
+      </a:schemeClr>
+    </cs:fontRef>
+    <cs:defRPr sz="900" kern="1200"/>
+  </cs:dataLabel>
+  <cs:dataLabelCallout>
+    <cs:lnRef idx="0"/>
+    <cs:fillRef idx="0"/>
+    <cs:effectRef idx="0"/>
+    <cs:fontRef idx="minor">
+      <a:schemeClr val="dk1">
+        <a:lumMod val="65000"/>
+        <a:lumOff val="35000"/>
+      </a:schemeClr>
+    </cs:fontRef>
+    <cs:spPr>
+      <a:solidFill>
+        <a:schemeClr val="lt1"/>
+      </a:solidFill>
+      <a:ln>
+        <a:solidFill>
+          <a:schemeClr val="dk1">
+            <a:lumMod val="25000"/>
+            <a:lumOff val="75000"/>
+          </a:schemeClr>
+        </a:solidFill>
+      </a:ln>
+    </cs:spPr>
+    <cs:defRPr sz="900" kern="1200"/>
+    <cs:bodyPr rot="0" spcFirstLastPara="1" vertOverflow="clip" horzOverflow="clip" vert="horz" wrap="square" lIns="36576" tIns="18288" rIns="36576" bIns="18288" anchor="ctr" anchorCtr="1">
+      <a:spAutoFit/>
+    </cs:bodyPr>
+  </cs:dataLabelCallout>
+  <cs:dataPoint>
+    <cs:lnRef idx="0"/>
+    <cs:fillRef idx="1">
+      <cs:styleClr val="auto"/>
+    </cs:fillRef>
+    <cs:effectRef idx="0"/>
+    <cs:fontRef idx="minor">
+      <a:schemeClr val="tx1"/>
+    </cs:fontRef>
+    <cs:spPr>
+      <a:solidFill>
+        <a:schemeClr val="phClr"/>
+      </a:solidFill>
+    </cs:spPr>
+  </cs:dataPoint>
+  <cs:dataPoint3D>
+    <cs:lnRef idx="0"/>
+    <cs:fillRef idx="1">
+      <cs:styleClr val="auto"/>
+    </cs:fillRef>
+    <cs:effectRef idx="0"/>
+    <cs:fontRef idx="minor">
+      <a:schemeClr val="tx1"/>
+    </cs:fontRef>
+    <cs:spPr>
+      <a:solidFill>
+        <a:schemeClr val="phClr"/>
+      </a:solidFill>
+    </cs:spPr>
+  </cs:dataPoint3D>
+  <cs:dataPointLine>
+    <cs:lnRef idx="0">
+      <cs:styleClr val="auto"/>
+    </cs:lnRef>
+    <cs:fillRef idx="1"/>
+    <cs:effectRef idx="0"/>
+    <cs:fontRef idx="minor">
+      <a:schemeClr val="tx1"/>
+    </cs:fontRef>
+    <cs:spPr>
+      <a:ln w="28575" cap="rnd">
+        <a:solidFill>
+          <a:schemeClr val="phClr"/>
+        </a:solidFill>
+        <a:round/>
+      </a:ln>
+    </cs:spPr>
+  </cs:dataPointLine>
+  <cs:dataPointMarker>
+    <cs:lnRef idx="0">
+      <cs:styleClr val="auto"/>
+    </cs:lnRef>
+    <cs:fillRef idx="1">
+      <cs:styleClr val="auto"/>
+    </cs:fillRef>
+    <cs:effectRef idx="0"/>
+    <cs:fontRef idx="minor">
+      <a:schemeClr val="tx1"/>
+    </cs:fontRef>
+    <cs:spPr>
+      <a:solidFill>
+        <a:schemeClr val="phClr"/>
+      </a:solidFill>
+      <a:ln w="9525">
+        <a:solidFill>
+          <a:schemeClr val="phClr"/>
+        </a:solidFill>
+      </a:ln>
+    </cs:spPr>
+  </cs:dataPointMarker>
+  <cs:dataPointMarkerLayout symbol="circle" size="5"/>
+  <cs:dataPointWireframe>
+    <cs:lnRef idx="0">
+      <cs:styleClr val="auto"/>
+    </cs:lnRef>
+    <cs:fillRef idx="1"/>
+    <cs:effectRef idx="0"/>
+    <cs:fontRef idx="minor">
+      <a:schemeClr val="tx1"/>
+    </cs:fontRef>
+    <cs:spPr>
+      <a:ln w="9525" cap="rnd">
+        <a:solidFill>
+          <a:schemeClr val="phClr"/>
+        </a:solidFill>
+        <a:round/>
+      </a:ln>
+    </cs:spPr>
+  </cs:dataPointWireframe>
+  <cs:dataTable>
+    <cs:lnRef idx="0"/>
+    <cs:fillRef idx="0"/>
+    <cs:effectRef idx="0"/>
+    <cs:fontRef idx="minor">
+      <a:schemeClr val="tx1">
+        <a:lumMod val="65000"/>
+        <a:lumOff val="35000"/>
+      </a:schemeClr>
+    </cs:fontRef>
+    <cs:spPr>
+      <a:noFill/>
+      <a:ln w="9525" cap="flat" cmpd="sng" algn="ctr">
+        <a:solidFill>
+          <a:schemeClr val="tx1">
+            <a:lumMod val="15000"/>
+            <a:lumOff val="85000"/>
+          </a:schemeClr>
+        </a:solidFill>
+        <a:round/>
+      </a:ln>
+    </cs:spPr>
+    <cs:defRPr sz="900" kern="1200"/>
+  </cs:dataTable>
+  <cs:downBar>
+    <cs:lnRef idx="0"/>
+    <cs:fillRef idx="0"/>
+    <cs:effectRef idx="0"/>
+    <cs:fontRef idx="minor">
+      <a:schemeClr val="dk1"/>
+    </cs:fontRef>
+    <cs:spPr>
+      <a:solidFill>
+        <a:schemeClr val="dk1">
+          <a:lumMod val="65000"/>
+          <a:lumOff val="35000"/>
+        </a:schemeClr>
+      </a:solidFill>
+      <a:ln w="9525">
+        <a:solidFill>
+          <a:schemeClr val="tx1">
+            <a:lumMod val="65000"/>
+            <a:lumOff val="35000"/>
+          </a:schemeClr>
+        </a:solidFill>
+      </a:ln>
+    </cs:spPr>
+  </cs:downBar>
+  <cs:dropLine>
+    <cs:lnRef idx="0"/>
+    <cs:fillRef idx="0"/>
+    <cs:effectRef idx="0"/>
+    <cs:fontRef idx="minor">
+      <a:schemeClr val="tx1"/>
+    </cs:fontRef>
+    <cs:spPr>
+      <a:ln w="9525" cap="flat" cmpd="sng" algn="ctr">
+        <a:solidFill>
+          <a:schemeClr val="tx1">
+            <a:lumMod val="35000"/>
+            <a:lumOff val="65000"/>
+          </a:schemeClr>
+        </a:solidFill>
+        <a:round/>
+      </a:ln>
+    </cs:spPr>
+  </cs:dropLine>
+  <cs:errorBar>
+    <cs:lnRef idx="0"/>
+    <cs:fillRef idx="0"/>
+    <cs:effectRef idx="0"/>
+    <cs:fontRef idx="minor">
+      <a:schemeClr val="tx1"/>
+    </cs:fontRef>
+    <cs:spPr>
+      <a:ln w="9525" cap="flat" cmpd="sng" algn="ctr">
+        <a:solidFill>
+          <a:schemeClr val="tx1">
+            <a:lumMod val="65000"/>
+            <a:lumOff val="35000"/>
+          </a:schemeClr>
+        </a:solidFill>
+        <a:round/>
+      </a:ln>
+    </cs:spPr>
+  </cs:errorBar>
+  <cs:floor>
+    <cs:lnRef idx="0"/>
+    <cs:fillRef idx="0"/>
+    <cs:effectRef idx="0"/>
+    <cs:fontRef idx="minor">
+      <a:schemeClr val="tx1"/>
+    </cs:fontRef>
+    <cs:spPr>
+      <a:noFill/>
+      <a:ln>
+        <a:noFill/>
+      </a:ln>
+    </cs:spPr>
+  </cs:floor>
+  <cs:gridlineMajor>
+    <cs:lnRef idx="0"/>
+    <cs:fillRef idx="0"/>
+    <cs:effectRef idx="0"/>
+    <cs:fontRef idx="minor">
+      <a:schemeClr val="tx1"/>
+    </cs:fontRef>
+    <cs:spPr>
+      <a:ln w="9525" cap="flat" cmpd="sng" algn="ctr">
+        <a:solidFill>
+          <a:schemeClr val="tx1">
+            <a:lumMod val="15000"/>
+            <a:lumOff val="85000"/>
+          </a:schemeClr>
+        </a:solidFill>
+        <a:round/>
+      </a:ln>
+    </cs:spPr>
+  </cs:gridlineMajor>
+  <cs:gridlineMinor>
+    <cs:lnRef idx="0"/>
+    <cs:fillRef idx="0"/>
+    <cs:effectRef idx="0"/>
+    <cs:fontRef idx="minor">
+      <a:schemeClr val="tx1"/>
+    </cs:fontRef>
+    <cs:spPr>
+      <a:ln w="9525" cap="flat" cmpd="sng" algn="ctr">
+        <a:solidFill>
+          <a:schemeClr val="tx1">
+            <a:lumMod val="5000"/>
+            <a:lumOff val="95000"/>
+          </a:schemeClr>
+        </a:solidFill>
+        <a:round/>
+      </a:ln>
+    </cs:spPr>
+  </cs:gridlineMinor>
+  <cs:hiLoLine>
+    <cs:lnRef idx="0"/>
+    <cs:fillRef idx="0"/>
+    <cs:effectRef idx="0"/>
+    <cs:fontRef idx="minor">
+      <a:schemeClr val="tx1"/>
+    </cs:fontRef>
+    <cs:spPr>
+      <a:ln w="9525" cap="flat" cmpd="sng" algn="ctr">
+        <a:solidFill>
+          <a:schemeClr val="tx1">
+            <a:lumMod val="75000"/>
+            <a:lumOff val="25000"/>
+          </a:schemeClr>
+        </a:solidFill>
+        <a:round/>
+      </a:ln>
+    </cs:spPr>
+  </cs:hiLoLine>
+  <cs:leaderLine>
+    <cs:lnRef idx="0"/>
+    <cs:fillRef idx="0"/>
+    <cs:effectRef idx="0"/>
+    <cs:fontRef idx="minor">
+      <a:schemeClr val="tx1"/>
+    </cs:fontRef>
+    <cs:spPr>
+      <a:ln w="9525" cap="flat" cmpd="sng" algn="ctr">
+        <a:solidFill>
+          <a:schemeClr val="tx1">
+            <a:lumMod val="35000"/>
+            <a:lumOff val="65000"/>
+          </a:schemeClr>
+        </a:solidFill>
+        <a:round/>
+      </a:ln>
+    </cs:spPr>
+  </cs:leaderLine>
+  <cs:legend>
+    <cs:lnRef idx="0"/>
+    <cs:fillRef idx="0"/>
+    <cs:effectRef idx="0"/>
+    <cs:fontRef idx="minor">
+      <a:schemeClr val="tx1">
+        <a:lumMod val="65000"/>
+        <a:lumOff val="35000"/>
+      </a:schemeClr>
+    </cs:fontRef>
+    <cs:defRPr sz="900" kern="1200"/>
+  </cs:legend>
+  <cs:plotArea mods="allowNoFillOverride allowNoLineOverride">
+    <cs:lnRef idx="0"/>
+    <cs:fillRef idx="0"/>
+    <cs:effectRef idx="0"/>
+    <cs:fontRef idx="minor">
+      <a:schemeClr val="tx1"/>
+    </cs:fontRef>
+  </cs:plotArea>
+  <cs:plotArea3D mods="allowNoFillOverride allowNoLineOverride">
+    <cs:lnRef idx="0"/>
+    <cs:fillRef idx="0"/>
+    <cs:effectRef idx="0"/>
+    <cs:fontRef idx="minor">
+      <a:schemeClr val="tx1"/>
+    </cs:fontRef>
+  </cs:plotArea3D>
+  <cs:seriesAxis>
+    <cs:lnRef idx="0"/>
+    <cs:fillRef idx="0"/>
+    <cs:effectRef idx="0"/>
+    <cs:fontRef idx="minor">
+      <a:schemeClr val="tx1">
+        <a:lumMod val="65000"/>
+        <a:lumOff val="35000"/>
+      </a:schemeClr>
+    </cs:fontRef>
+    <cs:defRPr sz="900" kern="1200"/>
+  </cs:seriesAxis>
+  <cs:seriesLine>
+    <cs:lnRef idx="0"/>
+    <cs:fillRef idx="0"/>
+    <cs:effectRef idx="0"/>
+    <cs:fontRef idx="minor">
+      <a:schemeClr val="tx1"/>
+    </cs:fontRef>
+    <cs:spPr>
+      <a:ln w="9525" cap="flat" cmpd="sng" algn="ctr">
+        <a:solidFill>
+          <a:schemeClr val="tx1">
+            <a:lumMod val="35000"/>
+            <a:lumOff val="65000"/>
+          </a:schemeClr>
+        </a:solidFill>
+        <a:round/>
+      </a:ln>
+    </cs:spPr>
+  </cs:seriesLine>
+  <cs:title>
+    <cs:lnRef idx="0"/>
+    <cs:fillRef idx="0"/>
+    <cs:effectRef idx="0"/>
+    <cs:fontRef idx="minor">
+      <a:schemeClr val="tx1">
+        <a:lumMod val="65000"/>
+        <a:lumOff val="35000"/>
+      </a:schemeClr>
+    </cs:fontRef>
+    <cs:defRPr sz="1400" b="0" kern="1200" spc="0" baseline="0"/>
+  </cs:title>
+  <cs:trendline>
+    <cs:lnRef idx="0">
+      <cs:styleClr val="auto"/>
+    </cs:lnRef>
+    <cs:fillRef idx="0"/>
+    <cs:effectRef idx="0"/>
+    <cs:fontRef idx="minor">
+      <a:schemeClr val="tx1"/>
+    </cs:fontRef>
+    <cs:spPr>
+      <a:ln w="19050" cap="rnd">
+        <a:solidFill>
+          <a:schemeClr val="phClr"/>
+        </a:solidFill>
+        <a:prstDash val="sysDot"/>
+      </a:ln>
+    </cs:spPr>
+  </cs:trendline>
+  <cs:trendlineLabel>
+    <cs:lnRef idx="0"/>
+    <cs:fillRef idx="0"/>
+    <cs:effectRef idx="0"/>
+    <cs:fontRef idx="minor">
+      <a:schemeClr val="tx1">
+        <a:lumMod val="65000"/>
+        <a:lumOff val="35000"/>
+      </a:schemeClr>
+    </cs:fontRef>
+    <cs:defRPr sz="900" kern="1200"/>
+  </cs:trendlineLabel>
+  <cs:upBar>
+    <cs:lnRef idx="0"/>
+    <cs:fillRef idx="0"/>
+    <cs:effectRef idx="0"/>
+    <cs:fontRef idx="minor">
+      <a:schemeClr val="dk1"/>
+    </cs:fontRef>
+    <cs:spPr>
+      <a:solidFill>
+        <a:schemeClr val="lt1"/>
+      </a:solidFill>
+      <a:ln w="9525">
+        <a:solidFill>
+          <a:schemeClr val="tx1">
+            <a:lumMod val="15000"/>
+            <a:lumOff val="85000"/>
+          </a:schemeClr>
+        </a:solidFill>
+      </a:ln>
+    </cs:spPr>
+  </cs:upBar>
+  <cs:valueAxis>
+    <cs:lnRef idx="0"/>
+    <cs:fillRef idx="0"/>
+    <cs:effectRef idx="0"/>
+    <cs:fontRef idx="minor">
+      <a:schemeClr val="tx1">
+        <a:lumMod val="65000"/>
+        <a:lumOff val="35000"/>
+      </a:schemeClr>
+    </cs:fontRef>
+    <cs:defRPr sz="900" kern="1200"/>
+  </cs:valueAxis>
+  <cs:wall>
+    <cs:lnRef idx="0"/>
+    <cs:fillRef idx="0"/>
+    <cs:effectRef idx="0"/>
+    <cs:fontRef idx="minor">
+      <a:schemeClr val="tx1"/>
+    </cs:fontRef>
+    <cs:spPr>
+      <a:noFill/>
+      <a:ln>
+        <a:noFill/>
+      </a:ln>
+    </cs:spPr>
+  </cs:wall>
+</cs:chartStyle>
 </file>
 
 <file path=ppt/slideLayouts/slideLayout1.xml><?xml version="1.0" encoding="utf-8"?>
@@ -355,7 +2465,7 @@
           <a:p>
             <a:fld id="{07ED955C-40D2-4926-94AF-5D175A139372}" type="datetimeFigureOut">
               <a:rPr lang="en-IN" smtClean="0"/>
-              <a:t>15-07-2017</a:t>
+              <a:t>16-07-2017</a:t>
             </a:fld>
             <a:endParaRPr lang="en-IN"/>
           </a:p>
@@ -563,7 +2673,7 @@
           <a:p>
             <a:fld id="{07ED955C-40D2-4926-94AF-5D175A139372}" type="datetimeFigureOut">
               <a:rPr lang="en-IN" smtClean="0"/>
-              <a:t>15-07-2017</a:t>
+              <a:t>16-07-2017</a:t>
             </a:fld>
             <a:endParaRPr lang="en-IN"/>
           </a:p>
@@ -819,7 +2929,7 @@
           <a:p>
             <a:fld id="{07ED955C-40D2-4926-94AF-5D175A139372}" type="datetimeFigureOut">
               <a:rPr lang="en-IN" smtClean="0"/>
-              <a:t>15-07-2017</a:t>
+              <a:t>16-07-2017</a:t>
             </a:fld>
             <a:endParaRPr lang="en-IN"/>
           </a:p>
@@ -993,7 +3103,7 @@
           <a:p>
             <a:fld id="{07ED955C-40D2-4926-94AF-5D175A139372}" type="datetimeFigureOut">
               <a:rPr lang="en-IN" smtClean="0"/>
-              <a:t>15-07-2017</a:t>
+              <a:t>16-07-2017</a:t>
             </a:fld>
             <a:endParaRPr lang="en-IN"/>
           </a:p>
@@ -1336,7 +3446,7 @@
           <a:p>
             <a:fld id="{07ED955C-40D2-4926-94AF-5D175A139372}" type="datetimeFigureOut">
               <a:rPr lang="en-IN" smtClean="0"/>
-              <a:t>15-07-2017</a:t>
+              <a:t>16-07-2017</a:t>
             </a:fld>
             <a:endParaRPr lang="en-IN"/>
           </a:p>
@@ -1611,7 +3721,7 @@
           <a:p>
             <a:fld id="{07ED955C-40D2-4926-94AF-5D175A139372}" type="datetimeFigureOut">
               <a:rPr lang="en-IN" smtClean="0"/>
-              <a:t>15-07-2017</a:t>
+              <a:t>16-07-2017</a:t>
             </a:fld>
             <a:endParaRPr lang="en-IN"/>
           </a:p>
@@ -1990,7 +4100,7 @@
           <a:p>
             <a:fld id="{07ED955C-40D2-4926-94AF-5D175A139372}" type="datetimeFigureOut">
               <a:rPr lang="en-IN" smtClean="0"/>
-              <a:t>15-07-2017</a:t>
+              <a:t>16-07-2017</a:t>
             </a:fld>
             <a:endParaRPr lang="en-IN"/>
           </a:p>
@@ -2108,7 +4218,7 @@
           <a:p>
             <a:fld id="{07ED955C-40D2-4926-94AF-5D175A139372}" type="datetimeFigureOut">
               <a:rPr lang="en-IN" smtClean="0"/>
-              <a:t>15-07-2017</a:t>
+              <a:t>16-07-2017</a:t>
             </a:fld>
             <a:endParaRPr lang="en-IN"/>
           </a:p>
@@ -2279,7 +4389,7 @@
           <a:p>
             <a:fld id="{07ED955C-40D2-4926-94AF-5D175A139372}" type="datetimeFigureOut">
               <a:rPr lang="en-IN" smtClean="0"/>
-              <a:t>15-07-2017</a:t>
+              <a:t>16-07-2017</a:t>
             </a:fld>
             <a:endParaRPr lang="en-IN"/>
           </a:p>
@@ -2633,7 +4743,7 @@
           <a:p>
             <a:fld id="{07ED955C-40D2-4926-94AF-5D175A139372}" type="datetimeFigureOut">
               <a:rPr lang="en-IN" smtClean="0"/>
-              <a:t>15-07-2017</a:t>
+              <a:t>16-07-2017</a:t>
             </a:fld>
             <a:endParaRPr lang="en-IN"/>
           </a:p>
@@ -3015,7 +5125,7 @@
           <a:p>
             <a:fld id="{07ED955C-40D2-4926-94AF-5D175A139372}" type="datetimeFigureOut">
               <a:rPr lang="en-IN" smtClean="0"/>
-              <a:t>15-07-2017</a:t>
+              <a:t>16-07-2017</a:t>
             </a:fld>
             <a:endParaRPr lang="en-IN"/>
           </a:p>
@@ -3302,7 +5412,7 @@
           <a:p>
             <a:fld id="{07ED955C-40D2-4926-94AF-5D175A139372}" type="datetimeFigureOut">
               <a:rPr lang="en-IN" smtClean="0"/>
-              <a:t>15-07-2017</a:t>
+              <a:t>16-07-2017</a:t>
             </a:fld>
             <a:endParaRPr lang="en-IN"/>
           </a:p>
@@ -7291,11 +9401,7 @@
             </a:r>
             <a:r>
               <a:rPr lang="en-US" sz="2400" dirty="0"/>
-              <a:t>nodes store their data in a hierarchical name space, much like a file system or a </a:t>
-            </a:r>
-            <a:r>
-              <a:rPr lang="en-US" sz="2400" dirty="0"/>
-              <a:t> </a:t>
+              <a:t>nodes store their data in a hierarchical name space, much like a file system or a  </a:t>
             </a:r>
             <a:r>
               <a:rPr lang="en-US" sz="2400" dirty="0" smtClean="0"/>
@@ -7974,6 +10080,390 @@
     <p:extLst>
       <p:ext uri="{BB962C8B-B14F-4D97-AF65-F5344CB8AC3E}">
         <p14:creationId xmlns:p14="http://schemas.microsoft.com/office/powerpoint/2010/main" val="2462715942"/>
+      </p:ext>
+    </p:extLst>
+  </p:cSld>
+  <p:clrMapOvr>
+    <a:masterClrMapping/>
+  </p:clrMapOvr>
+</p:sld>
+</file>
+
+<file path=ppt/slides/slide24.xml><?xml version="1.0" encoding="utf-8"?>
+<p:sld xmlns:a="http://schemas.openxmlformats.org/drawingml/2006/main" xmlns:r="http://schemas.openxmlformats.org/officeDocument/2006/relationships" xmlns:p="http://schemas.openxmlformats.org/presentationml/2006/main">
+  <p:cSld>
+    <p:spTree>
+      <p:nvGrpSpPr>
+        <p:cNvPr id="1" name=""/>
+        <p:cNvGrpSpPr/>
+        <p:nvPr/>
+      </p:nvGrpSpPr>
+      <p:grpSpPr>
+        <a:xfrm>
+          <a:off x="0" y="0"/>
+          <a:ext cx="0" cy="0"/>
+          <a:chOff x="0" y="0"/>
+          <a:chExt cx="0" cy="0"/>
+        </a:xfrm>
+      </p:grpSpPr>
+      <p:sp>
+        <p:nvSpPr>
+          <p:cNvPr id="2" name="Title 1"/>
+          <p:cNvSpPr>
+            <a:spLocks noGrp="1"/>
+          </p:cNvSpPr>
+          <p:nvPr>
+            <p:ph type="title"/>
+          </p:nvPr>
+        </p:nvSpPr>
+        <p:spPr/>
+        <p:txBody>
+          <a:bodyPr/>
+          <a:lstStyle/>
+          <a:p>
+            <a:r>
+              <a:rPr lang="en-IN" dirty="0"/>
+              <a:t>CONCLUSIONS</a:t>
+            </a:r>
+          </a:p>
+        </p:txBody>
+      </p:sp>
+      <p:sp>
+        <p:nvSpPr>
+          <p:cNvPr id="3" name="Content Placeholder 2"/>
+          <p:cNvSpPr>
+            <a:spLocks noGrp="1"/>
+          </p:cNvSpPr>
+          <p:nvPr>
+            <p:ph idx="1"/>
+          </p:nvPr>
+        </p:nvSpPr>
+        <p:spPr>
+          <a:xfrm>
+            <a:off x="1097280" y="2121946"/>
+            <a:ext cx="10058400" cy="4023360"/>
+          </a:xfrm>
+        </p:spPr>
+        <p:txBody>
+          <a:bodyPr/>
+          <a:lstStyle/>
+          <a:p>
+            <a:r>
+              <a:rPr lang="en-IN" dirty="0"/>
+              <a:t>Total number of application increases over year.</a:t>
+            </a:r>
+          </a:p>
+          <a:p>
+            <a:endParaRPr lang="en-IN" dirty="0"/>
+          </a:p>
+        </p:txBody>
+      </p:sp>
+      <p:graphicFrame>
+        <p:nvGraphicFramePr>
+          <p:cNvPr id="4" name="Chart 3"/>
+          <p:cNvGraphicFramePr/>
+          <p:nvPr>
+            <p:extLst>
+              <p:ext uri="{D42A27DB-BD31-4B8C-83A1-F6EECF244321}">
+                <p14:modId xmlns:p14="http://schemas.microsoft.com/office/powerpoint/2010/main" val="3817820853"/>
+              </p:ext>
+            </p:extLst>
+          </p:nvPr>
+        </p:nvGraphicFramePr>
+        <p:xfrm>
+          <a:off x="3043518" y="2554941"/>
+          <a:ext cx="5925670" cy="3697941"/>
+        </p:xfrm>
+        <a:graphic>
+          <a:graphicData uri="http://schemas.openxmlformats.org/drawingml/2006/chart">
+            <c:chart xmlns:c="http://schemas.openxmlformats.org/drawingml/2006/chart" xmlns:r="http://schemas.openxmlformats.org/officeDocument/2006/relationships" r:id="rId2"/>
+          </a:graphicData>
+        </a:graphic>
+      </p:graphicFrame>
+    </p:spTree>
+    <p:extLst>
+      <p:ext uri="{BB962C8B-B14F-4D97-AF65-F5344CB8AC3E}">
+        <p14:creationId xmlns:p14="http://schemas.microsoft.com/office/powerpoint/2010/main" val="3048879484"/>
+      </p:ext>
+    </p:extLst>
+  </p:cSld>
+  <p:clrMapOvr>
+    <a:masterClrMapping/>
+  </p:clrMapOvr>
+</p:sld>
+</file>
+
+<file path=ppt/slides/slide25.xml><?xml version="1.0" encoding="utf-8"?>
+<p:sld xmlns:a="http://schemas.openxmlformats.org/drawingml/2006/main" xmlns:r="http://schemas.openxmlformats.org/officeDocument/2006/relationships" xmlns:p="http://schemas.openxmlformats.org/presentationml/2006/main">
+  <p:cSld>
+    <p:spTree>
+      <p:nvGrpSpPr>
+        <p:cNvPr id="1" name=""/>
+        <p:cNvGrpSpPr/>
+        <p:nvPr/>
+      </p:nvGrpSpPr>
+      <p:grpSpPr>
+        <a:xfrm>
+          <a:off x="0" y="0"/>
+          <a:ext cx="0" cy="0"/>
+          <a:chOff x="0" y="0"/>
+          <a:chExt cx="0" cy="0"/>
+        </a:xfrm>
+      </p:grpSpPr>
+      <p:sp>
+        <p:nvSpPr>
+          <p:cNvPr id="2" name="Title 1"/>
+          <p:cNvSpPr>
+            <a:spLocks noGrp="1"/>
+          </p:cNvSpPr>
+          <p:nvPr>
+            <p:ph type="title"/>
+          </p:nvPr>
+        </p:nvSpPr>
+        <p:spPr/>
+        <p:txBody>
+          <a:bodyPr/>
+          <a:lstStyle/>
+          <a:p>
+            <a:r>
+              <a:rPr lang="en-IN" dirty="0"/>
+              <a:t>CONCLUSIONS</a:t>
+            </a:r>
+            <a:endParaRPr lang="en-IN" dirty="0"/>
+          </a:p>
+        </p:txBody>
+      </p:sp>
+      <p:graphicFrame>
+        <p:nvGraphicFramePr>
+          <p:cNvPr id="4" name="Content Placeholder 3"/>
+          <p:cNvGraphicFramePr>
+            <a:graphicFrameLocks noGrp="1"/>
+          </p:cNvGraphicFramePr>
+          <p:nvPr>
+            <p:ph idx="1"/>
+            <p:extLst>
+              <p:ext uri="{D42A27DB-BD31-4B8C-83A1-F6EECF244321}">
+                <p14:modId xmlns:p14="http://schemas.microsoft.com/office/powerpoint/2010/main" val="3007043052"/>
+              </p:ext>
+            </p:extLst>
+          </p:nvPr>
+        </p:nvGraphicFramePr>
+        <p:xfrm>
+          <a:off x="2979551" y="2622176"/>
+          <a:ext cx="6218237" cy="3536577"/>
+        </p:xfrm>
+        <a:graphic>
+          <a:graphicData uri="http://schemas.openxmlformats.org/drawingml/2006/chart">
+            <c:chart xmlns:c="http://schemas.openxmlformats.org/drawingml/2006/chart" xmlns:r="http://schemas.openxmlformats.org/officeDocument/2006/relationships" r:id="rId2"/>
+          </a:graphicData>
+        </a:graphic>
+      </p:graphicFrame>
+      <p:sp>
+        <p:nvSpPr>
+          <p:cNvPr id="5" name="Rectangle 4"/>
+          <p:cNvSpPr/>
+          <p:nvPr/>
+        </p:nvSpPr>
+        <p:spPr>
+          <a:xfrm>
+            <a:off x="1259541" y="1948705"/>
+            <a:ext cx="9896139" cy="566950"/>
+          </a:xfrm>
+          <a:prstGeom prst="rect">
+            <a:avLst/>
+          </a:prstGeom>
+        </p:spPr>
+        <p:txBody>
+          <a:bodyPr wrap="square">
+            <a:spAutoFit/>
+          </a:bodyPr>
+          <a:lstStyle/>
+          <a:p>
+            <a:pPr marL="342900" lvl="0" indent="-342900">
+              <a:lnSpc>
+                <a:spcPct val="200000"/>
+              </a:lnSpc>
+              <a:spcAft>
+                <a:spcPts val="0"/>
+              </a:spcAft>
+              <a:buFont typeface="Symbol" panose="05050102010706020507" pitchFamily="18" charset="2"/>
+              <a:buChar char=""/>
+            </a:pPr>
+            <a:r>
+              <a:rPr lang="en-IN" dirty="0">
+                <a:solidFill>
+                  <a:schemeClr val="tx1">
+                    <a:lumMod val="75000"/>
+                    <a:lumOff val="25000"/>
+                  </a:schemeClr>
+                </a:solidFill>
+                <a:latin typeface="Arial" panose="020B0604020202020204" pitchFamily="34" charset="0"/>
+                <a:ea typeface="Calibri" panose="020F0502020204030204" pitchFamily="34" charset="0"/>
+                <a:cs typeface="Mangal" panose="02040503050203030202" pitchFamily="18" charset="0"/>
+              </a:rPr>
+              <a:t>Certified visa increases over year and denied percentage decreases.</a:t>
+            </a:r>
+            <a:endParaRPr lang="en-IN" sz="1600" dirty="0">
+              <a:solidFill>
+                <a:schemeClr val="tx1">
+                  <a:lumMod val="75000"/>
+                  <a:lumOff val="25000"/>
+                </a:schemeClr>
+              </a:solidFill>
+              <a:effectLst/>
+              <a:latin typeface="Calibri" panose="020F0502020204030204" pitchFamily="34" charset="0"/>
+              <a:ea typeface="Calibri" panose="020F0502020204030204" pitchFamily="34" charset="0"/>
+              <a:cs typeface="Mangal" panose="02040503050203030202" pitchFamily="18" charset="0"/>
+            </a:endParaRPr>
+          </a:p>
+        </p:txBody>
+      </p:sp>
+    </p:spTree>
+    <p:extLst>
+      <p:ext uri="{BB962C8B-B14F-4D97-AF65-F5344CB8AC3E}">
+        <p14:creationId xmlns:p14="http://schemas.microsoft.com/office/powerpoint/2010/main" val="970510585"/>
+      </p:ext>
+    </p:extLst>
+  </p:cSld>
+  <p:clrMapOvr>
+    <a:masterClrMapping/>
+  </p:clrMapOvr>
+</p:sld>
+</file>
+
+<file path=ppt/slides/slide26.xml><?xml version="1.0" encoding="utf-8"?>
+<p:sld xmlns:a="http://schemas.openxmlformats.org/drawingml/2006/main" xmlns:r="http://schemas.openxmlformats.org/officeDocument/2006/relationships" xmlns:p="http://schemas.openxmlformats.org/presentationml/2006/main">
+  <p:cSld>
+    <p:spTree>
+      <p:nvGrpSpPr>
+        <p:cNvPr id="1" name=""/>
+        <p:cNvGrpSpPr/>
+        <p:nvPr/>
+      </p:nvGrpSpPr>
+      <p:grpSpPr>
+        <a:xfrm>
+          <a:off x="0" y="0"/>
+          <a:ext cx="0" cy="0"/>
+          <a:chOff x="0" y="0"/>
+          <a:chExt cx="0" cy="0"/>
+        </a:xfrm>
+      </p:grpSpPr>
+      <p:sp>
+        <p:nvSpPr>
+          <p:cNvPr id="2" name="Title 1"/>
+          <p:cNvSpPr>
+            <a:spLocks noGrp="1"/>
+          </p:cNvSpPr>
+          <p:nvPr>
+            <p:ph type="title"/>
+          </p:nvPr>
+        </p:nvSpPr>
+        <p:spPr/>
+        <p:txBody>
+          <a:bodyPr/>
+          <a:lstStyle/>
+          <a:p>
+            <a:r>
+              <a:rPr lang="en-IN" dirty="0"/>
+              <a:t>CONCLUSIONS</a:t>
+            </a:r>
+          </a:p>
+        </p:txBody>
+      </p:sp>
+      <p:sp>
+        <p:nvSpPr>
+          <p:cNvPr id="3" name="Content Placeholder 2"/>
+          <p:cNvSpPr>
+            <a:spLocks noGrp="1"/>
+          </p:cNvSpPr>
+          <p:nvPr>
+            <p:ph idx="1"/>
+          </p:nvPr>
+        </p:nvSpPr>
+        <p:spPr/>
+        <p:txBody>
+          <a:bodyPr/>
+          <a:lstStyle/>
+          <a:p>
+            <a:pPr lvl="0">
+              <a:buFont typeface="Wingdings" panose="05000000000000000000" pitchFamily="2" charset="2"/>
+              <a:buChar char="Ø"/>
+            </a:pPr>
+            <a:r>
+              <a:rPr lang="en-IN" dirty="0" err="1"/>
+              <a:t>Statistians</a:t>
+            </a:r>
+            <a:r>
+              <a:rPr lang="en-IN" dirty="0"/>
+              <a:t> (</a:t>
+            </a:r>
+            <a:r>
+              <a:rPr lang="en-IN" dirty="0" err="1"/>
+              <a:t>SOC_name</a:t>
+            </a:r>
+            <a:r>
+              <a:rPr lang="en-IN" dirty="0"/>
+              <a:t>) has the most number of Data Scientist positions</a:t>
+            </a:r>
+            <a:r>
+              <a:rPr lang="en-IN" dirty="0" smtClean="0"/>
+              <a:t>.</a:t>
+            </a:r>
+          </a:p>
+          <a:p>
+            <a:pPr>
+              <a:buFont typeface="Wingdings" panose="05000000000000000000" pitchFamily="2" charset="2"/>
+              <a:buChar char="Ø"/>
+            </a:pPr>
+            <a:r>
+              <a:rPr lang="en-IN" dirty="0"/>
+              <a:t>Though </a:t>
+            </a:r>
+            <a:r>
+              <a:rPr lang="en-IN" dirty="0" err="1"/>
+              <a:t>MapReduce</a:t>
+            </a:r>
+            <a:r>
+              <a:rPr lang="en-IN" dirty="0"/>
+              <a:t> code written in Java makes the complex analysis quite easy, Hive and Pig are easier to retrieve data efficiently and lines of code is also very less compared to </a:t>
+            </a:r>
+            <a:r>
+              <a:rPr lang="en-IN" dirty="0" err="1"/>
+              <a:t>MapReduce</a:t>
+            </a:r>
+            <a:r>
+              <a:rPr lang="en-IN" dirty="0"/>
+              <a:t> programs.</a:t>
+            </a:r>
+          </a:p>
+          <a:p>
+            <a:pPr>
+              <a:buFont typeface="Wingdings" panose="05000000000000000000" pitchFamily="2" charset="2"/>
+              <a:buChar char="Ø"/>
+            </a:pPr>
+            <a:r>
+              <a:rPr lang="en-IN" dirty="0"/>
+              <a:t>The  no of petitions filed for data engineering </a:t>
+            </a:r>
+            <a:r>
+              <a:rPr lang="en-IN" dirty="0" err="1"/>
+              <a:t>jobtitle</a:t>
+            </a:r>
+            <a:r>
+              <a:rPr lang="en-IN" dirty="0"/>
+              <a:t> is increasing over time but the max Percentage Increase is in 2014 from previous year(2013).</a:t>
+            </a:r>
+          </a:p>
+          <a:p>
+            <a:pPr lvl="0"/>
+            <a:endParaRPr lang="en-IN" dirty="0"/>
+          </a:p>
+        </p:txBody>
+      </p:sp>
+    </p:spTree>
+    <p:extLst>
+      <p:ext uri="{BB962C8B-B14F-4D97-AF65-F5344CB8AC3E}">
+        <p14:creationId xmlns:p14="http://schemas.microsoft.com/office/powerpoint/2010/main" val="1494301945"/>
       </p:ext>
     </p:extLst>
   </p:cSld>

--- a/Big Data & Hadoop.pptx
+++ b/Big Data & Hadoop.pptx
@@ -10,27 +10,30 @@
     <p:sldId id="258" r:id="rId4"/>
     <p:sldId id="259" r:id="rId5"/>
     <p:sldId id="260" r:id="rId6"/>
-    <p:sldId id="262" r:id="rId7"/>
-    <p:sldId id="264" r:id="rId8"/>
-    <p:sldId id="263" r:id="rId9"/>
-    <p:sldId id="265" r:id="rId10"/>
-    <p:sldId id="279" r:id="rId11"/>
-    <p:sldId id="280" r:id="rId12"/>
-    <p:sldId id="266" r:id="rId13"/>
-    <p:sldId id="268" r:id="rId14"/>
-    <p:sldId id="267" r:id="rId15"/>
-    <p:sldId id="269" r:id="rId16"/>
-    <p:sldId id="270" r:id="rId17"/>
-    <p:sldId id="271" r:id="rId18"/>
-    <p:sldId id="272" r:id="rId19"/>
-    <p:sldId id="275" r:id="rId20"/>
-    <p:sldId id="273" r:id="rId21"/>
-    <p:sldId id="276" r:id="rId22"/>
-    <p:sldId id="277" r:id="rId23"/>
-    <p:sldId id="278" r:id="rId24"/>
-    <p:sldId id="283" r:id="rId25"/>
-    <p:sldId id="281" r:id="rId26"/>
-    <p:sldId id="284" r:id="rId27"/>
+    <p:sldId id="285" r:id="rId7"/>
+    <p:sldId id="262" r:id="rId8"/>
+    <p:sldId id="264" r:id="rId9"/>
+    <p:sldId id="263" r:id="rId10"/>
+    <p:sldId id="265" r:id="rId11"/>
+    <p:sldId id="279" r:id="rId12"/>
+    <p:sldId id="280" r:id="rId13"/>
+    <p:sldId id="266" r:id="rId14"/>
+    <p:sldId id="286" r:id="rId15"/>
+    <p:sldId id="287" r:id="rId16"/>
+    <p:sldId id="269" r:id="rId17"/>
+    <p:sldId id="267" r:id="rId18"/>
+    <p:sldId id="270" r:id="rId19"/>
+    <p:sldId id="271" r:id="rId20"/>
+    <p:sldId id="272" r:id="rId21"/>
+    <p:sldId id="275" r:id="rId22"/>
+    <p:sldId id="273" r:id="rId23"/>
+    <p:sldId id="276" r:id="rId24"/>
+    <p:sldId id="278" r:id="rId25"/>
+    <p:sldId id="288" r:id="rId26"/>
+    <p:sldId id="283" r:id="rId27"/>
+    <p:sldId id="281" r:id="rId28"/>
+    <p:sldId id="284" r:id="rId29"/>
+    <p:sldId id="289" r:id="rId30"/>
   </p:sldIdLst>
   <p:sldSz cx="12192000" cy="6858000"/>
   <p:notesSz cx="6858000" cy="9144000"/>
@@ -2465,7 +2468,7 @@
           <a:p>
             <a:fld id="{07ED955C-40D2-4926-94AF-5D175A139372}" type="datetimeFigureOut">
               <a:rPr lang="en-IN" smtClean="0"/>
-              <a:t>16-07-2017</a:t>
+              <a:t>17-07-2017</a:t>
             </a:fld>
             <a:endParaRPr lang="en-IN"/>
           </a:p>
@@ -2673,7 +2676,7 @@
           <a:p>
             <a:fld id="{07ED955C-40D2-4926-94AF-5D175A139372}" type="datetimeFigureOut">
               <a:rPr lang="en-IN" smtClean="0"/>
-              <a:t>16-07-2017</a:t>
+              <a:t>17-07-2017</a:t>
             </a:fld>
             <a:endParaRPr lang="en-IN"/>
           </a:p>
@@ -2929,7 +2932,7 @@
           <a:p>
             <a:fld id="{07ED955C-40D2-4926-94AF-5D175A139372}" type="datetimeFigureOut">
               <a:rPr lang="en-IN" smtClean="0"/>
-              <a:t>16-07-2017</a:t>
+              <a:t>17-07-2017</a:t>
             </a:fld>
             <a:endParaRPr lang="en-IN"/>
           </a:p>
@@ -3103,7 +3106,7 @@
           <a:p>
             <a:fld id="{07ED955C-40D2-4926-94AF-5D175A139372}" type="datetimeFigureOut">
               <a:rPr lang="en-IN" smtClean="0"/>
-              <a:t>16-07-2017</a:t>
+              <a:t>17-07-2017</a:t>
             </a:fld>
             <a:endParaRPr lang="en-IN"/>
           </a:p>
@@ -3446,7 +3449,7 @@
           <a:p>
             <a:fld id="{07ED955C-40D2-4926-94AF-5D175A139372}" type="datetimeFigureOut">
               <a:rPr lang="en-IN" smtClean="0"/>
-              <a:t>16-07-2017</a:t>
+              <a:t>17-07-2017</a:t>
             </a:fld>
             <a:endParaRPr lang="en-IN"/>
           </a:p>
@@ -3721,7 +3724,7 @@
           <a:p>
             <a:fld id="{07ED955C-40D2-4926-94AF-5D175A139372}" type="datetimeFigureOut">
               <a:rPr lang="en-IN" smtClean="0"/>
-              <a:t>16-07-2017</a:t>
+              <a:t>17-07-2017</a:t>
             </a:fld>
             <a:endParaRPr lang="en-IN"/>
           </a:p>
@@ -4100,7 +4103,7 @@
           <a:p>
             <a:fld id="{07ED955C-40D2-4926-94AF-5D175A139372}" type="datetimeFigureOut">
               <a:rPr lang="en-IN" smtClean="0"/>
-              <a:t>16-07-2017</a:t>
+              <a:t>17-07-2017</a:t>
             </a:fld>
             <a:endParaRPr lang="en-IN"/>
           </a:p>
@@ -4218,7 +4221,7 @@
           <a:p>
             <a:fld id="{07ED955C-40D2-4926-94AF-5D175A139372}" type="datetimeFigureOut">
               <a:rPr lang="en-IN" smtClean="0"/>
-              <a:t>16-07-2017</a:t>
+              <a:t>17-07-2017</a:t>
             </a:fld>
             <a:endParaRPr lang="en-IN"/>
           </a:p>
@@ -4389,7 +4392,7 @@
           <a:p>
             <a:fld id="{07ED955C-40D2-4926-94AF-5D175A139372}" type="datetimeFigureOut">
               <a:rPr lang="en-IN" smtClean="0"/>
-              <a:t>16-07-2017</a:t>
+              <a:t>17-07-2017</a:t>
             </a:fld>
             <a:endParaRPr lang="en-IN"/>
           </a:p>
@@ -4743,7 +4746,7 @@
           <a:p>
             <a:fld id="{07ED955C-40D2-4926-94AF-5D175A139372}" type="datetimeFigureOut">
               <a:rPr lang="en-IN" smtClean="0"/>
-              <a:t>16-07-2017</a:t>
+              <a:t>17-07-2017</a:t>
             </a:fld>
             <a:endParaRPr lang="en-IN"/>
           </a:p>
@@ -5125,7 +5128,7 @@
           <a:p>
             <a:fld id="{07ED955C-40D2-4926-94AF-5D175A139372}" type="datetimeFigureOut">
               <a:rPr lang="en-IN" smtClean="0"/>
-              <a:t>16-07-2017</a:t>
+              <a:t>17-07-2017</a:t>
             </a:fld>
             <a:endParaRPr lang="en-IN"/>
           </a:p>
@@ -5412,7 +5415,7 @@
           <a:p>
             <a:fld id="{07ED955C-40D2-4926-94AF-5D175A139372}" type="datetimeFigureOut">
               <a:rPr lang="en-IN" smtClean="0"/>
-              <a:t>16-07-2017</a:t>
+              <a:t>17-07-2017</a:t>
             </a:fld>
             <a:endParaRPr lang="en-IN"/>
           </a:p>
@@ -6011,8 +6014,8 @@
         </p:blipFill>
         <p:spPr bwMode="auto">
           <a:xfrm>
-            <a:off x="3592284" y="141825"/>
-            <a:ext cx="4702629" cy="2901822"/>
+            <a:off x="3897084" y="41536"/>
+            <a:ext cx="5006284" cy="3089197"/>
           </a:xfrm>
           <a:prstGeom prst="rect">
             <a:avLst/>
@@ -6043,6 +6046,100 @@
 </file>
 
 <file path=ppt/slides/slide10.xml><?xml version="1.0" encoding="utf-8"?>
+<p:sld xmlns:a="http://schemas.openxmlformats.org/drawingml/2006/main" xmlns:r="http://schemas.openxmlformats.org/officeDocument/2006/relationships" xmlns:p="http://schemas.openxmlformats.org/presentationml/2006/main">
+  <p:cSld>
+    <p:spTree>
+      <p:nvGrpSpPr>
+        <p:cNvPr id="1" name=""/>
+        <p:cNvGrpSpPr/>
+        <p:nvPr/>
+      </p:nvGrpSpPr>
+      <p:grpSpPr>
+        <a:xfrm>
+          <a:off x="0" y="0"/>
+          <a:ext cx="0" cy="0"/>
+          <a:chOff x="0" y="0"/>
+          <a:chExt cx="0" cy="0"/>
+        </a:xfrm>
+      </p:grpSpPr>
+      <p:sp>
+        <p:nvSpPr>
+          <p:cNvPr id="2" name="Title 1"/>
+          <p:cNvSpPr>
+            <a:spLocks noGrp="1"/>
+          </p:cNvSpPr>
+          <p:nvPr>
+            <p:ph type="title"/>
+          </p:nvPr>
+        </p:nvSpPr>
+        <p:spPr/>
+        <p:txBody>
+          <a:bodyPr/>
+          <a:lstStyle/>
+          <a:p>
+            <a:r>
+              <a:rPr lang="en-IN" dirty="0" smtClean="0"/>
+              <a:t>Hadoop Master/Slave Architecture</a:t>
+            </a:r>
+            <a:endParaRPr lang="en-IN" dirty="0"/>
+          </a:p>
+        </p:txBody>
+      </p:sp>
+      <p:pic>
+        <p:nvPicPr>
+          <p:cNvPr id="7" name="Content Placeholder 6"/>
+          <p:cNvPicPr>
+            <a:picLocks noGrp="1" noChangeAspect="1"/>
+          </p:cNvPicPr>
+          <p:nvPr>
+            <p:ph idx="1"/>
+          </p:nvPr>
+        </p:nvPicPr>
+        <p:blipFill rotWithShape="1">
+          <a:blip r:embed="rId2">
+            <a:extLst>
+              <a:ext uri="{28A0092B-C50C-407E-A947-70E740481C1C}">
+                <a14:useLocalDpi xmlns:a14="http://schemas.microsoft.com/office/drawing/2010/main" val="0"/>
+              </a:ext>
+            </a:extLst>
+          </a:blip>
+          <a:srcRect t="25817" b="8486"/>
+          <a:stretch/>
+        </p:blipFill>
+        <p:spPr bwMode="auto">
+          <a:xfrm>
+            <a:off x="1727143" y="2377440"/>
+            <a:ext cx="8798673" cy="3252651"/>
+          </a:xfrm>
+          <a:prstGeom prst="rect">
+            <a:avLst/>
+          </a:prstGeom>
+          <a:noFill/>
+          <a:extLst>
+            <a:ext uri="{909E8E84-426E-40DD-AFC4-6F175D3DCCD1}">
+              <a14:hiddenFill xmlns:a14="http://schemas.microsoft.com/office/drawing/2010/main">
+                <a:solidFill>
+                  <a:srgbClr val="FFFFFF"/>
+                </a:solidFill>
+              </a14:hiddenFill>
+            </a:ext>
+          </a:extLst>
+        </p:spPr>
+      </p:pic>
+    </p:spTree>
+    <p:extLst>
+      <p:ext uri="{BB962C8B-B14F-4D97-AF65-F5344CB8AC3E}">
+        <p14:creationId xmlns:p14="http://schemas.microsoft.com/office/powerpoint/2010/main" val="1986059482"/>
+      </p:ext>
+    </p:extLst>
+  </p:cSld>
+  <p:clrMapOvr>
+    <a:masterClrMapping/>
+  </p:clrMapOvr>
+</p:sld>
+</file>
+
+<file path=ppt/slides/slide11.xml><?xml version="1.0" encoding="utf-8"?>
 <p:sld xmlns:a="http://schemas.openxmlformats.org/drawingml/2006/main" xmlns:r="http://schemas.openxmlformats.org/officeDocument/2006/relationships" xmlns:p="http://schemas.openxmlformats.org/presentationml/2006/main">
   <p:cSld>
     <p:spTree>
@@ -6138,7 +6235,7 @@
 </p:sld>
 </file>
 
-<file path=ppt/slides/slide11.xml><?xml version="1.0" encoding="utf-8"?>
+<file path=ppt/slides/slide12.xml><?xml version="1.0" encoding="utf-8"?>
 <p:sld xmlns:a="http://schemas.openxmlformats.org/drawingml/2006/main" xmlns:r="http://schemas.openxmlformats.org/officeDocument/2006/relationships" xmlns:p="http://schemas.openxmlformats.org/presentationml/2006/main">
   <p:cSld>
     <p:spTree>
@@ -6322,7 +6419,7 @@
 </p:sld>
 </file>
 
-<file path=ppt/slides/slide12.xml><?xml version="1.0" encoding="utf-8"?>
+<file path=ppt/slides/slide13.xml><?xml version="1.0" encoding="utf-8"?>
 <p:sld xmlns:a="http://schemas.openxmlformats.org/drawingml/2006/main" xmlns:r="http://schemas.openxmlformats.org/officeDocument/2006/relationships" xmlns:p="http://schemas.openxmlformats.org/presentationml/2006/main">
   <p:cSld>
     <p:spTree>
@@ -6564,6 +6661,35 @@
           </a:prstGeom>
         </p:spPr>
       </p:pic>
+      <p:pic>
+        <p:nvPicPr>
+          <p:cNvPr id="8" name="Picture 7"/>
+          <p:cNvPicPr>
+            <a:picLocks noChangeAspect="1"/>
+          </p:cNvPicPr>
+          <p:nvPr/>
+        </p:nvPicPr>
+        <p:blipFill rotWithShape="1">
+          <a:blip r:embed="rId3">
+            <a:extLst>
+              <a:ext uri="{28A0092B-C50C-407E-A947-70E740481C1C}">
+                <a14:useLocalDpi xmlns:a14="http://schemas.microsoft.com/office/drawing/2010/main" val="0"/>
+              </a:ext>
+            </a:extLst>
+          </a:blip>
+          <a:srcRect t="29903" b="27430"/>
+          <a:stretch/>
+        </p:blipFill>
+        <p:spPr>
+          <a:xfrm>
+            <a:off x="9165363" y="77652"/>
+            <a:ext cx="2786065" cy="1188721"/>
+          </a:xfrm>
+          <a:prstGeom prst="rect">
+            <a:avLst/>
+          </a:prstGeom>
+        </p:spPr>
+      </p:pic>
     </p:spTree>
     <p:extLst>
       <p:ext uri="{BB962C8B-B14F-4D97-AF65-F5344CB8AC3E}">
@@ -6577,7 +6703,7 @@
 </p:sld>
 </file>
 
-<file path=ppt/slides/slide13.xml><?xml version="1.0" encoding="utf-8"?>
+<file path=ppt/slides/slide14.xml><?xml version="1.0" encoding="utf-8"?>
 <p:sld xmlns:a="http://schemas.openxmlformats.org/drawingml/2006/main" xmlns:r="http://schemas.openxmlformats.org/officeDocument/2006/relationships" xmlns:p="http://schemas.openxmlformats.org/presentationml/2006/main">
   <p:cSld>
     <p:spTree>
@@ -6610,480 +6736,64 @@
           <a:lstStyle/>
           <a:p>
             <a:r>
-              <a:rPr lang="en-IN" altLang="en-US" dirty="0" err="1" smtClean="0"/>
+              <a:rPr lang="en-IN" dirty="0" err="1" smtClean="0"/>
               <a:t>MapReduce</a:t>
             </a:r>
             <a:r>
-              <a:rPr lang="en-IN" altLang="en-US" dirty="0" smtClean="0"/>
-              <a:t> </a:t>
-            </a:r>
-            <a:r>
-              <a:rPr lang="en-IN" altLang="en-US" dirty="0"/>
-              <a:t>vs Yarn</a:t>
+              <a:rPr lang="en-IN" dirty="0" smtClean="0"/>
+              <a:t> Illustration</a:t>
             </a:r>
             <a:endParaRPr lang="en-IN" dirty="0"/>
           </a:p>
         </p:txBody>
       </p:sp>
-      <p:sp>
-        <p:nvSpPr>
-          <p:cNvPr id="3" name="Content Placeholder 2"/>
-          <p:cNvSpPr>
-            <a:spLocks noGrp="1"/>
-          </p:cNvSpPr>
+      <p:pic>
+        <p:nvPicPr>
+          <p:cNvPr id="3074" name="Picture 2" descr="Image result for mapreduce example"/>
+          <p:cNvPicPr>
+            <a:picLocks noGrp="1" noChangeAspect="1" noChangeArrowheads="1"/>
+          </p:cNvPicPr>
           <p:nvPr>
             <p:ph idx="1"/>
           </p:nvPr>
-        </p:nvSpPr>
-        <p:spPr>
+        </p:nvPicPr>
+        <p:blipFill>
+          <a:blip r:embed="rId2">
+            <a:extLst>
+              <a:ext uri="{28A0092B-C50C-407E-A947-70E740481C1C}">
+                <a14:useLocalDpi xmlns:a14="http://schemas.microsoft.com/office/drawing/2010/main" val="0"/>
+              </a:ext>
+            </a:extLst>
+          </a:blip>
+          <a:srcRect/>
+          <a:stretch>
+            <a:fillRect/>
+          </a:stretch>
+        </p:blipFill>
+        <p:spPr bwMode="auto">
           <a:xfrm>
-            <a:off x="1188720" y="2272936"/>
-            <a:ext cx="4506686" cy="3613091"/>
-          </a:xfrm>
-        </p:spPr>
-        <p:txBody>
-          <a:bodyPr/>
-          <a:lstStyle/>
-          <a:p>
-            <a:pPr marL="0" indent="0">
-              <a:spcAft>
-                <a:spcPts val="0"/>
-              </a:spcAft>
-              <a:buNone/>
-              <a:defRPr/>
-            </a:pPr>
-            <a:r>
-              <a:rPr lang="en-IN" b="1" dirty="0" err="1"/>
-              <a:t>Mapreduce</a:t>
-            </a:r>
-            <a:r>
-              <a:rPr lang="en-IN" b="1" dirty="0"/>
-              <a:t> 1</a:t>
-            </a:r>
-          </a:p>
-          <a:p>
-            <a:pPr marL="0" indent="0">
-              <a:spcAft>
-                <a:spcPts val="0"/>
-              </a:spcAft>
-              <a:buNone/>
-              <a:defRPr/>
-            </a:pPr>
-            <a:r>
-              <a:rPr lang="en-IN" dirty="0" err="1"/>
-              <a:t>JobTracker</a:t>
-            </a:r>
-            <a:r>
-              <a:rPr lang="en-IN" dirty="0"/>
-              <a:t> takes care of job scheduling and task progress monitoring</a:t>
-            </a:r>
-          </a:p>
-          <a:p>
-            <a:pPr marL="0" indent="0">
-              <a:spcAft>
-                <a:spcPts val="0"/>
-              </a:spcAft>
-              <a:buNone/>
-              <a:defRPr/>
-            </a:pPr>
-            <a:r>
-              <a:rPr lang="en-IN" dirty="0"/>
-              <a:t>Slots – in </a:t>
-            </a:r>
-            <a:r>
-              <a:rPr lang="en-IN" dirty="0" err="1"/>
-              <a:t>TaskTracker</a:t>
-            </a:r>
-            <a:r>
-              <a:rPr lang="en-IN" dirty="0"/>
-              <a:t> node where Map Reduce task runs </a:t>
-            </a:r>
-          </a:p>
-          <a:p>
-            <a:endParaRPr lang="en-IN" dirty="0"/>
-          </a:p>
-        </p:txBody>
-      </p:sp>
-      <p:sp>
-        <p:nvSpPr>
-          <p:cNvPr id="4" name="Content Placeholder 2"/>
-          <p:cNvSpPr txBox="1">
-            <a:spLocks/>
-          </p:cNvSpPr>
-          <p:nvPr/>
-        </p:nvSpPr>
-        <p:spPr>
-          <a:xfrm>
-            <a:off x="6553200" y="2272936"/>
-            <a:ext cx="4106091" cy="3596158"/>
+            <a:off x="2560320" y="1894114"/>
+            <a:ext cx="6831875" cy="4319452"/>
           </a:xfrm>
           <a:prstGeom prst="rect">
             <a:avLst/>
           </a:prstGeom>
+          <a:noFill/>
+          <a:extLst>
+            <a:ext uri="{909E8E84-426E-40DD-AFC4-6F175D3DCCD1}">
+              <a14:hiddenFill xmlns:a14="http://schemas.microsoft.com/office/drawing/2010/main">
+                <a:solidFill>
+                  <a:srgbClr val="FFFFFF"/>
+                </a:solidFill>
+              </a14:hiddenFill>
+            </a:ext>
+          </a:extLst>
         </p:spPr>
-        <p:txBody>
-          <a:bodyPr vert="horz" lIns="0" tIns="45720" rIns="0" bIns="45720" rtlCol="0">
-            <a:normAutofit/>
-          </a:bodyPr>
-          <a:lstStyle>
-            <a:lvl1pPr marL="91440" indent="-91440" algn="l" defTabSz="914400" rtl="0" eaLnBrk="1" latinLnBrk="0" hangingPunct="1">
-              <a:lnSpc>
-                <a:spcPct val="90000"/>
-              </a:lnSpc>
-              <a:spcBef>
-                <a:spcPts val="1200"/>
-              </a:spcBef>
-              <a:spcAft>
-                <a:spcPts val="200"/>
-              </a:spcAft>
-              <a:buClr>
-                <a:schemeClr val="accent1"/>
-              </a:buClr>
-              <a:buSzPct val="100000"/>
-              <a:buFont typeface="Calibri" panose="020F0502020204030204" pitchFamily="34" charset="0"/>
-              <a:buChar char=" "/>
-              <a:defRPr sz="2000" kern="1200">
-                <a:solidFill>
-                  <a:schemeClr val="tx1">
-                    <a:lumMod val="75000"/>
-                    <a:lumOff val="25000"/>
-                  </a:schemeClr>
-                </a:solidFill>
-                <a:latin typeface="+mn-lt"/>
-                <a:ea typeface="+mn-ea"/>
-                <a:cs typeface="+mn-cs"/>
-              </a:defRPr>
-            </a:lvl1pPr>
-            <a:lvl2pPr marL="384048" indent="-182880" algn="l" defTabSz="914400" rtl="0" eaLnBrk="1" latinLnBrk="0" hangingPunct="1">
-              <a:lnSpc>
-                <a:spcPct val="90000"/>
-              </a:lnSpc>
-              <a:spcBef>
-                <a:spcPts val="200"/>
-              </a:spcBef>
-              <a:spcAft>
-                <a:spcPts val="400"/>
-              </a:spcAft>
-              <a:buClr>
-                <a:schemeClr val="accent1"/>
-              </a:buClr>
-              <a:buFont typeface="Calibri" pitchFamily="34" charset="0"/>
-              <a:buChar char="◦"/>
-              <a:defRPr sz="1800" kern="1200">
-                <a:solidFill>
-                  <a:schemeClr val="tx1">
-                    <a:lumMod val="75000"/>
-                    <a:lumOff val="25000"/>
-                  </a:schemeClr>
-                </a:solidFill>
-                <a:latin typeface="+mn-lt"/>
-                <a:ea typeface="+mn-ea"/>
-                <a:cs typeface="+mn-cs"/>
-              </a:defRPr>
-            </a:lvl2pPr>
-            <a:lvl3pPr marL="566928" indent="-182880" algn="l" defTabSz="914400" rtl="0" eaLnBrk="1" latinLnBrk="0" hangingPunct="1">
-              <a:lnSpc>
-                <a:spcPct val="90000"/>
-              </a:lnSpc>
-              <a:spcBef>
-                <a:spcPts val="200"/>
-              </a:spcBef>
-              <a:spcAft>
-                <a:spcPts val="400"/>
-              </a:spcAft>
-              <a:buClr>
-                <a:schemeClr val="accent1"/>
-              </a:buClr>
-              <a:buFont typeface="Calibri" pitchFamily="34" charset="0"/>
-              <a:buChar char="◦"/>
-              <a:defRPr sz="1400" kern="1200">
-                <a:solidFill>
-                  <a:schemeClr val="tx1">
-                    <a:lumMod val="75000"/>
-                    <a:lumOff val="25000"/>
-                  </a:schemeClr>
-                </a:solidFill>
-                <a:latin typeface="+mn-lt"/>
-                <a:ea typeface="+mn-ea"/>
-                <a:cs typeface="+mn-cs"/>
-              </a:defRPr>
-            </a:lvl3pPr>
-            <a:lvl4pPr marL="749808" indent="-182880" algn="l" defTabSz="914400" rtl="0" eaLnBrk="1" latinLnBrk="0" hangingPunct="1">
-              <a:lnSpc>
-                <a:spcPct val="90000"/>
-              </a:lnSpc>
-              <a:spcBef>
-                <a:spcPts val="200"/>
-              </a:spcBef>
-              <a:spcAft>
-                <a:spcPts val="400"/>
-              </a:spcAft>
-              <a:buClr>
-                <a:schemeClr val="accent1"/>
-              </a:buClr>
-              <a:buFont typeface="Calibri" pitchFamily="34" charset="0"/>
-              <a:buChar char="◦"/>
-              <a:defRPr sz="1400" kern="1200">
-                <a:solidFill>
-                  <a:schemeClr val="tx1">
-                    <a:lumMod val="75000"/>
-                    <a:lumOff val="25000"/>
-                  </a:schemeClr>
-                </a:solidFill>
-                <a:latin typeface="+mn-lt"/>
-                <a:ea typeface="+mn-ea"/>
-                <a:cs typeface="+mn-cs"/>
-              </a:defRPr>
-            </a:lvl4pPr>
-            <a:lvl5pPr marL="932688" indent="-182880" algn="l" defTabSz="914400" rtl="0" eaLnBrk="1" latinLnBrk="0" hangingPunct="1">
-              <a:lnSpc>
-                <a:spcPct val="90000"/>
-              </a:lnSpc>
-              <a:spcBef>
-                <a:spcPts val="200"/>
-              </a:spcBef>
-              <a:spcAft>
-                <a:spcPts val="400"/>
-              </a:spcAft>
-              <a:buClr>
-                <a:schemeClr val="accent1"/>
-              </a:buClr>
-              <a:buFont typeface="Calibri" pitchFamily="34" charset="0"/>
-              <a:buChar char="◦"/>
-              <a:defRPr sz="1400" kern="1200">
-                <a:solidFill>
-                  <a:schemeClr val="tx1">
-                    <a:lumMod val="75000"/>
-                    <a:lumOff val="25000"/>
-                  </a:schemeClr>
-                </a:solidFill>
-                <a:latin typeface="+mn-lt"/>
-                <a:ea typeface="+mn-ea"/>
-                <a:cs typeface="+mn-cs"/>
-              </a:defRPr>
-            </a:lvl5pPr>
-            <a:lvl6pPr marL="1100000" indent="-228600" algn="l" defTabSz="914400" rtl="0" eaLnBrk="1" latinLnBrk="0" hangingPunct="1">
-              <a:lnSpc>
-                <a:spcPct val="90000"/>
-              </a:lnSpc>
-              <a:spcBef>
-                <a:spcPts val="200"/>
-              </a:spcBef>
-              <a:spcAft>
-                <a:spcPts val="400"/>
-              </a:spcAft>
-              <a:buClr>
-                <a:schemeClr val="accent1"/>
-              </a:buClr>
-              <a:buFont typeface="Calibri" pitchFamily="34" charset="0"/>
-              <a:buChar char="◦"/>
-              <a:defRPr sz="1400" kern="1200">
-                <a:solidFill>
-                  <a:schemeClr val="tx1">
-                    <a:lumMod val="75000"/>
-                    <a:lumOff val="25000"/>
-                  </a:schemeClr>
-                </a:solidFill>
-                <a:latin typeface="+mn-lt"/>
-                <a:ea typeface="+mn-ea"/>
-                <a:cs typeface="+mn-cs"/>
-              </a:defRPr>
-            </a:lvl6pPr>
-            <a:lvl7pPr marL="1300000" indent="-228600" algn="l" defTabSz="914400" rtl="0" eaLnBrk="1" latinLnBrk="0" hangingPunct="1">
-              <a:lnSpc>
-                <a:spcPct val="90000"/>
-              </a:lnSpc>
-              <a:spcBef>
-                <a:spcPts val="200"/>
-              </a:spcBef>
-              <a:spcAft>
-                <a:spcPts val="400"/>
-              </a:spcAft>
-              <a:buClr>
-                <a:schemeClr val="accent1"/>
-              </a:buClr>
-              <a:buFont typeface="Calibri" pitchFamily="34" charset="0"/>
-              <a:buChar char="◦"/>
-              <a:defRPr sz="1400" kern="1200">
-                <a:solidFill>
-                  <a:schemeClr val="tx1">
-                    <a:lumMod val="75000"/>
-                    <a:lumOff val="25000"/>
-                  </a:schemeClr>
-                </a:solidFill>
-                <a:latin typeface="+mn-lt"/>
-                <a:ea typeface="+mn-ea"/>
-                <a:cs typeface="+mn-cs"/>
-              </a:defRPr>
-            </a:lvl7pPr>
-            <a:lvl8pPr marL="1500000" indent="-228600" algn="l" defTabSz="914400" rtl="0" eaLnBrk="1" latinLnBrk="0" hangingPunct="1">
-              <a:lnSpc>
-                <a:spcPct val="90000"/>
-              </a:lnSpc>
-              <a:spcBef>
-                <a:spcPts val="200"/>
-              </a:spcBef>
-              <a:spcAft>
-                <a:spcPts val="400"/>
-              </a:spcAft>
-              <a:buClr>
-                <a:schemeClr val="accent1"/>
-              </a:buClr>
-              <a:buFont typeface="Calibri" pitchFamily="34" charset="0"/>
-              <a:buChar char="◦"/>
-              <a:defRPr sz="1400" kern="1200">
-                <a:solidFill>
-                  <a:schemeClr val="tx1">
-                    <a:lumMod val="75000"/>
-                    <a:lumOff val="25000"/>
-                  </a:schemeClr>
-                </a:solidFill>
-                <a:latin typeface="+mn-lt"/>
-                <a:ea typeface="+mn-ea"/>
-                <a:cs typeface="+mn-cs"/>
-              </a:defRPr>
-            </a:lvl8pPr>
-            <a:lvl9pPr marL="1700000" indent="-228600" algn="l" defTabSz="914400" rtl="0" eaLnBrk="1" latinLnBrk="0" hangingPunct="1">
-              <a:lnSpc>
-                <a:spcPct val="90000"/>
-              </a:lnSpc>
-              <a:spcBef>
-                <a:spcPts val="200"/>
-              </a:spcBef>
-              <a:spcAft>
-                <a:spcPts val="400"/>
-              </a:spcAft>
-              <a:buClr>
-                <a:schemeClr val="accent1"/>
-              </a:buClr>
-              <a:buFont typeface="Calibri" pitchFamily="34" charset="0"/>
-              <a:buChar char="◦"/>
-              <a:defRPr sz="1400" kern="1200">
-                <a:solidFill>
-                  <a:schemeClr val="tx1">
-                    <a:lumMod val="75000"/>
-                    <a:lumOff val="25000"/>
-                  </a:schemeClr>
-                </a:solidFill>
-                <a:latin typeface="+mn-lt"/>
-                <a:ea typeface="+mn-ea"/>
-                <a:cs typeface="+mn-cs"/>
-              </a:defRPr>
-            </a:lvl9pPr>
-          </a:lstStyle>
-          <a:p>
-            <a:pPr marL="0" indent="0">
-              <a:spcAft>
-                <a:spcPts val="0"/>
-              </a:spcAft>
-              <a:buNone/>
-              <a:defRPr/>
-            </a:pPr>
-            <a:r>
-              <a:rPr lang="en-IN" b="1" dirty="0"/>
-              <a:t>Yarn</a:t>
-            </a:r>
-          </a:p>
-          <a:p>
-            <a:pPr marL="0" indent="0">
-              <a:spcAft>
-                <a:spcPts val="0"/>
-              </a:spcAft>
-              <a:buNone/>
-              <a:defRPr/>
-            </a:pPr>
-            <a:r>
-              <a:rPr lang="en-IN" dirty="0"/>
-              <a:t>The </a:t>
-            </a:r>
-            <a:r>
-              <a:rPr lang="en-IN" dirty="0" err="1"/>
-              <a:t>ResourceManager</a:t>
-            </a:r>
-            <a:r>
-              <a:rPr lang="en-IN" dirty="0"/>
-              <a:t> </a:t>
-            </a:r>
-          </a:p>
-          <a:p>
-            <a:pPr marL="0" indent="0">
-              <a:spcAft>
-                <a:spcPts val="0"/>
-              </a:spcAft>
-              <a:buNone/>
-              <a:defRPr/>
-            </a:pPr>
-            <a:r>
-              <a:rPr lang="en-IN" dirty="0"/>
-              <a:t>Schedules the tasks/launches Application masters in </a:t>
-            </a:r>
-            <a:r>
-              <a:rPr lang="en-IN" dirty="0" err="1"/>
-              <a:t>NodeManager</a:t>
-            </a:r>
-            <a:r>
-              <a:rPr lang="en-IN" dirty="0"/>
-              <a:t> and </a:t>
-            </a:r>
-            <a:r>
-              <a:rPr lang="en-IN" dirty="0" err="1"/>
-              <a:t>ApplicationMaster</a:t>
-            </a:r>
-            <a:r>
-              <a:rPr lang="en-IN" dirty="0"/>
-              <a:t> does task progress monitoring</a:t>
-            </a:r>
-          </a:p>
-          <a:p>
-            <a:pPr marL="0" indent="0">
-              <a:spcAft>
-                <a:spcPts val="0"/>
-              </a:spcAft>
-              <a:buNone/>
-              <a:defRPr/>
-            </a:pPr>
-            <a:r>
-              <a:rPr lang="en-IN" dirty="0"/>
-              <a:t>Containers – in </a:t>
-            </a:r>
-            <a:r>
-              <a:rPr lang="en-IN" dirty="0" err="1"/>
-              <a:t>NodeManager</a:t>
-            </a:r>
-            <a:r>
-              <a:rPr lang="en-IN" dirty="0"/>
-              <a:t> node where Application master and Map reduce task runs</a:t>
-            </a:r>
-          </a:p>
-          <a:p>
-            <a:pPr marL="0" indent="0">
-              <a:spcAft>
-                <a:spcPts val="0"/>
-              </a:spcAft>
-              <a:buNone/>
-              <a:defRPr/>
-            </a:pPr>
-            <a:r>
-              <a:rPr lang="en-IN" dirty="0"/>
-              <a:t> </a:t>
-            </a:r>
-          </a:p>
-          <a:p>
-            <a:pPr marL="0" indent="0">
-              <a:spcAft>
-                <a:spcPts val="0"/>
-              </a:spcAft>
-              <a:buNone/>
-              <a:defRPr/>
-            </a:pPr>
-            <a:endParaRPr lang="en-IN" dirty="0"/>
-          </a:p>
-        </p:txBody>
-      </p:sp>
+      </p:pic>
     </p:spTree>
     <p:extLst>
       <p:ext uri="{BB962C8B-B14F-4D97-AF65-F5344CB8AC3E}">
-        <p14:creationId xmlns:p14="http://schemas.microsoft.com/office/powerpoint/2010/main" val="1491706312"/>
+        <p14:creationId xmlns:p14="http://schemas.microsoft.com/office/powerpoint/2010/main" val="3288324347"/>
       </p:ext>
     </p:extLst>
   </p:cSld>
@@ -7093,7 +6803,586 @@
 </p:sld>
 </file>
 
-<file path=ppt/slides/slide14.xml><?xml version="1.0" encoding="utf-8"?>
+<file path=ppt/slides/slide15.xml><?xml version="1.0" encoding="utf-8"?>
+<p:sld xmlns:a="http://schemas.openxmlformats.org/drawingml/2006/main" xmlns:r="http://schemas.openxmlformats.org/officeDocument/2006/relationships" xmlns:p="http://schemas.openxmlformats.org/presentationml/2006/main">
+  <p:cSld>
+    <p:spTree>
+      <p:nvGrpSpPr>
+        <p:cNvPr id="1" name=""/>
+        <p:cNvGrpSpPr/>
+        <p:nvPr/>
+      </p:nvGrpSpPr>
+      <p:grpSpPr>
+        <a:xfrm>
+          <a:off x="0" y="0"/>
+          <a:ext cx="0" cy="0"/>
+          <a:chOff x="0" y="0"/>
+          <a:chExt cx="0" cy="0"/>
+        </a:xfrm>
+      </p:grpSpPr>
+      <p:sp>
+        <p:nvSpPr>
+          <p:cNvPr id="2" name="Title 1"/>
+          <p:cNvSpPr>
+            <a:spLocks noGrp="1"/>
+          </p:cNvSpPr>
+          <p:nvPr>
+            <p:ph type="title"/>
+          </p:nvPr>
+        </p:nvSpPr>
+        <p:spPr/>
+        <p:txBody>
+          <a:bodyPr/>
+          <a:lstStyle/>
+          <a:p>
+            <a:r>
+              <a:rPr lang="en-IN" dirty="0" smtClean="0"/>
+              <a:t>Hadoop Tools	</a:t>
+            </a:r>
+            <a:endParaRPr lang="en-IN" dirty="0"/>
+          </a:p>
+        </p:txBody>
+      </p:sp>
+      <p:pic>
+        <p:nvPicPr>
+          <p:cNvPr id="4098" name="Picture 2" descr="Image result for hadoop tools"/>
+          <p:cNvPicPr>
+            <a:picLocks noGrp="1" noChangeAspect="1" noChangeArrowheads="1"/>
+          </p:cNvPicPr>
+          <p:nvPr>
+            <p:ph idx="1"/>
+          </p:nvPr>
+        </p:nvPicPr>
+        <p:blipFill>
+          <a:blip r:embed="rId2">
+            <a:extLst>
+              <a:ext uri="{28A0092B-C50C-407E-A947-70E740481C1C}">
+                <a14:useLocalDpi xmlns:a14="http://schemas.microsoft.com/office/drawing/2010/main" val="0"/>
+              </a:ext>
+            </a:extLst>
+          </a:blip>
+          <a:srcRect/>
+          <a:stretch>
+            <a:fillRect/>
+          </a:stretch>
+        </p:blipFill>
+        <p:spPr bwMode="auto">
+          <a:xfrm>
+            <a:off x="5963738" y="1737360"/>
+            <a:ext cx="4120787" cy="4120787"/>
+          </a:xfrm>
+          <a:prstGeom prst="rect">
+            <a:avLst/>
+          </a:prstGeom>
+          <a:noFill/>
+          <a:extLst>
+            <a:ext uri="{909E8E84-426E-40DD-AFC4-6F175D3DCCD1}">
+              <a14:hiddenFill xmlns:a14="http://schemas.microsoft.com/office/drawing/2010/main">
+                <a:solidFill>
+                  <a:srgbClr val="FFFFFF"/>
+                </a:solidFill>
+              </a14:hiddenFill>
+            </a:ext>
+          </a:extLst>
+        </p:spPr>
+      </p:pic>
+      <p:sp>
+        <p:nvSpPr>
+          <p:cNvPr id="4" name="Rectangle 3"/>
+          <p:cNvSpPr/>
+          <p:nvPr/>
+        </p:nvSpPr>
+        <p:spPr>
+          <a:xfrm>
+            <a:off x="1515291" y="2031717"/>
+            <a:ext cx="5316583" cy="4062651"/>
+          </a:xfrm>
+          <a:prstGeom prst="rect">
+            <a:avLst/>
+          </a:prstGeom>
+        </p:spPr>
+        <p:txBody>
+          <a:bodyPr wrap="square">
+            <a:spAutoFit/>
+          </a:bodyPr>
+          <a:lstStyle/>
+          <a:p>
+            <a:pPr marL="285750" indent="-285750">
+              <a:buFont typeface="Arial" panose="020B0604020202020204" pitchFamily="34" charset="0"/>
+              <a:buChar char="•"/>
+            </a:pPr>
+            <a:r>
+              <a:rPr lang="en-IN" sz="2000" b="1" dirty="0" smtClean="0">
+                <a:solidFill>
+                  <a:schemeClr val="tx1">
+                    <a:lumMod val="65000"/>
+                    <a:lumOff val="35000"/>
+                  </a:schemeClr>
+                </a:solidFill>
+                <a:latin typeface="+mj-lt"/>
+              </a:rPr>
+              <a:t>HIVE</a:t>
+            </a:r>
+          </a:p>
+          <a:p>
+            <a:pPr marL="285750" indent="-285750">
+              <a:buFont typeface="Arial" panose="020B0604020202020204" pitchFamily="34" charset="0"/>
+              <a:buChar char="•"/>
+            </a:pPr>
+            <a:r>
+              <a:rPr lang="en-IN" sz="2000" b="1" dirty="0" smtClean="0">
+                <a:solidFill>
+                  <a:schemeClr val="tx1">
+                    <a:lumMod val="65000"/>
+                    <a:lumOff val="35000"/>
+                  </a:schemeClr>
+                </a:solidFill>
+                <a:latin typeface="+mj-lt"/>
+              </a:rPr>
+              <a:t>Pig</a:t>
+            </a:r>
+          </a:p>
+          <a:p>
+            <a:pPr marL="285750" indent="-285750">
+              <a:buFont typeface="Arial" panose="020B0604020202020204" pitchFamily="34" charset="0"/>
+              <a:buChar char="•"/>
+            </a:pPr>
+            <a:r>
+              <a:rPr lang="en-IN" sz="2000" b="1" dirty="0" err="1" smtClean="0">
+                <a:solidFill>
+                  <a:schemeClr val="tx1">
+                    <a:lumMod val="65000"/>
+                    <a:lumOff val="35000"/>
+                  </a:schemeClr>
+                </a:solidFill>
+                <a:latin typeface="+mj-lt"/>
+              </a:rPr>
+              <a:t>Sqoop</a:t>
+            </a:r>
+            <a:endParaRPr lang="en-IN" sz="2000" b="1" dirty="0" smtClean="0">
+              <a:solidFill>
+                <a:schemeClr val="tx1">
+                  <a:lumMod val="65000"/>
+                  <a:lumOff val="35000"/>
+                </a:schemeClr>
+              </a:solidFill>
+              <a:latin typeface="+mj-lt"/>
+            </a:endParaRPr>
+          </a:p>
+          <a:p>
+            <a:pPr marL="285750" indent="-285750">
+              <a:buFont typeface="Arial" panose="020B0604020202020204" pitchFamily="34" charset="0"/>
+              <a:buChar char="•"/>
+            </a:pPr>
+            <a:r>
+              <a:rPr lang="en-IN" sz="2000" b="1" dirty="0" err="1" smtClean="0">
+                <a:solidFill>
+                  <a:schemeClr val="tx1">
+                    <a:lumMod val="65000"/>
+                    <a:lumOff val="35000"/>
+                  </a:schemeClr>
+                </a:solidFill>
+                <a:latin typeface="+mj-lt"/>
+              </a:rPr>
+              <a:t>Hbase</a:t>
+            </a:r>
+            <a:endParaRPr lang="en-IN" sz="2000" b="1" dirty="0" smtClean="0">
+              <a:solidFill>
+                <a:schemeClr val="tx1">
+                  <a:lumMod val="65000"/>
+                  <a:lumOff val="35000"/>
+                </a:schemeClr>
+              </a:solidFill>
+              <a:latin typeface="+mj-lt"/>
+            </a:endParaRPr>
+          </a:p>
+          <a:p>
+            <a:pPr marL="285750" indent="-285750">
+              <a:buFont typeface="Arial" panose="020B0604020202020204" pitchFamily="34" charset="0"/>
+              <a:buChar char="•"/>
+            </a:pPr>
+            <a:r>
+              <a:rPr lang="en-IN" sz="2000" b="1" dirty="0" err="1" smtClean="0">
+                <a:solidFill>
+                  <a:schemeClr val="tx1">
+                    <a:lumMod val="65000"/>
+                    <a:lumOff val="35000"/>
+                  </a:schemeClr>
+                </a:solidFill>
+                <a:latin typeface="+mj-lt"/>
+              </a:rPr>
+              <a:t>Oozie</a:t>
+            </a:r>
+            <a:endParaRPr lang="en-IN" sz="2000" b="1" dirty="0" smtClean="0">
+              <a:solidFill>
+                <a:schemeClr val="tx1">
+                  <a:lumMod val="65000"/>
+                  <a:lumOff val="35000"/>
+                </a:schemeClr>
+              </a:solidFill>
+              <a:latin typeface="+mj-lt"/>
+            </a:endParaRPr>
+          </a:p>
+          <a:p>
+            <a:pPr marL="285750" indent="-285750">
+              <a:buFont typeface="Arial" panose="020B0604020202020204" pitchFamily="34" charset="0"/>
+              <a:buChar char="•"/>
+            </a:pPr>
+            <a:r>
+              <a:rPr lang="en-IN" sz="2000" b="1" dirty="0" smtClean="0">
+                <a:solidFill>
+                  <a:schemeClr val="tx1">
+                    <a:lumMod val="65000"/>
+                    <a:lumOff val="35000"/>
+                  </a:schemeClr>
+                </a:solidFill>
+                <a:latin typeface="+mj-lt"/>
+              </a:rPr>
+              <a:t>Flume</a:t>
+            </a:r>
+          </a:p>
+          <a:p>
+            <a:pPr marL="285750" indent="-285750">
+              <a:buFont typeface="Arial" panose="020B0604020202020204" pitchFamily="34" charset="0"/>
+              <a:buChar char="•"/>
+            </a:pPr>
+            <a:r>
+              <a:rPr lang="en-IN" sz="2000" b="1" dirty="0" err="1" smtClean="0">
+                <a:solidFill>
+                  <a:schemeClr val="tx1">
+                    <a:lumMod val="65000"/>
+                    <a:lumOff val="35000"/>
+                  </a:schemeClr>
+                </a:solidFill>
+                <a:latin typeface="+mj-lt"/>
+              </a:rPr>
+              <a:t>ZooKeeper</a:t>
+            </a:r>
+            <a:endParaRPr lang="en-IN" sz="2000" b="1" dirty="0" smtClean="0">
+              <a:solidFill>
+                <a:schemeClr val="tx1">
+                  <a:lumMod val="65000"/>
+                  <a:lumOff val="35000"/>
+                </a:schemeClr>
+              </a:solidFill>
+              <a:latin typeface="+mj-lt"/>
+            </a:endParaRPr>
+          </a:p>
+          <a:p>
+            <a:pPr marL="285750" indent="-285750">
+              <a:buFont typeface="Arial" panose="020B0604020202020204" pitchFamily="34" charset="0"/>
+              <a:buChar char="•"/>
+            </a:pPr>
+            <a:r>
+              <a:rPr lang="en-IN" sz="2000" b="1" dirty="0" smtClean="0">
+                <a:solidFill>
+                  <a:schemeClr val="tx1">
+                    <a:lumMod val="65000"/>
+                    <a:lumOff val="35000"/>
+                  </a:schemeClr>
+                </a:solidFill>
+                <a:latin typeface="+mj-lt"/>
+              </a:rPr>
+              <a:t>Mouth</a:t>
+            </a:r>
+          </a:p>
+          <a:p>
+            <a:pPr marL="285750" indent="-285750">
+              <a:buFont typeface="Arial" panose="020B0604020202020204" pitchFamily="34" charset="0"/>
+              <a:buChar char="•"/>
+            </a:pPr>
+            <a:r>
+              <a:rPr lang="en-IN" sz="2000" b="1" dirty="0" smtClean="0">
+                <a:solidFill>
+                  <a:schemeClr val="tx1">
+                    <a:lumMod val="65000"/>
+                    <a:lumOff val="35000"/>
+                  </a:schemeClr>
+                </a:solidFill>
+                <a:latin typeface="+mj-lt"/>
+              </a:rPr>
+              <a:t>Avro</a:t>
+            </a:r>
+          </a:p>
+          <a:p>
+            <a:pPr marL="285750" indent="-285750">
+              <a:buFont typeface="Arial" panose="020B0604020202020204" pitchFamily="34" charset="0"/>
+              <a:buChar char="•"/>
+            </a:pPr>
+            <a:r>
+              <a:rPr lang="en-IN" sz="2000" b="1" dirty="0" smtClean="0">
+                <a:solidFill>
+                  <a:schemeClr val="tx1">
+                    <a:lumMod val="65000"/>
+                    <a:lumOff val="35000"/>
+                  </a:schemeClr>
+                </a:solidFill>
+                <a:latin typeface="+mj-lt"/>
+              </a:rPr>
+              <a:t>Spark</a:t>
+            </a:r>
+          </a:p>
+          <a:p>
+            <a:pPr marL="285750" indent="-285750">
+              <a:buFont typeface="Arial" panose="020B0604020202020204" pitchFamily="34" charset="0"/>
+              <a:buChar char="•"/>
+            </a:pPr>
+            <a:r>
+              <a:rPr lang="en-IN" sz="2000" b="1" dirty="0" err="1" smtClean="0">
+                <a:solidFill>
+                  <a:schemeClr val="tx1">
+                    <a:lumMod val="65000"/>
+                    <a:lumOff val="35000"/>
+                  </a:schemeClr>
+                </a:solidFill>
+                <a:latin typeface="+mj-lt"/>
+              </a:rPr>
+              <a:t>Imphala</a:t>
+            </a:r>
+            <a:endParaRPr lang="en-IN" sz="2000" b="1" dirty="0" smtClean="0">
+              <a:solidFill>
+                <a:schemeClr val="tx1">
+                  <a:lumMod val="65000"/>
+                  <a:lumOff val="35000"/>
+                </a:schemeClr>
+              </a:solidFill>
+              <a:latin typeface="+mj-lt"/>
+            </a:endParaRPr>
+          </a:p>
+          <a:p>
+            <a:pPr marL="285750" indent="-285750">
+              <a:buFont typeface="Arial" panose="020B0604020202020204" pitchFamily="34" charset="0"/>
+              <a:buChar char="•"/>
+            </a:pPr>
+            <a:r>
+              <a:rPr lang="en-IN" sz="2000" b="1" dirty="0" smtClean="0">
+                <a:solidFill>
+                  <a:schemeClr val="tx1">
+                    <a:lumMod val="65000"/>
+                    <a:lumOff val="35000"/>
+                  </a:schemeClr>
+                </a:solidFill>
+                <a:latin typeface="+mj-lt"/>
+              </a:rPr>
+              <a:t>MongoDB</a:t>
+            </a:r>
+          </a:p>
+          <a:p>
+            <a:endParaRPr lang="en-IN" b="1" dirty="0">
+              <a:latin typeface="+mj-lt"/>
+            </a:endParaRPr>
+          </a:p>
+        </p:txBody>
+      </p:sp>
+    </p:spTree>
+    <p:extLst>
+      <p:ext uri="{BB962C8B-B14F-4D97-AF65-F5344CB8AC3E}">
+        <p14:creationId xmlns:p14="http://schemas.microsoft.com/office/powerpoint/2010/main" val="1656389899"/>
+      </p:ext>
+    </p:extLst>
+  </p:cSld>
+  <p:clrMapOvr>
+    <a:masterClrMapping/>
+  </p:clrMapOvr>
+</p:sld>
+</file>
+
+<file path=ppt/slides/slide16.xml><?xml version="1.0" encoding="utf-8"?>
+<p:sld xmlns:a="http://schemas.openxmlformats.org/drawingml/2006/main" xmlns:r="http://schemas.openxmlformats.org/officeDocument/2006/relationships" xmlns:p="http://schemas.openxmlformats.org/presentationml/2006/main">
+  <p:cSld>
+    <p:spTree>
+      <p:nvGrpSpPr>
+        <p:cNvPr id="1" name=""/>
+        <p:cNvGrpSpPr/>
+        <p:nvPr/>
+      </p:nvGrpSpPr>
+      <p:grpSpPr>
+        <a:xfrm>
+          <a:off x="0" y="0"/>
+          <a:ext cx="0" cy="0"/>
+          <a:chOff x="0" y="0"/>
+          <a:chExt cx="0" cy="0"/>
+        </a:xfrm>
+      </p:grpSpPr>
+      <p:sp>
+        <p:nvSpPr>
+          <p:cNvPr id="2" name="Title 1"/>
+          <p:cNvSpPr>
+            <a:spLocks noGrp="1"/>
+          </p:cNvSpPr>
+          <p:nvPr>
+            <p:ph type="title"/>
+          </p:nvPr>
+        </p:nvSpPr>
+        <p:spPr/>
+        <p:txBody>
+          <a:bodyPr/>
+          <a:lstStyle/>
+          <a:p>
+            <a:r>
+              <a:rPr lang="en-IN" altLang="en-US" dirty="0"/>
+              <a:t>Hive</a:t>
+            </a:r>
+            <a:endParaRPr lang="en-IN" dirty="0"/>
+          </a:p>
+        </p:txBody>
+      </p:sp>
+      <p:sp>
+        <p:nvSpPr>
+          <p:cNvPr id="3" name="Content Placeholder 2"/>
+          <p:cNvSpPr>
+            <a:spLocks noGrp="1"/>
+          </p:cNvSpPr>
+          <p:nvPr>
+            <p:ph idx="1"/>
+          </p:nvPr>
+        </p:nvSpPr>
+        <p:spPr/>
+        <p:txBody>
+          <a:bodyPr/>
+          <a:lstStyle/>
+          <a:p>
+            <a:pPr>
+              <a:spcAft>
+                <a:spcPts val="0"/>
+              </a:spcAft>
+              <a:defRPr/>
+            </a:pPr>
+            <a:r>
+              <a:rPr lang="en-IN" sz="2400" dirty="0"/>
+              <a:t>Hive is SQL based Data warehouse system for </a:t>
+            </a:r>
+            <a:r>
+              <a:rPr lang="en-US" sz="2400" dirty="0"/>
+              <a:t>data summarization, ad-hoc query, and analysis of large datasets</a:t>
+            </a:r>
+          </a:p>
+          <a:p>
+            <a:pPr>
+              <a:spcAft>
+                <a:spcPts val="0"/>
+              </a:spcAft>
+              <a:defRPr/>
+            </a:pPr>
+            <a:r>
+              <a:rPr lang="en-US" sz="2400" dirty="0"/>
+              <a:t>uses a SQL-like language called </a:t>
+            </a:r>
+            <a:r>
+              <a:rPr lang="en-US" sz="2400" dirty="0" err="1"/>
+              <a:t>HiveQL</a:t>
+            </a:r>
+            <a:r>
+              <a:rPr lang="en-US" sz="2400" dirty="0"/>
+              <a:t> (HQL).</a:t>
+            </a:r>
+          </a:p>
+          <a:p>
+            <a:pPr>
+              <a:spcAft>
+                <a:spcPts val="0"/>
+              </a:spcAft>
+              <a:defRPr/>
+            </a:pPr>
+            <a:r>
+              <a:rPr lang="en-US" sz="2400" dirty="0"/>
+              <a:t>Hive is not a relational database, but a query engine that supports the parts of SQL specific to querying data</a:t>
+            </a:r>
+          </a:p>
+          <a:p>
+            <a:pPr>
+              <a:spcAft>
+                <a:spcPts val="0"/>
+              </a:spcAft>
+              <a:defRPr/>
+            </a:pPr>
+            <a:r>
+              <a:rPr lang="en-US" sz="2400" dirty="0"/>
+              <a:t>By default hive uses derby database to store </a:t>
+            </a:r>
+            <a:r>
+              <a:rPr lang="en-US" sz="2400" dirty="0" err="1"/>
+              <a:t>metastore</a:t>
+            </a:r>
+            <a:r>
+              <a:rPr lang="en-US" sz="2400" dirty="0"/>
+              <a:t>.</a:t>
+            </a:r>
+          </a:p>
+          <a:p>
+            <a:pPr>
+              <a:spcAft>
+                <a:spcPts val="0"/>
+              </a:spcAft>
+              <a:defRPr/>
+            </a:pPr>
+            <a:r>
+              <a:rPr lang="en-US" sz="2400" dirty="0"/>
+              <a:t>The location of </a:t>
+            </a:r>
+            <a:r>
+              <a:rPr lang="en-US" sz="2400" dirty="0" err="1"/>
+              <a:t>metastore</a:t>
+            </a:r>
+            <a:r>
+              <a:rPr lang="en-US" sz="2400" dirty="0"/>
+              <a:t> is </a:t>
+            </a:r>
+            <a:r>
+              <a:rPr lang="en-US" sz="2400" dirty="0" err="1"/>
+              <a:t>metastore_db</a:t>
+            </a:r>
+            <a:endParaRPr lang="en-US" sz="2400" dirty="0"/>
+          </a:p>
+          <a:p>
+            <a:endParaRPr lang="en-IN" dirty="0"/>
+          </a:p>
+        </p:txBody>
+      </p:sp>
+      <p:pic>
+        <p:nvPicPr>
+          <p:cNvPr id="5" name="Picture 4"/>
+          <p:cNvPicPr>
+            <a:picLocks noChangeAspect="1"/>
+          </p:cNvPicPr>
+          <p:nvPr/>
+        </p:nvPicPr>
+        <p:blipFill>
+          <a:blip r:embed="rId2" cstate="print">
+            <a:extLst>
+              <a:ext uri="{28A0092B-C50C-407E-A947-70E740481C1C}">
+                <a14:useLocalDpi xmlns:a14="http://schemas.microsoft.com/office/drawing/2010/main" val="0"/>
+              </a:ext>
+            </a:extLst>
+          </a:blip>
+          <a:stretch>
+            <a:fillRect/>
+          </a:stretch>
+        </p:blipFill>
+        <p:spPr>
+          <a:xfrm>
+            <a:off x="10234748" y="0"/>
+            <a:ext cx="1841863" cy="1657677"/>
+          </a:xfrm>
+          <a:prstGeom prst="rect">
+            <a:avLst/>
+          </a:prstGeom>
+        </p:spPr>
+      </p:pic>
+    </p:spTree>
+    <p:extLst>
+      <p:ext uri="{BB962C8B-B14F-4D97-AF65-F5344CB8AC3E}">
+        <p14:creationId xmlns:p14="http://schemas.microsoft.com/office/powerpoint/2010/main" val="2838279839"/>
+      </p:ext>
+    </p:extLst>
+  </p:cSld>
+  <p:clrMapOvr>
+    <a:masterClrMapping/>
+  </p:clrMapOvr>
+</p:sld>
+</file>
+
+<file path=ppt/slides/slide17.xml><?xml version="1.0" encoding="utf-8"?>
 <p:sld xmlns:a="http://schemas.openxmlformats.org/drawingml/2006/main" xmlns:r="http://schemas.openxmlformats.org/officeDocument/2006/relationships" xmlns:p="http://schemas.openxmlformats.org/presentationml/2006/main">
   <p:cSld>
     <p:spTree>
@@ -7317,202 +7606,7 @@
 </p:sld>
 </file>
 
-<file path=ppt/slides/slide15.xml><?xml version="1.0" encoding="utf-8"?>
-<p:sld xmlns:a="http://schemas.openxmlformats.org/drawingml/2006/main" xmlns:r="http://schemas.openxmlformats.org/officeDocument/2006/relationships" xmlns:p="http://schemas.openxmlformats.org/presentationml/2006/main">
-  <p:cSld>
-    <p:spTree>
-      <p:nvGrpSpPr>
-        <p:cNvPr id="1" name=""/>
-        <p:cNvGrpSpPr/>
-        <p:nvPr/>
-      </p:nvGrpSpPr>
-      <p:grpSpPr>
-        <a:xfrm>
-          <a:off x="0" y="0"/>
-          <a:ext cx="0" cy="0"/>
-          <a:chOff x="0" y="0"/>
-          <a:chExt cx="0" cy="0"/>
-        </a:xfrm>
-      </p:grpSpPr>
-      <p:sp>
-        <p:nvSpPr>
-          <p:cNvPr id="2" name="Title 1"/>
-          <p:cNvSpPr>
-            <a:spLocks noGrp="1"/>
-          </p:cNvSpPr>
-          <p:nvPr>
-            <p:ph type="title"/>
-          </p:nvPr>
-        </p:nvSpPr>
-        <p:spPr/>
-        <p:txBody>
-          <a:bodyPr/>
-          <a:lstStyle/>
-          <a:p>
-            <a:r>
-              <a:rPr lang="en-IN" altLang="en-US" dirty="0"/>
-              <a:t>Hive</a:t>
-            </a:r>
-            <a:endParaRPr lang="en-IN" dirty="0"/>
-          </a:p>
-        </p:txBody>
-      </p:sp>
-      <p:sp>
-        <p:nvSpPr>
-          <p:cNvPr id="3" name="Content Placeholder 2"/>
-          <p:cNvSpPr>
-            <a:spLocks noGrp="1"/>
-          </p:cNvSpPr>
-          <p:nvPr>
-            <p:ph idx="1"/>
-          </p:nvPr>
-        </p:nvSpPr>
-        <p:spPr/>
-        <p:txBody>
-          <a:bodyPr/>
-          <a:lstStyle/>
-          <a:p>
-            <a:pPr>
-              <a:spcAft>
-                <a:spcPts val="0"/>
-              </a:spcAft>
-              <a:defRPr/>
-            </a:pPr>
-            <a:r>
-              <a:rPr lang="en-IN" sz="2400" dirty="0"/>
-              <a:t>Hive is SQL based Data warehouse system for </a:t>
-            </a:r>
-            <a:r>
-              <a:rPr lang="en-US" sz="2400" dirty="0"/>
-              <a:t>data summarization, ad-hoc query, and analysis of large datasets</a:t>
-            </a:r>
-          </a:p>
-          <a:p>
-            <a:pPr>
-              <a:spcAft>
-                <a:spcPts val="0"/>
-              </a:spcAft>
-              <a:defRPr/>
-            </a:pPr>
-            <a:r>
-              <a:rPr lang="en-US" sz="2400" dirty="0"/>
-              <a:t>uses a SQL-like language called </a:t>
-            </a:r>
-            <a:r>
-              <a:rPr lang="en-US" sz="2400" dirty="0" err="1"/>
-              <a:t>HiveQL</a:t>
-            </a:r>
-            <a:r>
-              <a:rPr lang="en-US" sz="2400" dirty="0"/>
-              <a:t> (HQL).</a:t>
-            </a:r>
-          </a:p>
-          <a:p>
-            <a:pPr>
-              <a:spcAft>
-                <a:spcPts val="0"/>
-              </a:spcAft>
-              <a:defRPr/>
-            </a:pPr>
-            <a:r>
-              <a:rPr lang="en-US" sz="2400" dirty="0"/>
-              <a:t>Hive is not a relational database, but a query engine that supports the parts of SQL specific to querying data</a:t>
-            </a:r>
-          </a:p>
-          <a:p>
-            <a:pPr>
-              <a:spcAft>
-                <a:spcPts val="0"/>
-              </a:spcAft>
-              <a:defRPr/>
-            </a:pPr>
-            <a:r>
-              <a:rPr lang="en-US" sz="2400" dirty="0"/>
-              <a:t>By default hive uses derby database to store </a:t>
-            </a:r>
-            <a:r>
-              <a:rPr lang="en-US" sz="2400" dirty="0" err="1"/>
-              <a:t>metastore</a:t>
-            </a:r>
-            <a:r>
-              <a:rPr lang="en-US" sz="2400" dirty="0"/>
-              <a:t>.</a:t>
-            </a:r>
-          </a:p>
-          <a:p>
-            <a:pPr>
-              <a:spcAft>
-                <a:spcPts val="0"/>
-              </a:spcAft>
-              <a:defRPr/>
-            </a:pPr>
-            <a:r>
-              <a:rPr lang="en-US" sz="2400" dirty="0"/>
-              <a:t>The location of </a:t>
-            </a:r>
-            <a:r>
-              <a:rPr lang="en-US" sz="2400" dirty="0" err="1"/>
-              <a:t>metastore</a:t>
-            </a:r>
-            <a:r>
-              <a:rPr lang="en-US" sz="2400" dirty="0"/>
-              <a:t> is </a:t>
-            </a:r>
-            <a:r>
-              <a:rPr lang="en-US" sz="2400" dirty="0" err="1"/>
-              <a:t>metastore_db</a:t>
-            </a:r>
-            <a:endParaRPr lang="en-US" sz="2400" dirty="0"/>
-          </a:p>
-          <a:p>
-            <a:endParaRPr lang="en-IN" dirty="0"/>
-          </a:p>
-        </p:txBody>
-      </p:sp>
-      <p:pic>
-        <p:nvPicPr>
-          <p:cNvPr id="5" name="Picture 4"/>
-          <p:cNvPicPr>
-            <a:picLocks noChangeAspect="1"/>
-          </p:cNvPicPr>
-          <p:nvPr/>
-        </p:nvPicPr>
-        <p:blipFill>
-          <a:blip r:embed="rId2" cstate="print">
-            <a:extLst>
-              <a:ext uri="{28A0092B-C50C-407E-A947-70E740481C1C}">
-                <a14:useLocalDpi xmlns:a14="http://schemas.microsoft.com/office/drawing/2010/main" val="0"/>
-              </a:ext>
-            </a:extLst>
-          </a:blip>
-          <a:stretch>
-            <a:fillRect/>
-          </a:stretch>
-        </p:blipFill>
-        <p:spPr>
-          <a:xfrm>
-            <a:off x="10234748" y="0"/>
-            <a:ext cx="1841863" cy="1657677"/>
-          </a:xfrm>
-          <a:prstGeom prst="rect">
-            <a:avLst/>
-          </a:prstGeom>
-        </p:spPr>
-      </p:pic>
-    </p:spTree>
-    <p:extLst>
-      <p:ext uri="{BB962C8B-B14F-4D97-AF65-F5344CB8AC3E}">
-        <p14:creationId xmlns:p14="http://schemas.microsoft.com/office/powerpoint/2010/main" val="2838279839"/>
-      </p:ext>
-    </p:extLst>
-  </p:cSld>
-  <p:clrMapOvr>
-    <a:masterClrMapping/>
-  </p:clrMapOvr>
-</p:sld>
-</file>
-
-<file path=ppt/slides/slide16.xml><?xml version="1.0" encoding="utf-8"?>
+<file path=ppt/slides/slide18.xml><?xml version="1.0" encoding="utf-8"?>
 <p:sld xmlns:a="http://schemas.openxmlformats.org/drawingml/2006/main" xmlns:r="http://schemas.openxmlformats.org/officeDocument/2006/relationships" xmlns:p="http://schemas.openxmlformats.org/presentationml/2006/main">
   <p:cSld>
     <p:spTree>
@@ -8034,7 +8128,7 @@
 </p:sld>
 </file>
 
-<file path=ppt/slides/slide17.xml><?xml version="1.0" encoding="utf-8"?>
+<file path=ppt/slides/slide19.xml><?xml version="1.0" encoding="utf-8"?>
 <p:sld xmlns:a="http://schemas.openxmlformats.org/drawingml/2006/main" xmlns:r="http://schemas.openxmlformats.org/officeDocument/2006/relationships" xmlns:p="http://schemas.openxmlformats.org/presentationml/2006/main">
   <p:cSld>
     <p:spTree>
@@ -8376,54 +8470,54 @@
           </a:lstStyle>
           <a:p>
             <a:r>
-              <a:rPr lang="en-US" altLang="en-US" dirty="0" err="1" smtClean="0"/>
+              <a:rPr lang="en-US" altLang="en-US" sz="2400" dirty="0" err="1" smtClean="0"/>
               <a:t>Sqoop</a:t>
             </a:r>
             <a:r>
-              <a:rPr lang="en-US" altLang="en-US" dirty="0" smtClean="0"/>
+              <a:rPr lang="en-US" altLang="en-US" sz="2400" dirty="0" smtClean="0"/>
               <a:t> acts like a intermediate layer between Hadoop and relational database systems.  You can import data and export data between relational database systems and Hadoop and its eco-systems directly using </a:t>
             </a:r>
             <a:r>
-              <a:rPr lang="en-US" altLang="en-US" dirty="0" err="1" smtClean="0"/>
+              <a:rPr lang="en-US" altLang="en-US" sz="2400" dirty="0" err="1" smtClean="0"/>
               <a:t>sqoop</a:t>
             </a:r>
             <a:r>
-              <a:rPr lang="en-US" altLang="en-US" dirty="0" smtClean="0"/>
+              <a:rPr lang="en-US" altLang="en-US" sz="2400" dirty="0" smtClean="0"/>
               <a:t>.</a:t>
             </a:r>
           </a:p>
           <a:p>
             <a:r>
-              <a:rPr lang="en-US" altLang="en-US" dirty="0" err="1" smtClean="0"/>
+              <a:rPr lang="en-US" altLang="en-US" sz="2400" dirty="0" err="1" smtClean="0"/>
               <a:t>Sqoop</a:t>
             </a:r>
             <a:r>
-              <a:rPr lang="en-US" altLang="en-US" dirty="0" smtClean="0"/>
+              <a:rPr lang="en-US" altLang="en-US" sz="2400" dirty="0" smtClean="0"/>
               <a:t> works with relational databases such as Teradata, </a:t>
             </a:r>
             <a:r>
-              <a:rPr lang="en-US" altLang="en-US" dirty="0" err="1" smtClean="0"/>
+              <a:rPr lang="en-US" altLang="en-US" sz="2400" dirty="0" err="1" smtClean="0"/>
               <a:t>Netezza</a:t>
             </a:r>
             <a:r>
-              <a:rPr lang="en-US" altLang="en-US" dirty="0" smtClean="0"/>
+              <a:rPr lang="en-US" altLang="en-US" sz="2400" dirty="0" smtClean="0"/>
               <a:t>, Oracle, MySQL, </a:t>
             </a:r>
             <a:r>
-              <a:rPr lang="en-US" altLang="en-US" dirty="0" err="1" smtClean="0"/>
+              <a:rPr lang="en-US" altLang="en-US" sz="2400" dirty="0" err="1" smtClean="0"/>
               <a:t>Postgres</a:t>
             </a:r>
             <a:r>
-              <a:rPr lang="en-US" altLang="en-US" dirty="0" smtClean="0"/>
+              <a:rPr lang="en-US" altLang="en-US" sz="2400" dirty="0" smtClean="0"/>
               <a:t>, and HSQLDB</a:t>
             </a:r>
           </a:p>
           <a:p>
             <a:r>
-              <a:rPr lang="en-US" altLang="en-US" dirty="0" smtClean="0"/>
+              <a:rPr lang="en-US" altLang="en-US" sz="2400" dirty="0" smtClean="0"/>
               <a:t>Uses JDBC to connect with relational databases</a:t>
             </a:r>
-            <a:endParaRPr lang="en-IN" altLang="en-US" dirty="0" smtClean="0"/>
+            <a:endParaRPr lang="en-IN" altLang="en-US" sz="2400" dirty="0" smtClean="0"/>
           </a:p>
           <a:p>
             <a:endParaRPr lang="en-IN" dirty="0"/>
@@ -8443,7 +8537,7 @@
 </p:sld>
 </file>
 
-<file path=ppt/slides/slide18.xml><?xml version="1.0" encoding="utf-8"?>
+<file path=ppt/slides/slide2.xml><?xml version="1.0" encoding="utf-8"?>
 <p:sld xmlns:a="http://schemas.openxmlformats.org/drawingml/2006/main" xmlns:r="http://schemas.openxmlformats.org/officeDocument/2006/relationships" xmlns:p="http://schemas.openxmlformats.org/presentationml/2006/main">
   <p:cSld>
     <p:spTree>
@@ -8476,6 +8570,193 @@
           <a:lstStyle/>
           <a:p>
             <a:r>
+              <a:rPr lang="en-IN" dirty="0"/>
+              <a:t>BIG DATA </a:t>
+            </a:r>
+          </a:p>
+        </p:txBody>
+      </p:sp>
+      <p:sp>
+        <p:nvSpPr>
+          <p:cNvPr id="3" name="Content Placeholder 2"/>
+          <p:cNvSpPr>
+            <a:spLocks noGrp="1"/>
+          </p:cNvSpPr>
+          <p:nvPr>
+            <p:ph idx="1"/>
+          </p:nvPr>
+        </p:nvSpPr>
+        <p:spPr/>
+        <p:txBody>
+          <a:bodyPr/>
+          <a:lstStyle/>
+          <a:p>
+            <a:r>
+              <a:rPr lang="en-US" dirty="0"/>
+              <a:t>E</a:t>
+            </a:r>
+            <a:r>
+              <a:rPr lang="en-US" dirty="0" smtClean="0"/>
+              <a:t>xtremely </a:t>
+            </a:r>
+            <a:r>
+              <a:rPr lang="en-US" dirty="0"/>
+              <a:t>large data sets that may be </a:t>
+            </a:r>
+            <a:r>
+              <a:rPr lang="en-US" dirty="0" smtClean="0"/>
+              <a:t>analyzed </a:t>
+            </a:r>
+            <a:r>
+              <a:rPr lang="en-US" dirty="0"/>
+              <a:t>computationally to reveal patterns, trends, and associations, especially relating to human </a:t>
+            </a:r>
+            <a:r>
+              <a:rPr lang="en-US" dirty="0" smtClean="0"/>
+              <a:t>behavior </a:t>
+            </a:r>
+            <a:r>
+              <a:rPr lang="en-US" dirty="0"/>
+              <a:t>and interactions.</a:t>
+            </a:r>
+            <a:endParaRPr lang="en-US" dirty="0" smtClean="0"/>
+          </a:p>
+          <a:p>
+            <a:r>
+              <a:rPr lang="en-US" dirty="0" smtClean="0"/>
+              <a:t>Data </a:t>
+            </a:r>
+            <a:r>
+              <a:rPr lang="en-US" dirty="0"/>
+              <a:t>that is </a:t>
+            </a:r>
+            <a:r>
+              <a:rPr lang="en-US" dirty="0" smtClean="0"/>
+              <a:t>too </a:t>
+            </a:r>
+            <a:r>
+              <a:rPr lang="en-US" dirty="0"/>
+              <a:t>big to be processed by a single machine. </a:t>
+            </a:r>
+            <a:endParaRPr lang="en-US" dirty="0" smtClean="0"/>
+          </a:p>
+          <a:p>
+            <a:r>
+              <a:rPr lang="en-IN" b="1" dirty="0" smtClean="0"/>
+              <a:t>How Big :</a:t>
+            </a:r>
+          </a:p>
+          <a:p>
+            <a:pPr>
+              <a:spcAft>
+                <a:spcPts val="0"/>
+              </a:spcAft>
+              <a:defRPr/>
+            </a:pPr>
+            <a:r>
+              <a:rPr lang="en-IN" dirty="0"/>
+              <a:t>Facebook hosts more than 240 billion photos , growing at 7 PB per months</a:t>
+            </a:r>
+          </a:p>
+          <a:p>
+            <a:pPr>
+              <a:spcAft>
+                <a:spcPts val="0"/>
+              </a:spcAft>
+              <a:defRPr/>
+            </a:pPr>
+            <a:r>
+              <a:rPr lang="en-IN" dirty="0"/>
+              <a:t>The New York Stock Exchange generates 4-5 PB per day </a:t>
+            </a:r>
+            <a:endParaRPr lang="en-IN" dirty="0" smtClean="0"/>
+          </a:p>
+          <a:p>
+            <a:pPr>
+              <a:spcAft>
+                <a:spcPts val="0"/>
+              </a:spcAft>
+              <a:defRPr/>
+            </a:pPr>
+            <a:endParaRPr lang="en-IN" dirty="0"/>
+          </a:p>
+          <a:p>
+            <a:pPr>
+              <a:spcAft>
+                <a:spcPts val="0"/>
+              </a:spcAft>
+              <a:defRPr/>
+            </a:pPr>
+            <a:r>
+              <a:rPr lang="en-US" dirty="0"/>
+              <a:t>Traditional data processing application software is inadequate to deal with such </a:t>
+            </a:r>
+            <a:r>
+              <a:rPr lang="en-US" dirty="0" smtClean="0"/>
+              <a:t>large data.</a:t>
+            </a:r>
+            <a:endParaRPr lang="en-US" dirty="0"/>
+          </a:p>
+          <a:p>
+            <a:pPr>
+              <a:spcAft>
+                <a:spcPts val="0"/>
+              </a:spcAft>
+              <a:defRPr/>
+            </a:pPr>
+            <a:endParaRPr lang="en-IN" dirty="0"/>
+          </a:p>
+          <a:p>
+            <a:endParaRPr lang="en-IN" b="1" dirty="0"/>
+          </a:p>
+        </p:txBody>
+      </p:sp>
+    </p:spTree>
+    <p:extLst>
+      <p:ext uri="{BB962C8B-B14F-4D97-AF65-F5344CB8AC3E}">
+        <p14:creationId xmlns:p14="http://schemas.microsoft.com/office/powerpoint/2010/main" val="2634573981"/>
+      </p:ext>
+    </p:extLst>
+  </p:cSld>
+  <p:clrMapOvr>
+    <a:masterClrMapping/>
+  </p:clrMapOvr>
+</p:sld>
+</file>
+
+<file path=ppt/slides/slide20.xml><?xml version="1.0" encoding="utf-8"?>
+<p:sld xmlns:a="http://schemas.openxmlformats.org/drawingml/2006/main" xmlns:r="http://schemas.openxmlformats.org/officeDocument/2006/relationships" xmlns:p="http://schemas.openxmlformats.org/presentationml/2006/main">
+  <p:cSld>
+    <p:spTree>
+      <p:nvGrpSpPr>
+        <p:cNvPr id="1" name=""/>
+        <p:cNvGrpSpPr/>
+        <p:nvPr/>
+      </p:nvGrpSpPr>
+      <p:grpSpPr>
+        <a:xfrm>
+          <a:off x="0" y="0"/>
+          <a:ext cx="0" cy="0"/>
+          <a:chOff x="0" y="0"/>
+          <a:chExt cx="0" cy="0"/>
+        </a:xfrm>
+      </p:grpSpPr>
+      <p:sp>
+        <p:nvSpPr>
+          <p:cNvPr id="2" name="Title 1"/>
+          <p:cNvSpPr>
+            <a:spLocks noGrp="1"/>
+          </p:cNvSpPr>
+          <p:nvPr>
+            <p:ph type="title"/>
+          </p:nvPr>
+        </p:nvSpPr>
+        <p:spPr/>
+        <p:txBody>
+          <a:bodyPr/>
+          <a:lstStyle/>
+          <a:p>
+            <a:r>
               <a:rPr lang="en-IN" altLang="en-US" dirty="0"/>
               <a:t>Flume</a:t>
             </a:r>
@@ -8511,26 +8792,26 @@
               <a:defRPr/>
             </a:pPr>
             <a:r>
-              <a:rPr lang="en-US" dirty="0"/>
+              <a:rPr lang="en-US" sz="2400" dirty="0"/>
               <a:t>Data need to process generating from data sources like applications servers, social networking sites, cloud servers, and enterprise servers. This data will be in the form of </a:t>
             </a:r>
             <a:r>
-              <a:rPr lang="en-US" b="1" dirty="0"/>
+              <a:rPr lang="en-US" sz="2400" b="1" dirty="0"/>
               <a:t>log files</a:t>
             </a:r>
             <a:r>
-              <a:rPr lang="en-US" dirty="0"/>
+              <a:rPr lang="en-US" sz="2400" dirty="0"/>
               <a:t> and </a:t>
             </a:r>
             <a:r>
-              <a:rPr lang="en-US" b="1" dirty="0"/>
+              <a:rPr lang="en-US" sz="2400" b="1" dirty="0"/>
               <a:t>events</a:t>
             </a:r>
             <a:r>
-              <a:rPr lang="en-US" dirty="0"/>
+              <a:rPr lang="en-US" sz="2400" dirty="0"/>
               <a:t>.</a:t>
             </a:r>
-            <a:endParaRPr lang="en-IN" dirty="0"/>
+            <a:endParaRPr lang="en-IN" sz="2400" dirty="0"/>
           </a:p>
           <a:p>
             <a:pPr marL="0" indent="0">
@@ -8540,7 +8821,7 @@
               <a:buNone/>
               <a:defRPr/>
             </a:pPr>
-            <a:endParaRPr lang="en-US" dirty="0"/>
+            <a:endParaRPr lang="en-US" sz="2400" dirty="0"/>
           </a:p>
           <a:p>
             <a:pPr>
@@ -8550,15 +8831,15 @@
               <a:defRPr/>
             </a:pPr>
             <a:r>
-              <a:rPr lang="en-US" dirty="0"/>
+              <a:rPr lang="en-US" sz="2400" dirty="0"/>
               <a:t>Apache Flume is a distributed, reliable, and available service for efficiently collecting, aggregating, and moving large amounts of streaming data/</a:t>
             </a:r>
             <a:r>
-              <a:rPr lang="en-US" dirty="0" err="1"/>
+              <a:rPr lang="en-US" sz="2400" dirty="0" err="1"/>
               <a:t>logdata</a:t>
             </a:r>
             <a:r>
-              <a:rPr lang="en-US" dirty="0"/>
+              <a:rPr lang="en-US" sz="2400" dirty="0"/>
               <a:t> into the Hadoop Distributed File System (HDFS).</a:t>
             </a:r>
           </a:p>
@@ -8610,7 +8891,7 @@
 </p:sld>
 </file>
 
-<file path=ppt/slides/slide19.xml><?xml version="1.0" encoding="utf-8"?>
+<file path=ppt/slides/slide21.xml><?xml version="1.0" encoding="utf-8"?>
 <p:sld xmlns:a="http://schemas.openxmlformats.org/drawingml/2006/main" xmlns:r="http://schemas.openxmlformats.org/officeDocument/2006/relationships" xmlns:p="http://schemas.openxmlformats.org/presentationml/2006/main">
   <p:cSld>
     <p:spTree>
@@ -8731,194 +9012,7 @@
 </p:sld>
 </file>
 
-<file path=ppt/slides/slide2.xml><?xml version="1.0" encoding="utf-8"?>
-<p:sld xmlns:a="http://schemas.openxmlformats.org/drawingml/2006/main" xmlns:r="http://schemas.openxmlformats.org/officeDocument/2006/relationships" xmlns:p="http://schemas.openxmlformats.org/presentationml/2006/main">
-  <p:cSld>
-    <p:spTree>
-      <p:nvGrpSpPr>
-        <p:cNvPr id="1" name=""/>
-        <p:cNvGrpSpPr/>
-        <p:nvPr/>
-      </p:nvGrpSpPr>
-      <p:grpSpPr>
-        <a:xfrm>
-          <a:off x="0" y="0"/>
-          <a:ext cx="0" cy="0"/>
-          <a:chOff x="0" y="0"/>
-          <a:chExt cx="0" cy="0"/>
-        </a:xfrm>
-      </p:grpSpPr>
-      <p:sp>
-        <p:nvSpPr>
-          <p:cNvPr id="2" name="Title 1"/>
-          <p:cNvSpPr>
-            <a:spLocks noGrp="1"/>
-          </p:cNvSpPr>
-          <p:nvPr>
-            <p:ph type="title"/>
-          </p:nvPr>
-        </p:nvSpPr>
-        <p:spPr/>
-        <p:txBody>
-          <a:bodyPr/>
-          <a:lstStyle/>
-          <a:p>
-            <a:r>
-              <a:rPr lang="en-IN" dirty="0"/>
-              <a:t>BIG DATA </a:t>
-            </a:r>
-          </a:p>
-        </p:txBody>
-      </p:sp>
-      <p:sp>
-        <p:nvSpPr>
-          <p:cNvPr id="3" name="Content Placeholder 2"/>
-          <p:cNvSpPr>
-            <a:spLocks noGrp="1"/>
-          </p:cNvSpPr>
-          <p:nvPr>
-            <p:ph idx="1"/>
-          </p:nvPr>
-        </p:nvSpPr>
-        <p:spPr/>
-        <p:txBody>
-          <a:bodyPr/>
-          <a:lstStyle/>
-          <a:p>
-            <a:r>
-              <a:rPr lang="en-US" dirty="0"/>
-              <a:t>E</a:t>
-            </a:r>
-            <a:r>
-              <a:rPr lang="en-US" dirty="0" smtClean="0"/>
-              <a:t>xtremely </a:t>
-            </a:r>
-            <a:r>
-              <a:rPr lang="en-US" dirty="0"/>
-              <a:t>large data sets that may be </a:t>
-            </a:r>
-            <a:r>
-              <a:rPr lang="en-US" dirty="0" smtClean="0"/>
-              <a:t>analyzed </a:t>
-            </a:r>
-            <a:r>
-              <a:rPr lang="en-US" dirty="0"/>
-              <a:t>computationally to reveal patterns, trends, and associations, especially relating to human </a:t>
-            </a:r>
-            <a:r>
-              <a:rPr lang="en-US" dirty="0" smtClean="0"/>
-              <a:t>behavior </a:t>
-            </a:r>
-            <a:r>
-              <a:rPr lang="en-US" dirty="0"/>
-              <a:t>and interactions.</a:t>
-            </a:r>
-            <a:endParaRPr lang="en-US" dirty="0" smtClean="0"/>
-          </a:p>
-          <a:p>
-            <a:r>
-              <a:rPr lang="en-US" dirty="0" smtClean="0"/>
-              <a:t>Data </a:t>
-            </a:r>
-            <a:r>
-              <a:rPr lang="en-US" dirty="0"/>
-              <a:t>that is </a:t>
-            </a:r>
-            <a:r>
-              <a:rPr lang="en-US" dirty="0" smtClean="0"/>
-              <a:t>too </a:t>
-            </a:r>
-            <a:r>
-              <a:rPr lang="en-US" dirty="0"/>
-              <a:t>big to be processed by a single machine. </a:t>
-            </a:r>
-            <a:endParaRPr lang="en-US" dirty="0" smtClean="0"/>
-          </a:p>
-          <a:p>
-            <a:r>
-              <a:rPr lang="en-IN" b="1" dirty="0" smtClean="0"/>
-              <a:t>How Big :</a:t>
-            </a:r>
-          </a:p>
-          <a:p>
-            <a:pPr>
-              <a:spcAft>
-                <a:spcPts val="0"/>
-              </a:spcAft>
-              <a:defRPr/>
-            </a:pPr>
-            <a:r>
-              <a:rPr lang="en-IN" dirty="0"/>
-              <a:t>Facebook hosts more than 240 billion photos , growing at 7 PB per months</a:t>
-            </a:r>
-          </a:p>
-          <a:p>
-            <a:pPr>
-              <a:spcAft>
-                <a:spcPts val="0"/>
-              </a:spcAft>
-              <a:defRPr/>
-            </a:pPr>
-            <a:r>
-              <a:rPr lang="en-IN" dirty="0"/>
-              <a:t>The New York Stock Exchange generates 4-5 PB per day </a:t>
-            </a:r>
-            <a:endParaRPr lang="en-IN" dirty="0" smtClean="0"/>
-          </a:p>
-          <a:p>
-            <a:pPr>
-              <a:spcAft>
-                <a:spcPts val="0"/>
-              </a:spcAft>
-              <a:defRPr/>
-            </a:pPr>
-            <a:endParaRPr lang="en-IN" dirty="0"/>
-          </a:p>
-          <a:p>
-            <a:pPr>
-              <a:spcAft>
-                <a:spcPts val="0"/>
-              </a:spcAft>
-              <a:defRPr/>
-            </a:pPr>
-            <a:r>
-              <a:rPr lang="en-US" dirty="0"/>
-              <a:t>Traditional data processing application software is inadequate to deal with such </a:t>
-            </a:r>
-            <a:r>
-              <a:rPr lang="en-US" dirty="0" smtClean="0"/>
-              <a:t>large data.</a:t>
-            </a:r>
-            <a:endParaRPr lang="en-US" dirty="0"/>
-          </a:p>
-          <a:p>
-            <a:pPr>
-              <a:spcAft>
-                <a:spcPts val="0"/>
-              </a:spcAft>
-              <a:defRPr/>
-            </a:pPr>
-            <a:endParaRPr lang="en-IN" dirty="0"/>
-          </a:p>
-          <a:p>
-            <a:endParaRPr lang="en-IN" b="1" dirty="0"/>
-          </a:p>
-        </p:txBody>
-      </p:sp>
-    </p:spTree>
-    <p:extLst>
-      <p:ext uri="{BB962C8B-B14F-4D97-AF65-F5344CB8AC3E}">
-        <p14:creationId xmlns:p14="http://schemas.microsoft.com/office/powerpoint/2010/main" val="2634573981"/>
-      </p:ext>
-    </p:extLst>
-  </p:cSld>
-  <p:clrMapOvr>
-    <a:masterClrMapping/>
-  </p:clrMapOvr>
-</p:sld>
-</file>
-
-<file path=ppt/slides/slide20.xml><?xml version="1.0" encoding="utf-8"?>
+<file path=ppt/slides/slide22.xml><?xml version="1.0" encoding="utf-8"?>
 <p:sld xmlns:a="http://schemas.openxmlformats.org/drawingml/2006/main" xmlns:r="http://schemas.openxmlformats.org/officeDocument/2006/relationships" xmlns:p="http://schemas.openxmlformats.org/presentationml/2006/main">
   <p:cSld>
     <p:spTree>
@@ -9300,7 +9394,7 @@
 </p:sld>
 </file>
 
-<file path=ppt/slides/slide21.xml><?xml version="1.0" encoding="utf-8"?>
+<file path=ppt/slides/slide23.xml><?xml version="1.0" encoding="utf-8"?>
 <p:sld xmlns:a="http://schemas.openxmlformats.org/drawingml/2006/main" xmlns:r="http://schemas.openxmlformats.org/officeDocument/2006/relationships" xmlns:p="http://schemas.openxmlformats.org/presentationml/2006/main">
   <p:cSld>
     <p:spTree>
@@ -9492,603 +9586,6 @@
 </p:sld>
 </file>
 
-<file path=ppt/slides/slide22.xml><?xml version="1.0" encoding="utf-8"?>
-<p:sld xmlns:a="http://schemas.openxmlformats.org/drawingml/2006/main" xmlns:r="http://schemas.openxmlformats.org/officeDocument/2006/relationships" xmlns:p="http://schemas.openxmlformats.org/presentationml/2006/main">
-  <p:cSld>
-    <p:spTree>
-      <p:nvGrpSpPr>
-        <p:cNvPr id="1" name=""/>
-        <p:cNvGrpSpPr/>
-        <p:nvPr/>
-      </p:nvGrpSpPr>
-      <p:grpSpPr>
-        <a:xfrm>
-          <a:off x="0" y="0"/>
-          <a:ext cx="0" cy="0"/>
-          <a:chOff x="0" y="0"/>
-          <a:chExt cx="0" cy="0"/>
-        </a:xfrm>
-      </p:grpSpPr>
-      <p:sp>
-        <p:nvSpPr>
-          <p:cNvPr id="2" name="Title 1"/>
-          <p:cNvSpPr>
-            <a:spLocks noGrp="1"/>
-          </p:cNvSpPr>
-          <p:nvPr>
-            <p:ph type="title"/>
-          </p:nvPr>
-        </p:nvSpPr>
-        <p:spPr>
-          <a:xfrm>
-            <a:off x="1097280" y="286604"/>
-            <a:ext cx="10058400" cy="1228688"/>
-          </a:xfrm>
-        </p:spPr>
-        <p:txBody>
-          <a:bodyPr/>
-          <a:lstStyle/>
-          <a:p>
-            <a:r>
-              <a:rPr lang="en-IN" dirty="0" smtClean="0"/>
-              <a:t>Summery of Hadoop Tools</a:t>
-            </a:r>
-            <a:endParaRPr lang="en-IN" dirty="0"/>
-          </a:p>
-        </p:txBody>
-      </p:sp>
-      <p:sp>
-        <p:nvSpPr>
-          <p:cNvPr id="5" name="Content Placeholder 1"/>
-          <p:cNvSpPr txBox="1">
-            <a:spLocks noGrp="1"/>
-          </p:cNvSpPr>
-          <p:nvPr>
-            <p:ph idx="1"/>
-          </p:nvPr>
-        </p:nvSpPr>
-        <p:spPr>
-          <a:prstGeom prst="rect">
-            <a:avLst/>
-          </a:prstGeom>
-          <a:noFill/>
-          <a:ln>
-            <a:noFill/>
-          </a:ln>
-        </p:spPr>
-        <p:style>
-          <a:lnRef idx="0">
-            <a:scrgbClr r="0" g="0" b="0"/>
-          </a:lnRef>
-          <a:fillRef idx="0">
-            <a:scrgbClr r="0" g="0" b="0"/>
-          </a:fillRef>
-          <a:effectRef idx="0">
-            <a:scrgbClr r="0" g="0" b="0"/>
-          </a:effectRef>
-          <a:fontRef idx="minor">
-            <a:schemeClr val="dk1"/>
-          </a:fontRef>
-        </p:style>
-        <p:txBody>
-          <a:bodyPr>
-            <a:normAutofit lnSpcReduction="10000"/>
-          </a:bodyPr>
-          <a:lstStyle>
-            <a:lvl1pPr marL="228600" indent="-228600" algn="l" defTabSz="914400" rtl="0" eaLnBrk="1" latinLnBrk="0" hangingPunct="1">
-              <a:lnSpc>
-                <a:spcPct val="120000"/>
-              </a:lnSpc>
-              <a:spcBef>
-                <a:spcPts val="1000"/>
-              </a:spcBef>
-              <a:buSzPct val="125000"/>
-              <a:buFont typeface="Arial" panose="020B0604020202020204" pitchFamily="34" charset="0"/>
-              <a:buChar char="•"/>
-              <a:defRPr sz="2400" kern="1200">
-                <a:solidFill>
-                  <a:schemeClr val="tx1"/>
-                </a:solidFill>
-                <a:latin typeface="+mn-lt"/>
-                <a:ea typeface="+mn-ea"/>
-                <a:cs typeface="+mn-cs"/>
-              </a:defRPr>
-            </a:lvl1pPr>
-            <a:lvl2pPr marL="685800" indent="-228600" algn="l" defTabSz="914400" rtl="0" eaLnBrk="1" latinLnBrk="0" hangingPunct="1">
-              <a:lnSpc>
-                <a:spcPct val="120000"/>
-              </a:lnSpc>
-              <a:spcBef>
-                <a:spcPts val="500"/>
-              </a:spcBef>
-              <a:buSzPct val="125000"/>
-              <a:buFont typeface="Arial" panose="020B0604020202020204" pitchFamily="34" charset="0"/>
-              <a:buChar char="•"/>
-              <a:defRPr sz="2000" kern="1200">
-                <a:solidFill>
-                  <a:schemeClr val="tx1"/>
-                </a:solidFill>
-                <a:latin typeface="+mn-lt"/>
-                <a:ea typeface="+mn-ea"/>
-                <a:cs typeface="+mn-cs"/>
-              </a:defRPr>
-            </a:lvl2pPr>
-            <a:lvl3pPr marL="1143000" indent="-228600" algn="l" defTabSz="914400" rtl="0" eaLnBrk="1" latinLnBrk="0" hangingPunct="1">
-              <a:lnSpc>
-                <a:spcPct val="120000"/>
-              </a:lnSpc>
-              <a:spcBef>
-                <a:spcPts val="500"/>
-              </a:spcBef>
-              <a:buSzPct val="125000"/>
-              <a:buFont typeface="Arial" panose="020B0604020202020204" pitchFamily="34" charset="0"/>
-              <a:buChar char="•"/>
-              <a:defRPr sz="1800" kern="1200">
-                <a:solidFill>
-                  <a:schemeClr val="tx1"/>
-                </a:solidFill>
-                <a:latin typeface="+mn-lt"/>
-                <a:ea typeface="+mn-ea"/>
-                <a:cs typeface="+mn-cs"/>
-              </a:defRPr>
-            </a:lvl3pPr>
-            <a:lvl4pPr marL="1600200" indent="-228600" algn="l" defTabSz="914400" rtl="0" eaLnBrk="1" latinLnBrk="0" hangingPunct="1">
-              <a:lnSpc>
-                <a:spcPct val="120000"/>
-              </a:lnSpc>
-              <a:spcBef>
-                <a:spcPts val="500"/>
-              </a:spcBef>
-              <a:buSzPct val="125000"/>
-              <a:buFont typeface="Arial" panose="020B0604020202020204" pitchFamily="34" charset="0"/>
-              <a:buChar char="•"/>
-              <a:defRPr sz="1600" kern="1200">
-                <a:solidFill>
-                  <a:schemeClr val="tx1"/>
-                </a:solidFill>
-                <a:latin typeface="+mn-lt"/>
-                <a:ea typeface="+mn-ea"/>
-                <a:cs typeface="+mn-cs"/>
-              </a:defRPr>
-            </a:lvl4pPr>
-            <a:lvl5pPr marL="2057400" indent="-228600" algn="l" defTabSz="914400" rtl="0" eaLnBrk="1" latinLnBrk="0" hangingPunct="1">
-              <a:lnSpc>
-                <a:spcPct val="120000"/>
-              </a:lnSpc>
-              <a:spcBef>
-                <a:spcPts val="500"/>
-              </a:spcBef>
-              <a:buSzPct val="125000"/>
-              <a:buFont typeface="Arial" panose="020B0604020202020204" pitchFamily="34" charset="0"/>
-              <a:buChar char="•"/>
-              <a:defRPr sz="1600" kern="1200">
-                <a:solidFill>
-                  <a:schemeClr val="tx1"/>
-                </a:solidFill>
-                <a:latin typeface="+mn-lt"/>
-                <a:ea typeface="+mn-ea"/>
-                <a:cs typeface="+mn-cs"/>
-              </a:defRPr>
-            </a:lvl5pPr>
-            <a:lvl6pPr marL="2514600" indent="-228600" algn="l" defTabSz="914400" rtl="0" eaLnBrk="1" latinLnBrk="0" hangingPunct="1">
-              <a:lnSpc>
-                <a:spcPct val="120000"/>
-              </a:lnSpc>
-              <a:spcBef>
-                <a:spcPts val="500"/>
-              </a:spcBef>
-              <a:buSzPct val="125000"/>
-              <a:buFont typeface="Arial" panose="020B0604020202020204" pitchFamily="34" charset="0"/>
-              <a:buChar char="•"/>
-              <a:defRPr sz="1400" kern="1200">
-                <a:solidFill>
-                  <a:schemeClr val="tx1"/>
-                </a:solidFill>
-                <a:latin typeface="+mn-lt"/>
-                <a:ea typeface="+mn-ea"/>
-                <a:cs typeface="+mn-cs"/>
-              </a:defRPr>
-            </a:lvl6pPr>
-            <a:lvl7pPr marL="2971800" indent="-228600" algn="l" defTabSz="914400" rtl="0" eaLnBrk="1" latinLnBrk="0" hangingPunct="1">
-              <a:lnSpc>
-                <a:spcPct val="120000"/>
-              </a:lnSpc>
-              <a:spcBef>
-                <a:spcPts val="500"/>
-              </a:spcBef>
-              <a:buSzPct val="125000"/>
-              <a:buFont typeface="Arial" panose="020B0604020202020204" pitchFamily="34" charset="0"/>
-              <a:buChar char="•"/>
-              <a:defRPr sz="1400" kern="1200">
-                <a:solidFill>
-                  <a:schemeClr val="tx1"/>
-                </a:solidFill>
-                <a:latin typeface="+mn-lt"/>
-                <a:ea typeface="+mn-ea"/>
-                <a:cs typeface="+mn-cs"/>
-              </a:defRPr>
-            </a:lvl7pPr>
-            <a:lvl8pPr marL="3429000" indent="-228600" algn="l" defTabSz="914400" rtl="0" eaLnBrk="1" latinLnBrk="0" hangingPunct="1">
-              <a:lnSpc>
-                <a:spcPct val="120000"/>
-              </a:lnSpc>
-              <a:spcBef>
-                <a:spcPts val="500"/>
-              </a:spcBef>
-              <a:buSzPct val="125000"/>
-              <a:buFont typeface="Arial" panose="020B0604020202020204" pitchFamily="34" charset="0"/>
-              <a:buChar char="•"/>
-              <a:defRPr sz="1400" kern="1200">
-                <a:solidFill>
-                  <a:schemeClr val="tx1"/>
-                </a:solidFill>
-                <a:latin typeface="+mn-lt"/>
-                <a:ea typeface="+mn-ea"/>
-                <a:cs typeface="+mn-cs"/>
-              </a:defRPr>
-            </a:lvl8pPr>
-            <a:lvl9pPr marL="3886200" indent="-228600" algn="l" defTabSz="914400" rtl="0" eaLnBrk="1" latinLnBrk="0" hangingPunct="1">
-              <a:lnSpc>
-                <a:spcPct val="120000"/>
-              </a:lnSpc>
-              <a:spcBef>
-                <a:spcPts val="500"/>
-              </a:spcBef>
-              <a:buSzPct val="125000"/>
-              <a:buFont typeface="Arial" panose="020B0604020202020204" pitchFamily="34" charset="0"/>
-              <a:buChar char="•"/>
-              <a:defRPr sz="1400" kern="1200">
-                <a:solidFill>
-                  <a:schemeClr val="tx1"/>
-                </a:solidFill>
-                <a:latin typeface="+mn-lt"/>
-                <a:ea typeface="+mn-ea"/>
-                <a:cs typeface="+mn-cs"/>
-              </a:defRPr>
-            </a:lvl9pPr>
-          </a:lstStyle>
-          <a:p>
-            <a:pPr>
-              <a:buSzPct val="50000"/>
-              <a:buFont typeface="Wingdings" panose="05000000000000000000" pitchFamily="2" charset="2"/>
-              <a:buChar char="q"/>
-            </a:pPr>
-            <a:r>
-              <a:rPr lang="en-US" dirty="0">
-                <a:solidFill>
-                  <a:schemeClr val="tx1">
-                    <a:lumMod val="65000"/>
-                    <a:lumOff val="35000"/>
-                  </a:schemeClr>
-                </a:solidFill>
-              </a:rPr>
-              <a:t>Hive: Hadoop processing with SQL</a:t>
-            </a:r>
-          </a:p>
-          <a:p>
-            <a:pPr>
-              <a:buSzPct val="50000"/>
-              <a:buFont typeface="Wingdings" panose="05000000000000000000" pitchFamily="2" charset="2"/>
-              <a:buChar char="q"/>
-            </a:pPr>
-            <a:r>
-              <a:rPr lang="en-US" dirty="0">
-                <a:solidFill>
-                  <a:schemeClr val="tx1">
-                    <a:lumMod val="65000"/>
-                    <a:lumOff val="35000"/>
-                  </a:schemeClr>
-                </a:solidFill>
-              </a:rPr>
-              <a:t>Pig: Hadoop processing with scripting</a:t>
-            </a:r>
-          </a:p>
-          <a:p>
-            <a:pPr>
-              <a:buSzPct val="50000"/>
-              <a:buFont typeface="Wingdings" panose="05000000000000000000" pitchFamily="2" charset="2"/>
-              <a:buChar char="q"/>
-            </a:pPr>
-            <a:r>
-              <a:rPr lang="en-US" dirty="0">
-                <a:solidFill>
-                  <a:schemeClr val="tx1">
-                    <a:lumMod val="65000"/>
-                    <a:lumOff val="35000"/>
-                  </a:schemeClr>
-                </a:solidFill>
-              </a:rPr>
-              <a:t>HBase: Database model built on top of Hadoop</a:t>
-            </a:r>
-          </a:p>
-          <a:p>
-            <a:pPr marL="342900" lvl="1" indent="-342900">
-              <a:spcBef>
-                <a:spcPts val="1000"/>
-              </a:spcBef>
-              <a:buSzPct val="50000"/>
-              <a:buFont typeface="Wingdings" panose="05000000000000000000" pitchFamily="2" charset="2"/>
-              <a:buChar char="q"/>
-            </a:pPr>
-            <a:r>
-              <a:rPr lang="en-US" sz="2400" dirty="0">
-                <a:solidFill>
-                  <a:schemeClr val="tx1">
-                    <a:lumMod val="65000"/>
-                    <a:lumOff val="35000"/>
-                  </a:schemeClr>
-                </a:solidFill>
-              </a:rPr>
-              <a:t>Sqoop: For importing and exporting data from RDBMS to HDFS and </a:t>
-            </a:r>
-            <a:r>
-              <a:rPr lang="en-US" sz="2400" dirty="0" smtClean="0">
-                <a:solidFill>
-                  <a:schemeClr val="tx1">
-                    <a:lumMod val="65000"/>
-                    <a:lumOff val="35000"/>
-                  </a:schemeClr>
-                </a:solidFill>
-              </a:rPr>
-              <a:t>vice-versa</a:t>
-            </a:r>
-            <a:r>
-              <a:rPr lang="en-US" sz="2400" dirty="0">
-                <a:solidFill>
-                  <a:schemeClr val="tx1">
-                    <a:lumMod val="65000"/>
-                    <a:lumOff val="35000"/>
-                  </a:schemeClr>
-                </a:solidFill>
-              </a:rPr>
-              <a:t>. </a:t>
-            </a:r>
-          </a:p>
-          <a:p>
-            <a:pPr>
-              <a:buSzPct val="50000"/>
-              <a:buFont typeface="Wingdings" panose="05000000000000000000" pitchFamily="2" charset="2"/>
-              <a:buChar char="q"/>
-            </a:pPr>
-            <a:r>
-              <a:rPr lang="en-US" dirty="0">
-                <a:solidFill>
-                  <a:schemeClr val="tx1">
-                    <a:lumMod val="65000"/>
-                    <a:lumOff val="35000"/>
-                  </a:schemeClr>
-                </a:solidFill>
-              </a:rPr>
-              <a:t>Flume: Designed for large scale data movement</a:t>
-            </a:r>
-          </a:p>
-          <a:p>
-            <a:pPr>
-              <a:buSzPct val="50000"/>
-              <a:buFont typeface="Wingdings" panose="05000000000000000000" pitchFamily="2" charset="2"/>
-              <a:buChar char="q"/>
-            </a:pPr>
-            <a:r>
-              <a:rPr lang="en-US" dirty="0">
-                <a:solidFill>
-                  <a:schemeClr val="tx1">
-                    <a:lumMod val="65000"/>
-                    <a:lumOff val="35000"/>
-                  </a:schemeClr>
-                </a:solidFill>
-              </a:rPr>
-              <a:t>Oozie: Scheduler system to run and manage Hadoop jobs.</a:t>
-            </a:r>
-          </a:p>
-          <a:p>
-            <a:pPr>
-              <a:buSzPct val="50000"/>
-              <a:buFont typeface="Wingdings" panose="05000000000000000000" pitchFamily="2" charset="2"/>
-              <a:buChar char="q"/>
-            </a:pPr>
-            <a:r>
-              <a:rPr lang="en-US" dirty="0">
-                <a:solidFill>
-                  <a:schemeClr val="tx1">
-                    <a:lumMod val="65000"/>
-                    <a:lumOff val="35000"/>
-                  </a:schemeClr>
-                </a:solidFill>
-              </a:rPr>
-              <a:t>Zookeeper: Co-ordinate and manage service in a distributed environment.</a:t>
-            </a:r>
-          </a:p>
-        </p:txBody>
-      </p:sp>
-    </p:spTree>
-    <p:extLst>
-      <p:ext uri="{BB962C8B-B14F-4D97-AF65-F5344CB8AC3E}">
-        <p14:creationId xmlns:p14="http://schemas.microsoft.com/office/powerpoint/2010/main" val="110348023"/>
-      </p:ext>
-    </p:extLst>
-  </p:cSld>
-  <p:clrMapOvr>
-    <a:masterClrMapping/>
-  </p:clrMapOvr>
-</p:sld>
-</file>
-
-<file path=ppt/slides/slide23.xml><?xml version="1.0" encoding="utf-8"?>
-<p:sld xmlns:a="http://schemas.openxmlformats.org/drawingml/2006/main" xmlns:r="http://schemas.openxmlformats.org/officeDocument/2006/relationships" xmlns:p="http://schemas.openxmlformats.org/presentationml/2006/main">
-  <p:cSld>
-    <p:spTree>
-      <p:nvGrpSpPr>
-        <p:cNvPr id="1" name=""/>
-        <p:cNvGrpSpPr/>
-        <p:nvPr/>
-      </p:nvGrpSpPr>
-      <p:grpSpPr>
-        <a:xfrm>
-          <a:off x="0" y="0"/>
-          <a:ext cx="0" cy="0"/>
-          <a:chOff x="0" y="0"/>
-          <a:chExt cx="0" cy="0"/>
-        </a:xfrm>
-      </p:grpSpPr>
-      <p:sp>
-        <p:nvSpPr>
-          <p:cNvPr id="2" name="Title 1"/>
-          <p:cNvSpPr>
-            <a:spLocks noGrp="1"/>
-          </p:cNvSpPr>
-          <p:nvPr>
-            <p:ph type="title"/>
-          </p:nvPr>
-        </p:nvSpPr>
-        <p:spPr/>
-        <p:txBody>
-          <a:bodyPr>
-            <a:normAutofit/>
-          </a:bodyPr>
-          <a:lstStyle/>
-          <a:p>
-            <a:r>
-              <a:rPr lang="en-US" altLang="en-US" sz="3200" dirty="0">
-                <a:solidFill>
-                  <a:srgbClr val="514843"/>
-                </a:solidFill>
-                <a:latin typeface="Plantagenet Cherokee"/>
-              </a:rPr>
-              <a:t>Description of project (H1B – Case Study)</a:t>
-            </a:r>
-            <a:endParaRPr lang="en-IN" sz="3200" dirty="0"/>
-          </a:p>
-        </p:txBody>
-      </p:sp>
-      <p:sp>
-        <p:nvSpPr>
-          <p:cNvPr id="3" name="Content Placeholder 2"/>
-          <p:cNvSpPr>
-            <a:spLocks noGrp="1"/>
-          </p:cNvSpPr>
-          <p:nvPr>
-            <p:ph idx="1"/>
-          </p:nvPr>
-        </p:nvSpPr>
-        <p:spPr>
-          <a:xfrm>
-            <a:off x="1097280" y="2106991"/>
-            <a:ext cx="10058400" cy="4023360"/>
-          </a:xfrm>
-        </p:spPr>
-        <p:txBody>
-          <a:bodyPr/>
-          <a:lstStyle/>
-          <a:p>
-            <a:pPr>
-              <a:buSzPct val="50000"/>
-              <a:buFont typeface="Wingdings" panose="05000000000000000000" pitchFamily="2" charset="2"/>
-              <a:buChar char="Ø"/>
-            </a:pPr>
-            <a:r>
-              <a:rPr lang="en-US" dirty="0"/>
-              <a:t>The H1B is an employment-based, non-immigrant visa category for temporary foreign workers in the United States</a:t>
-            </a:r>
-            <a:r>
-              <a:rPr lang="en-US" dirty="0" smtClean="0"/>
-              <a:t>.</a:t>
-            </a:r>
-          </a:p>
-          <a:p>
-            <a:pPr>
-              <a:buSzPct val="50000"/>
-              <a:buFont typeface="Wingdings" panose="05000000000000000000" pitchFamily="2" charset="2"/>
-              <a:buChar char="Ø"/>
-            </a:pPr>
-            <a:r>
-              <a:rPr lang="en-US" dirty="0"/>
-              <a:t>For a foreign national to apply for H1B visa, an US employer must offer a job and petition for H1B </a:t>
-            </a:r>
-            <a:r>
-              <a:rPr lang="en-US" dirty="0" smtClean="0"/>
-              <a:t>visa </a:t>
-            </a:r>
-            <a:r>
-              <a:rPr lang="en-US" dirty="0"/>
-              <a:t>with the US immigration department</a:t>
-            </a:r>
-            <a:r>
-              <a:rPr lang="en-US" dirty="0" smtClean="0"/>
-              <a:t>.</a:t>
-            </a:r>
-          </a:p>
-          <a:p>
-            <a:pPr>
-              <a:buSzPct val="50000"/>
-              <a:buFont typeface="Wingdings" panose="05000000000000000000" pitchFamily="2" charset="2"/>
-              <a:buChar char="Ø"/>
-            </a:pPr>
-            <a:r>
-              <a:rPr lang="en-US" dirty="0"/>
-              <a:t>This is the most common visa status applied for and held by international students once they complete college/ higher education (Masters, Ph.D.) and work in a full-time position</a:t>
-            </a:r>
-            <a:r>
-              <a:rPr lang="en-US" dirty="0" smtClean="0"/>
-              <a:t>.</a:t>
-            </a:r>
-          </a:p>
-          <a:p>
-            <a:pPr>
-              <a:buSzPct val="50000"/>
-              <a:buFont typeface="Wingdings" panose="05000000000000000000" pitchFamily="2" charset="2"/>
-              <a:buChar char="Ø"/>
-            </a:pPr>
-            <a:r>
-              <a:rPr lang="en-US" dirty="0"/>
-              <a:t>We will be performing analysis on the H1B visa applicants between the years </a:t>
-            </a:r>
-            <a:r>
-              <a:rPr lang="en-US" dirty="0" smtClean="0"/>
-              <a:t>2011-2016</a:t>
-            </a:r>
-          </a:p>
-          <a:p>
-            <a:pPr>
-              <a:buSzPct val="50000"/>
-              <a:buFont typeface="Wingdings" panose="05000000000000000000" pitchFamily="2" charset="2"/>
-              <a:buChar char="Ø"/>
-            </a:pPr>
-            <a:r>
-              <a:rPr lang="en-US" dirty="0"/>
-              <a:t>The dataset has nearly 3 million of records</a:t>
-            </a:r>
-            <a:r>
-              <a:rPr lang="en-US" dirty="0" smtClean="0"/>
-              <a:t>.</a:t>
-            </a:r>
-          </a:p>
-          <a:p>
-            <a:pPr>
-              <a:buSzPct val="50000"/>
-              <a:buFont typeface="Wingdings" panose="05000000000000000000" pitchFamily="2" charset="2"/>
-              <a:buChar char="Ø"/>
-            </a:pPr>
-            <a:r>
-              <a:rPr lang="en-US" dirty="0"/>
-              <a:t>The dataset is unstructured form.</a:t>
-            </a:r>
-            <a:endParaRPr lang="en-IN" dirty="0"/>
-          </a:p>
-        </p:txBody>
-      </p:sp>
-    </p:spTree>
-    <p:extLst>
-      <p:ext uri="{BB962C8B-B14F-4D97-AF65-F5344CB8AC3E}">
-        <p14:creationId xmlns:p14="http://schemas.microsoft.com/office/powerpoint/2010/main" val="2462715942"/>
-      </p:ext>
-    </p:extLst>
-  </p:cSld>
-  <p:clrMapOvr>
-    <a:masterClrMapping/>
-  </p:clrMapOvr>
-</p:sld>
-</file>
-
 <file path=ppt/slides/slide24.xml><?xml version="1.0" encoding="utf-8"?>
 <p:sld xmlns:a="http://schemas.openxmlformats.org/drawingml/2006/main" xmlns:r="http://schemas.openxmlformats.org/officeDocument/2006/relationships" xmlns:p="http://schemas.openxmlformats.org/presentationml/2006/main">
   <p:cSld>
@@ -10118,13 +9615,21 @@
         </p:nvSpPr>
         <p:spPr/>
         <p:txBody>
-          <a:bodyPr/>
+          <a:bodyPr>
+            <a:normAutofit/>
+          </a:bodyPr>
           <a:lstStyle/>
           <a:p>
             <a:r>
-              <a:rPr lang="en-IN" dirty="0"/>
-              <a:t>CONCLUSIONS</a:t>
-            </a:r>
+              <a:rPr lang="en-US" altLang="en-US" sz="3200" dirty="0">
+                <a:solidFill>
+                  <a:srgbClr val="514843"/>
+                </a:solidFill>
+                <a:latin typeface="Plantagenet Cherokee"/>
+              </a:rPr>
+              <a:t>Description of project (H1B – Case Study)</a:t>
+            </a:r>
+            <a:endParaRPr lang="en-IN" sz="3200" dirty="0"/>
           </a:p>
         </p:txBody>
       </p:sp>
@@ -10140,7 +9645,7 @@
         </p:nvSpPr>
         <p:spPr>
           <a:xfrm>
-            <a:off x="1097280" y="2121946"/>
+            <a:off x="1097280" y="2106991"/>
             <a:ext cx="10058400" cy="4023360"/>
           </a:xfrm>
         </p:spPr>
@@ -10148,42 +9653,160 @@
           <a:bodyPr/>
           <a:lstStyle/>
           <a:p>
-            <a:r>
-              <a:rPr lang="en-IN" dirty="0"/>
-              <a:t>Total number of application increases over year.</a:t>
-            </a:r>
-          </a:p>
-          <a:p>
+            <a:pPr>
+              <a:buSzPct val="50000"/>
+              <a:buFont typeface="Wingdings" panose="05000000000000000000" pitchFamily="2" charset="2"/>
+              <a:buChar char="Ø"/>
+            </a:pPr>
+            <a:r>
+              <a:rPr lang="en-US" dirty="0"/>
+              <a:t>The H1B is an employment-based, non-immigrant visa category for temporary foreign workers in the United States</a:t>
+            </a:r>
+            <a:r>
+              <a:rPr lang="en-US" dirty="0" smtClean="0"/>
+              <a:t>.</a:t>
+            </a:r>
+          </a:p>
+          <a:p>
+            <a:pPr>
+              <a:buSzPct val="50000"/>
+              <a:buFont typeface="Wingdings" panose="05000000000000000000" pitchFamily="2" charset="2"/>
+              <a:buChar char="Ø"/>
+            </a:pPr>
+            <a:r>
+              <a:rPr lang="en-US" dirty="0"/>
+              <a:t>For a foreign national to apply for H1B visa, an US employer must offer a job and petition for H1B </a:t>
+            </a:r>
+            <a:r>
+              <a:rPr lang="en-US" dirty="0" smtClean="0"/>
+              <a:t>visa </a:t>
+            </a:r>
+            <a:r>
+              <a:rPr lang="en-US" dirty="0"/>
+              <a:t>with the US immigration department</a:t>
+            </a:r>
+            <a:r>
+              <a:rPr lang="en-US" dirty="0" smtClean="0"/>
+              <a:t>.</a:t>
+            </a:r>
+          </a:p>
+          <a:p>
+            <a:pPr>
+              <a:buSzPct val="50000"/>
+              <a:buFont typeface="Wingdings" panose="05000000000000000000" pitchFamily="2" charset="2"/>
+              <a:buChar char="Ø"/>
+            </a:pPr>
+            <a:r>
+              <a:rPr lang="en-US" dirty="0" smtClean="0"/>
+              <a:t>We </a:t>
+            </a:r>
+            <a:r>
+              <a:rPr lang="en-US" dirty="0"/>
+              <a:t>will be performing analysis on the H1B visa applicants between the years </a:t>
+            </a:r>
+            <a:r>
+              <a:rPr lang="en-US" dirty="0" smtClean="0"/>
+              <a:t>2011-2016</a:t>
+            </a:r>
+          </a:p>
+          <a:p>
+            <a:pPr>
+              <a:buSzPct val="50000"/>
+              <a:buFont typeface="Wingdings" panose="05000000000000000000" pitchFamily="2" charset="2"/>
+              <a:buChar char="Ø"/>
+            </a:pPr>
+            <a:r>
+              <a:rPr lang="en-US" dirty="0"/>
+              <a:t>The dataset has nearly 3 million of records</a:t>
+            </a:r>
+            <a:r>
+              <a:rPr lang="en-US" dirty="0" smtClean="0"/>
+              <a:t>.</a:t>
+            </a:r>
+          </a:p>
+          <a:p>
+            <a:pPr>
+              <a:buSzPct val="50000"/>
+              <a:buFont typeface="Wingdings" panose="05000000000000000000" pitchFamily="2" charset="2"/>
+              <a:buChar char="Ø"/>
+            </a:pPr>
+            <a:r>
+              <a:rPr lang="en-US" dirty="0"/>
+              <a:t>The data is in </a:t>
+            </a:r>
+            <a:r>
+              <a:rPr lang="en-US" dirty="0" smtClean="0"/>
+              <a:t>.csv </a:t>
+            </a:r>
+            <a:r>
+              <a:rPr lang="en-US" dirty="0"/>
+              <a:t>format and off </a:t>
+            </a:r>
+            <a:r>
+              <a:rPr lang="en-US" dirty="0" smtClean="0"/>
+              <a:t>492MB.</a:t>
+            </a:r>
+            <a:endParaRPr lang="en-US" dirty="0" smtClean="0"/>
+          </a:p>
+          <a:p>
+            <a:pPr>
+              <a:buSzPct val="50000"/>
+              <a:buFont typeface="Wingdings" panose="05000000000000000000" pitchFamily="2" charset="2"/>
+              <a:buChar char="Ø"/>
+            </a:pPr>
+            <a:r>
+              <a:rPr lang="en-US" dirty="0"/>
+              <a:t>The dataset is unstructured form.</a:t>
+            </a:r>
             <a:endParaRPr lang="en-IN" dirty="0"/>
           </a:p>
         </p:txBody>
       </p:sp>
-      <p:graphicFrame>
-        <p:nvGraphicFramePr>
-          <p:cNvPr id="4" name="Chart 3"/>
-          <p:cNvGraphicFramePr/>
-          <p:nvPr>
-            <p:extLst>
-              <p:ext uri="{D42A27DB-BD31-4B8C-83A1-F6EECF244321}">
-                <p14:modId xmlns:p14="http://schemas.microsoft.com/office/powerpoint/2010/main" val="3817820853"/>
-              </p:ext>
-            </p:extLst>
-          </p:nvPr>
-        </p:nvGraphicFramePr>
-        <p:xfrm>
-          <a:off x="3043518" y="2554941"/>
-          <a:ext cx="5925670" cy="3697941"/>
-        </p:xfrm>
-        <a:graphic>
-          <a:graphicData uri="http://schemas.openxmlformats.org/drawingml/2006/chart">
-            <c:chart xmlns:c="http://schemas.openxmlformats.org/drawingml/2006/chart" xmlns:r="http://schemas.openxmlformats.org/officeDocument/2006/relationships" r:id="rId2"/>
-          </a:graphicData>
-        </a:graphic>
-      </p:graphicFrame>
+      <p:pic>
+        <p:nvPicPr>
+          <p:cNvPr id="7170" name="Picture 2" descr="Image result for h1b"/>
+          <p:cNvPicPr>
+            <a:picLocks noChangeAspect="1" noChangeArrowheads="1"/>
+          </p:cNvPicPr>
+          <p:nvPr/>
+        </p:nvPicPr>
+        <p:blipFill>
+          <a:blip r:embed="rId2">
+            <a:extLst>
+              <a:ext uri="{28A0092B-C50C-407E-A947-70E740481C1C}">
+                <a14:useLocalDpi xmlns:a14="http://schemas.microsoft.com/office/drawing/2010/main" val="0"/>
+              </a:ext>
+            </a:extLst>
+          </a:blip>
+          <a:srcRect/>
+          <a:stretch>
+            <a:fillRect/>
+          </a:stretch>
+        </p:blipFill>
+        <p:spPr bwMode="auto">
+          <a:xfrm>
+            <a:off x="0" y="0"/>
+            <a:ext cx="1937982" cy="968991"/>
+          </a:xfrm>
+          <a:prstGeom prst="rect">
+            <a:avLst/>
+          </a:prstGeom>
+          <a:noFill/>
+          <a:extLst>
+            <a:ext uri="{909E8E84-426E-40DD-AFC4-6F175D3DCCD1}">
+              <a14:hiddenFill xmlns:a14="http://schemas.microsoft.com/office/drawing/2010/main">
+                <a:solidFill>
+                  <a:srgbClr val="FFFFFF"/>
+                </a:solidFill>
+              </a14:hiddenFill>
+            </a:ext>
+          </a:extLst>
+        </p:spPr>
+      </p:pic>
     </p:spTree>
     <p:extLst>
       <p:ext uri="{BB962C8B-B14F-4D97-AF65-F5344CB8AC3E}">
-        <p14:creationId xmlns:p14="http://schemas.microsoft.com/office/powerpoint/2010/main" val="3048879484"/>
+        <p14:creationId xmlns:p14="http://schemas.microsoft.com/office/powerpoint/2010/main" val="2462715942"/>
       </p:ext>
     </p:extLst>
   </p:cSld>
@@ -10226,102 +9849,164 @@
           <a:lstStyle/>
           <a:p>
             <a:r>
-              <a:rPr lang="en-IN" dirty="0"/>
-              <a:t>CONCLUSIONS</a:t>
+              <a:rPr lang="en-IN" dirty="0" smtClean="0"/>
+              <a:t>Implementation</a:t>
             </a:r>
             <a:endParaRPr lang="en-IN" dirty="0"/>
           </a:p>
         </p:txBody>
       </p:sp>
-      <p:graphicFrame>
-        <p:nvGraphicFramePr>
-          <p:cNvPr id="4" name="Content Placeholder 3"/>
-          <p:cNvGraphicFramePr>
-            <a:graphicFrameLocks noGrp="1"/>
-          </p:cNvGraphicFramePr>
+      <p:sp>
+        <p:nvSpPr>
+          <p:cNvPr id="3" name="Content Placeholder 2"/>
+          <p:cNvSpPr>
+            <a:spLocks noGrp="1"/>
+          </p:cNvSpPr>
           <p:nvPr>
             <p:ph idx="1"/>
-            <p:extLst>
-              <p:ext uri="{D42A27DB-BD31-4B8C-83A1-F6EECF244321}">
-                <p14:modId xmlns:p14="http://schemas.microsoft.com/office/powerpoint/2010/main" val="3007043052"/>
-              </p:ext>
-            </p:extLst>
-          </p:nvPr>
-        </p:nvGraphicFramePr>
-        <p:xfrm>
-          <a:off x="2979551" y="2622176"/>
-          <a:ext cx="6218237" cy="3536577"/>
-        </p:xfrm>
-        <a:graphic>
-          <a:graphicData uri="http://schemas.openxmlformats.org/drawingml/2006/chart">
-            <c:chart xmlns:c="http://schemas.openxmlformats.org/drawingml/2006/chart" xmlns:r="http://schemas.openxmlformats.org/officeDocument/2006/relationships" r:id="rId2"/>
-          </a:graphicData>
-        </a:graphic>
-      </p:graphicFrame>
-      <p:sp>
-        <p:nvSpPr>
-          <p:cNvPr id="5" name="Rectangle 4"/>
-          <p:cNvSpPr/>
-          <p:nvPr/>
+          </p:nvPr>
         </p:nvSpPr>
         <p:spPr>
           <a:xfrm>
-            <a:off x="1259541" y="1948705"/>
-            <a:ext cx="9896139" cy="566950"/>
+            <a:off x="1097280" y="2106991"/>
+            <a:ext cx="10058400" cy="4023360"/>
+          </a:xfrm>
+        </p:spPr>
+        <p:txBody>
+          <a:bodyPr/>
+          <a:lstStyle/>
+          <a:p>
+            <a:r>
+              <a:rPr lang="en-IN" b="1" dirty="0" smtClean="0"/>
+              <a:t>Total analysis to be performed were 11</a:t>
+            </a:r>
+          </a:p>
+          <a:p>
+            <a:r>
+              <a:rPr lang="en-IN" dirty="0" smtClean="0"/>
+              <a:t>Pre-processing of data (cleansing)  is done through Hive</a:t>
+            </a:r>
+          </a:p>
+          <a:p>
+            <a:r>
+              <a:rPr lang="en-IN" dirty="0" err="1" smtClean="0"/>
+              <a:t>MapReduce</a:t>
+            </a:r>
+            <a:r>
+              <a:rPr lang="en-IN" dirty="0" smtClean="0"/>
+              <a:t> (4)</a:t>
+            </a:r>
+          </a:p>
+          <a:p>
+            <a:r>
+              <a:rPr lang="en-IN" dirty="0" smtClean="0"/>
+              <a:t>Pig (3)</a:t>
+            </a:r>
+          </a:p>
+          <a:p>
+            <a:r>
+              <a:rPr lang="en-IN" dirty="0" smtClean="0"/>
+              <a:t>Hive (3)</a:t>
+            </a:r>
+          </a:p>
+          <a:p>
+            <a:r>
+              <a:rPr lang="en-IN" dirty="0" err="1" smtClean="0"/>
+              <a:t>Sqoop</a:t>
+            </a:r>
+            <a:r>
+              <a:rPr lang="en-IN" dirty="0" smtClean="0"/>
+              <a:t> (1)</a:t>
+            </a:r>
+          </a:p>
+        </p:txBody>
+      </p:sp>
+      <p:pic>
+        <p:nvPicPr>
+          <p:cNvPr id="11266" name="Picture 2" descr="Image result for implementation"/>
+          <p:cNvPicPr>
+            <a:picLocks noChangeAspect="1" noChangeArrowheads="1"/>
+          </p:cNvPicPr>
+          <p:nvPr/>
+        </p:nvPicPr>
+        <p:blipFill>
+          <a:blip r:embed="rId2" cstate="print">
+            <a:extLst>
+              <a:ext uri="{28A0092B-C50C-407E-A947-70E740481C1C}">
+                <a14:useLocalDpi xmlns:a14="http://schemas.microsoft.com/office/drawing/2010/main" val="0"/>
+              </a:ext>
+            </a:extLst>
+          </a:blip>
+          <a:srcRect/>
+          <a:stretch>
+            <a:fillRect/>
+          </a:stretch>
+        </p:blipFill>
+        <p:spPr bwMode="auto">
+          <a:xfrm>
+            <a:off x="8330584" y="281125"/>
+            <a:ext cx="2825096" cy="1456235"/>
           </a:xfrm>
           <a:prstGeom prst="rect">
             <a:avLst/>
           </a:prstGeom>
+          <a:noFill/>
+          <a:extLst>
+            <a:ext uri="{909E8E84-426E-40DD-AFC4-6F175D3DCCD1}">
+              <a14:hiddenFill xmlns:a14="http://schemas.microsoft.com/office/drawing/2010/main">
+                <a:solidFill>
+                  <a:srgbClr val="FFFFFF"/>
+                </a:solidFill>
+              </a14:hiddenFill>
+            </a:ext>
+          </a:extLst>
         </p:spPr>
-        <p:txBody>
-          <a:bodyPr wrap="square">
-            <a:spAutoFit/>
-          </a:bodyPr>
-          <a:lstStyle/>
-          <a:p>
-            <a:pPr marL="342900" lvl="0" indent="-342900">
-              <a:lnSpc>
-                <a:spcPct val="200000"/>
-              </a:lnSpc>
-              <a:spcAft>
-                <a:spcPts val="0"/>
-              </a:spcAft>
-              <a:buFont typeface="Symbol" panose="05050102010706020507" pitchFamily="18" charset="2"/>
-              <a:buChar char=""/>
-            </a:pPr>
-            <a:r>
-              <a:rPr lang="en-IN" dirty="0">
+      </p:pic>
+      <p:pic>
+        <p:nvPicPr>
+          <p:cNvPr id="11268" name="Picture 4" descr="Image result for implementation"/>
+          <p:cNvPicPr>
+            <a:picLocks noChangeAspect="1" noChangeArrowheads="1"/>
+          </p:cNvPicPr>
+          <p:nvPr/>
+        </p:nvPicPr>
+        <p:blipFill>
+          <a:blip r:embed="rId3">
+            <a:extLst>
+              <a:ext uri="{28A0092B-C50C-407E-A947-70E740481C1C}">
+                <a14:useLocalDpi xmlns:a14="http://schemas.microsoft.com/office/drawing/2010/main" val="0"/>
+              </a:ext>
+            </a:extLst>
+          </a:blip>
+          <a:srcRect/>
+          <a:stretch>
+            <a:fillRect/>
+          </a:stretch>
+        </p:blipFill>
+        <p:spPr bwMode="auto">
+          <a:xfrm>
+            <a:off x="8531210" y="4107976"/>
+            <a:ext cx="3278479" cy="2199313"/>
+          </a:xfrm>
+          <a:prstGeom prst="rect">
+            <a:avLst/>
+          </a:prstGeom>
+          <a:noFill/>
+          <a:extLst>
+            <a:ext uri="{909E8E84-426E-40DD-AFC4-6F175D3DCCD1}">
+              <a14:hiddenFill xmlns:a14="http://schemas.microsoft.com/office/drawing/2010/main">
                 <a:solidFill>
-                  <a:schemeClr val="tx1">
-                    <a:lumMod val="75000"/>
-                    <a:lumOff val="25000"/>
-                  </a:schemeClr>
+                  <a:srgbClr val="FFFFFF"/>
                 </a:solidFill>
-                <a:latin typeface="Arial" panose="020B0604020202020204" pitchFamily="34" charset="0"/>
-                <a:ea typeface="Calibri" panose="020F0502020204030204" pitchFamily="34" charset="0"/>
-                <a:cs typeface="Mangal" panose="02040503050203030202" pitchFamily="18" charset="0"/>
-              </a:rPr>
-              <a:t>Certified visa increases over year and denied percentage decreases.</a:t>
-            </a:r>
-            <a:endParaRPr lang="en-IN" sz="1600" dirty="0">
-              <a:solidFill>
-                <a:schemeClr val="tx1">
-                  <a:lumMod val="75000"/>
-                  <a:lumOff val="25000"/>
-                </a:schemeClr>
-              </a:solidFill>
-              <a:effectLst/>
-              <a:latin typeface="Calibri" panose="020F0502020204030204" pitchFamily="34" charset="0"/>
-              <a:ea typeface="Calibri" panose="020F0502020204030204" pitchFamily="34" charset="0"/>
-              <a:cs typeface="Mangal" panose="02040503050203030202" pitchFamily="18" charset="0"/>
-            </a:endParaRPr>
-          </a:p>
-        </p:txBody>
-      </p:sp>
+              </a14:hiddenFill>
+            </a:ext>
+          </a:extLst>
+        </p:spPr>
+      </p:pic>
     </p:spTree>
     <p:extLst>
       <p:ext uri="{BB962C8B-B14F-4D97-AF65-F5344CB8AC3E}">
-        <p14:creationId xmlns:p14="http://schemas.microsoft.com/office/powerpoint/2010/main" val="970510585"/>
+        <p14:creationId xmlns:p14="http://schemas.microsoft.com/office/powerpoint/2010/main" val="2885823953"/>
       </p:ext>
     </p:extLst>
   </p:cSld>
@@ -10380,11 +10065,339 @@
             <p:ph idx="1"/>
           </p:nvPr>
         </p:nvSpPr>
+        <p:spPr>
+          <a:xfrm>
+            <a:off x="1097280" y="2121946"/>
+            <a:ext cx="10058400" cy="4023360"/>
+          </a:xfrm>
+        </p:spPr>
+        <p:txBody>
+          <a:bodyPr/>
+          <a:lstStyle/>
+          <a:p>
+            <a:r>
+              <a:rPr lang="en-IN" dirty="0"/>
+              <a:t>Total number of application increases over year.</a:t>
+            </a:r>
+          </a:p>
+          <a:p>
+            <a:endParaRPr lang="en-IN" dirty="0"/>
+          </a:p>
+        </p:txBody>
+      </p:sp>
+      <p:graphicFrame>
+        <p:nvGraphicFramePr>
+          <p:cNvPr id="4" name="Chart 3"/>
+          <p:cNvGraphicFramePr/>
+          <p:nvPr>
+            <p:extLst>
+              <p:ext uri="{D42A27DB-BD31-4B8C-83A1-F6EECF244321}">
+                <p14:modId xmlns:p14="http://schemas.microsoft.com/office/powerpoint/2010/main" val="3817820853"/>
+              </p:ext>
+            </p:extLst>
+          </p:nvPr>
+        </p:nvGraphicFramePr>
+        <p:xfrm>
+          <a:off x="3043518" y="2554941"/>
+          <a:ext cx="5925670" cy="3697941"/>
+        </p:xfrm>
+        <a:graphic>
+          <a:graphicData uri="http://schemas.openxmlformats.org/drawingml/2006/chart">
+            <c:chart xmlns:c="http://schemas.openxmlformats.org/drawingml/2006/chart" xmlns:r="http://schemas.openxmlformats.org/officeDocument/2006/relationships" r:id="rId2"/>
+          </a:graphicData>
+        </a:graphic>
+      </p:graphicFrame>
+      <p:pic>
+        <p:nvPicPr>
+          <p:cNvPr id="8194" name="Picture 2" descr="Image result for h1b"/>
+          <p:cNvPicPr>
+            <a:picLocks noChangeAspect="1" noChangeArrowheads="1"/>
+          </p:cNvPicPr>
+          <p:nvPr/>
+        </p:nvPicPr>
+        <p:blipFill>
+          <a:blip r:embed="rId3" cstate="print">
+            <a:extLst>
+              <a:ext uri="{28A0092B-C50C-407E-A947-70E740481C1C}">
+                <a14:useLocalDpi xmlns:a14="http://schemas.microsoft.com/office/drawing/2010/main" val="0"/>
+              </a:ext>
+            </a:extLst>
+          </a:blip>
+          <a:srcRect/>
+          <a:stretch>
+            <a:fillRect/>
+          </a:stretch>
+        </p:blipFill>
+        <p:spPr bwMode="auto">
+          <a:xfrm>
+            <a:off x="1360" y="0"/>
+            <a:ext cx="1473958" cy="736979"/>
+          </a:xfrm>
+          <a:prstGeom prst="rect">
+            <a:avLst/>
+          </a:prstGeom>
+          <a:noFill/>
+          <a:extLst>
+            <a:ext uri="{909E8E84-426E-40DD-AFC4-6F175D3DCCD1}">
+              <a14:hiddenFill xmlns:a14="http://schemas.microsoft.com/office/drawing/2010/main">
+                <a:solidFill>
+                  <a:srgbClr val="FFFFFF"/>
+                </a:solidFill>
+              </a14:hiddenFill>
+            </a:ext>
+          </a:extLst>
+        </p:spPr>
+      </p:pic>
+    </p:spTree>
+    <p:extLst>
+      <p:ext uri="{BB962C8B-B14F-4D97-AF65-F5344CB8AC3E}">
+        <p14:creationId xmlns:p14="http://schemas.microsoft.com/office/powerpoint/2010/main" val="3048879484"/>
+      </p:ext>
+    </p:extLst>
+  </p:cSld>
+  <p:clrMapOvr>
+    <a:masterClrMapping/>
+  </p:clrMapOvr>
+</p:sld>
+</file>
+
+<file path=ppt/slides/slide27.xml><?xml version="1.0" encoding="utf-8"?>
+<p:sld xmlns:a="http://schemas.openxmlformats.org/drawingml/2006/main" xmlns:r="http://schemas.openxmlformats.org/officeDocument/2006/relationships" xmlns:p="http://schemas.openxmlformats.org/presentationml/2006/main">
+  <p:cSld>
+    <p:spTree>
+      <p:nvGrpSpPr>
+        <p:cNvPr id="1" name=""/>
+        <p:cNvGrpSpPr/>
+        <p:nvPr/>
+      </p:nvGrpSpPr>
+      <p:grpSpPr>
+        <a:xfrm>
+          <a:off x="0" y="0"/>
+          <a:ext cx="0" cy="0"/>
+          <a:chOff x="0" y="0"/>
+          <a:chExt cx="0" cy="0"/>
+        </a:xfrm>
+      </p:grpSpPr>
+      <p:sp>
+        <p:nvSpPr>
+          <p:cNvPr id="2" name="Title 1"/>
+          <p:cNvSpPr>
+            <a:spLocks noGrp="1"/>
+          </p:cNvSpPr>
+          <p:nvPr>
+            <p:ph type="title"/>
+          </p:nvPr>
+        </p:nvSpPr>
         <p:spPr/>
         <p:txBody>
           <a:bodyPr/>
           <a:lstStyle/>
           <a:p>
+            <a:r>
+              <a:rPr lang="en-IN" dirty="0"/>
+              <a:t>CONCLUSIONS</a:t>
+            </a:r>
+          </a:p>
+        </p:txBody>
+      </p:sp>
+      <p:graphicFrame>
+        <p:nvGraphicFramePr>
+          <p:cNvPr id="4" name="Content Placeholder 3"/>
+          <p:cNvGraphicFramePr>
+            <a:graphicFrameLocks noGrp="1"/>
+          </p:cNvGraphicFramePr>
+          <p:nvPr>
+            <p:ph idx="1"/>
+            <p:extLst>
+              <p:ext uri="{D42A27DB-BD31-4B8C-83A1-F6EECF244321}">
+                <p14:modId xmlns:p14="http://schemas.microsoft.com/office/powerpoint/2010/main" val="3007043052"/>
+              </p:ext>
+            </p:extLst>
+          </p:nvPr>
+        </p:nvGraphicFramePr>
+        <p:xfrm>
+          <a:off x="2979551" y="2622176"/>
+          <a:ext cx="6218237" cy="3536577"/>
+        </p:xfrm>
+        <a:graphic>
+          <a:graphicData uri="http://schemas.openxmlformats.org/drawingml/2006/chart">
+            <c:chart xmlns:c="http://schemas.openxmlformats.org/drawingml/2006/chart" xmlns:r="http://schemas.openxmlformats.org/officeDocument/2006/relationships" r:id="rId2"/>
+          </a:graphicData>
+        </a:graphic>
+      </p:graphicFrame>
+      <p:sp>
+        <p:nvSpPr>
+          <p:cNvPr id="5" name="Rectangle 4"/>
+          <p:cNvSpPr/>
+          <p:nvPr/>
+        </p:nvSpPr>
+        <p:spPr>
+          <a:xfrm>
+            <a:off x="1259541" y="1948705"/>
+            <a:ext cx="9896139" cy="566950"/>
+          </a:xfrm>
+          <a:prstGeom prst="rect">
+            <a:avLst/>
+          </a:prstGeom>
+        </p:spPr>
+        <p:txBody>
+          <a:bodyPr wrap="square">
+            <a:spAutoFit/>
+          </a:bodyPr>
+          <a:lstStyle/>
+          <a:p>
+            <a:pPr marL="342900" lvl="0" indent="-342900">
+              <a:lnSpc>
+                <a:spcPct val="200000"/>
+              </a:lnSpc>
+              <a:spcAft>
+                <a:spcPts val="0"/>
+              </a:spcAft>
+              <a:buFont typeface="Symbol" panose="05050102010706020507" pitchFamily="18" charset="2"/>
+              <a:buChar char=""/>
+            </a:pPr>
+            <a:r>
+              <a:rPr lang="en-IN" dirty="0">
+                <a:solidFill>
+                  <a:schemeClr val="tx1">
+                    <a:lumMod val="75000"/>
+                    <a:lumOff val="25000"/>
+                  </a:schemeClr>
+                </a:solidFill>
+                <a:latin typeface="Arial" panose="020B0604020202020204" pitchFamily="34" charset="0"/>
+                <a:ea typeface="Calibri" panose="020F0502020204030204" pitchFamily="34" charset="0"/>
+                <a:cs typeface="Mangal" panose="02040503050203030202" pitchFamily="18" charset="0"/>
+              </a:rPr>
+              <a:t>Certified visa increases over year and denied percentage decreases.</a:t>
+            </a:r>
+            <a:endParaRPr lang="en-IN" sz="1600" dirty="0">
+              <a:solidFill>
+                <a:schemeClr val="tx1">
+                  <a:lumMod val="75000"/>
+                  <a:lumOff val="25000"/>
+                </a:schemeClr>
+              </a:solidFill>
+              <a:effectLst/>
+              <a:latin typeface="Calibri" panose="020F0502020204030204" pitchFamily="34" charset="0"/>
+              <a:ea typeface="Calibri" panose="020F0502020204030204" pitchFamily="34" charset="0"/>
+              <a:cs typeface="Mangal" panose="02040503050203030202" pitchFamily="18" charset="0"/>
+            </a:endParaRPr>
+          </a:p>
+        </p:txBody>
+      </p:sp>
+      <p:pic>
+        <p:nvPicPr>
+          <p:cNvPr id="9218" name="Picture 2" descr="Image result for h1b"/>
+          <p:cNvPicPr>
+            <a:picLocks noChangeAspect="1" noChangeArrowheads="1"/>
+          </p:cNvPicPr>
+          <p:nvPr/>
+        </p:nvPicPr>
+        <p:blipFill>
+          <a:blip r:embed="rId3" cstate="print">
+            <a:extLst>
+              <a:ext uri="{28A0092B-C50C-407E-A947-70E740481C1C}">
+                <a14:useLocalDpi xmlns:a14="http://schemas.microsoft.com/office/drawing/2010/main" val="0"/>
+              </a:ext>
+            </a:extLst>
+          </a:blip>
+          <a:srcRect/>
+          <a:stretch>
+            <a:fillRect/>
+          </a:stretch>
+        </p:blipFill>
+        <p:spPr bwMode="auto">
+          <a:xfrm>
+            <a:off x="0" y="0"/>
+            <a:ext cx="1446662" cy="723331"/>
+          </a:xfrm>
+          <a:prstGeom prst="rect">
+            <a:avLst/>
+          </a:prstGeom>
+          <a:noFill/>
+          <a:extLst>
+            <a:ext uri="{909E8E84-426E-40DD-AFC4-6F175D3DCCD1}">
+              <a14:hiddenFill xmlns:a14="http://schemas.microsoft.com/office/drawing/2010/main">
+                <a:solidFill>
+                  <a:srgbClr val="FFFFFF"/>
+                </a:solidFill>
+              </a14:hiddenFill>
+            </a:ext>
+          </a:extLst>
+        </p:spPr>
+      </p:pic>
+    </p:spTree>
+    <p:extLst>
+      <p:ext uri="{BB962C8B-B14F-4D97-AF65-F5344CB8AC3E}">
+        <p14:creationId xmlns:p14="http://schemas.microsoft.com/office/powerpoint/2010/main" val="970510585"/>
+      </p:ext>
+    </p:extLst>
+  </p:cSld>
+  <p:clrMapOvr>
+    <a:masterClrMapping/>
+  </p:clrMapOvr>
+</p:sld>
+</file>
+
+<file path=ppt/slides/slide28.xml><?xml version="1.0" encoding="utf-8"?>
+<p:sld xmlns:a="http://schemas.openxmlformats.org/drawingml/2006/main" xmlns:r="http://schemas.openxmlformats.org/officeDocument/2006/relationships" xmlns:p="http://schemas.openxmlformats.org/presentationml/2006/main">
+  <p:cSld>
+    <p:spTree>
+      <p:nvGrpSpPr>
+        <p:cNvPr id="1" name=""/>
+        <p:cNvGrpSpPr/>
+        <p:nvPr/>
+      </p:nvGrpSpPr>
+      <p:grpSpPr>
+        <a:xfrm>
+          <a:off x="0" y="0"/>
+          <a:ext cx="0" cy="0"/>
+          <a:chOff x="0" y="0"/>
+          <a:chExt cx="0" cy="0"/>
+        </a:xfrm>
+      </p:grpSpPr>
+      <p:sp>
+        <p:nvSpPr>
+          <p:cNvPr id="2" name="Title 1"/>
+          <p:cNvSpPr>
+            <a:spLocks noGrp="1"/>
+          </p:cNvSpPr>
+          <p:nvPr>
+            <p:ph type="title"/>
+          </p:nvPr>
+        </p:nvSpPr>
+        <p:spPr/>
+        <p:txBody>
+          <a:bodyPr/>
+          <a:lstStyle/>
+          <a:p>
+            <a:r>
+              <a:rPr lang="en-IN" dirty="0"/>
+              <a:t>CONCLUSIONS</a:t>
+            </a:r>
+          </a:p>
+        </p:txBody>
+      </p:sp>
+      <p:sp>
+        <p:nvSpPr>
+          <p:cNvPr id="3" name="Content Placeholder 2"/>
+          <p:cNvSpPr>
+            <a:spLocks noGrp="1"/>
+          </p:cNvSpPr>
+          <p:nvPr>
+            <p:ph idx="1"/>
+          </p:nvPr>
+        </p:nvSpPr>
+        <p:spPr>
+          <a:xfrm>
+            <a:off x="1097280" y="2295677"/>
+            <a:ext cx="10058400" cy="4023360"/>
+          </a:xfrm>
+        </p:spPr>
+        <p:txBody>
+          <a:bodyPr/>
+          <a:lstStyle/>
+          <a:p>
             <a:pPr lvl="0">
               <a:buFont typeface="Wingdings" panose="05000000000000000000" pitchFamily="2" charset="2"/>
               <a:buChar char="Ø"/>
@@ -10460,10 +10473,120 @@
           </a:p>
         </p:txBody>
       </p:sp>
+      <p:pic>
+        <p:nvPicPr>
+          <p:cNvPr id="10242" name="Picture 2" descr="Image result for h1b"/>
+          <p:cNvPicPr>
+            <a:picLocks noChangeAspect="1" noChangeArrowheads="1"/>
+          </p:cNvPicPr>
+          <p:nvPr/>
+        </p:nvPicPr>
+        <p:blipFill>
+          <a:blip r:embed="rId2" cstate="print">
+            <a:extLst>
+              <a:ext uri="{28A0092B-C50C-407E-A947-70E740481C1C}">
+                <a14:useLocalDpi xmlns:a14="http://schemas.microsoft.com/office/drawing/2010/main" val="0"/>
+              </a:ext>
+            </a:extLst>
+          </a:blip>
+          <a:srcRect/>
+          <a:stretch>
+            <a:fillRect/>
+          </a:stretch>
+        </p:blipFill>
+        <p:spPr bwMode="auto">
+          <a:xfrm>
+            <a:off x="0" y="0"/>
+            <a:ext cx="1310186" cy="655093"/>
+          </a:xfrm>
+          <a:prstGeom prst="rect">
+            <a:avLst/>
+          </a:prstGeom>
+          <a:noFill/>
+          <a:extLst>
+            <a:ext uri="{909E8E84-426E-40DD-AFC4-6F175D3DCCD1}">
+              <a14:hiddenFill xmlns:a14="http://schemas.microsoft.com/office/drawing/2010/main">
+                <a:solidFill>
+                  <a:srgbClr val="FFFFFF"/>
+                </a:solidFill>
+              </a14:hiddenFill>
+            </a:ext>
+          </a:extLst>
+        </p:spPr>
+      </p:pic>
     </p:spTree>
     <p:extLst>
       <p:ext uri="{BB962C8B-B14F-4D97-AF65-F5344CB8AC3E}">
         <p14:creationId xmlns:p14="http://schemas.microsoft.com/office/powerpoint/2010/main" val="1494301945"/>
+      </p:ext>
+    </p:extLst>
+  </p:cSld>
+  <p:clrMapOvr>
+    <a:masterClrMapping/>
+  </p:clrMapOvr>
+</p:sld>
+</file>
+
+<file path=ppt/slides/slide29.xml><?xml version="1.0" encoding="utf-8"?>
+<p:sld xmlns:a="http://schemas.openxmlformats.org/drawingml/2006/main" xmlns:r="http://schemas.openxmlformats.org/officeDocument/2006/relationships" xmlns:p="http://schemas.openxmlformats.org/presentationml/2006/main">
+  <p:cSld>
+    <p:spTree>
+      <p:nvGrpSpPr>
+        <p:cNvPr id="1" name=""/>
+        <p:cNvGrpSpPr/>
+        <p:nvPr/>
+      </p:nvGrpSpPr>
+      <p:grpSpPr>
+        <a:xfrm>
+          <a:off x="0" y="0"/>
+          <a:ext cx="0" cy="0"/>
+          <a:chOff x="0" y="0"/>
+          <a:chExt cx="0" cy="0"/>
+        </a:xfrm>
+      </p:grpSpPr>
+      <p:sp>
+        <p:nvSpPr>
+          <p:cNvPr id="2" name="Title 1"/>
+          <p:cNvSpPr>
+            <a:spLocks noGrp="1"/>
+          </p:cNvSpPr>
+          <p:nvPr>
+            <p:ph type="title"/>
+          </p:nvPr>
+        </p:nvSpPr>
+        <p:spPr>
+          <a:xfrm>
+            <a:off x="4372743" y="941696"/>
+            <a:ext cx="2833276" cy="1450757"/>
+          </a:xfrm>
+        </p:spPr>
+        <p:txBody>
+          <a:bodyPr/>
+          <a:lstStyle/>
+          <a:p>
+            <a:r>
+              <a:rPr lang="en-IN" dirty="0"/>
+              <a:t>Thank y</a:t>
+            </a:r>
+            <a:r>
+              <a:rPr lang="en-IN" dirty="0" smtClean="0"/>
+              <a:t>ou</a:t>
+            </a:r>
+            <a:r>
+              <a:rPr lang="en-IN" dirty="0"/>
+              <a:t/>
+            </a:r>
+            <a:br>
+              <a:rPr lang="en-IN" dirty="0"/>
+            </a:br>
+            <a:endParaRPr lang="en-IN" dirty="0"/>
+          </a:p>
+        </p:txBody>
+      </p:sp>
+    </p:spTree>
+    <p:extLst>
+      <p:ext uri="{BB962C8B-B14F-4D97-AF65-F5344CB8AC3E}">
+        <p14:creationId xmlns:p14="http://schemas.microsoft.com/office/powerpoint/2010/main" val="3749479368"/>
       </p:ext>
     </p:extLst>
   </p:cSld>
@@ -10735,7 +10858,12 @@
             <p:ph idx="1"/>
           </p:nvPr>
         </p:nvSpPr>
-        <p:spPr/>
+        <p:spPr>
+          <a:xfrm>
+            <a:off x="1097280" y="2355186"/>
+            <a:ext cx="10058400" cy="4023360"/>
+          </a:xfrm>
+        </p:spPr>
         <p:txBody>
           <a:bodyPr/>
           <a:lstStyle/>
@@ -10766,8 +10894,13 @@
             </a:pPr>
             <a:r>
               <a:rPr lang="en-IN" sz="2400" dirty="0"/>
-              <a:t>Smart decision making. </a:t>
-            </a:r>
+              <a:t>Smart decision </a:t>
+            </a:r>
+            <a:r>
+              <a:rPr lang="en-IN" sz="2400" dirty="0" smtClean="0"/>
+              <a:t>making (faster and better decision making). </a:t>
+            </a:r>
+            <a:endParaRPr lang="en-IN" sz="2400" dirty="0"/>
           </a:p>
           <a:p>
             <a:pPr marL="457200" indent="-457200">
@@ -10804,6 +10937,47 @@
           </a:p>
         </p:txBody>
       </p:sp>
+      <p:pic>
+        <p:nvPicPr>
+          <p:cNvPr id="1026" name="Picture 2" descr="The Importance of Big Data Analytics Graphic"/>
+          <p:cNvPicPr>
+            <a:picLocks noChangeAspect="1" noChangeArrowheads="1"/>
+          </p:cNvPicPr>
+          <p:nvPr/>
+        </p:nvPicPr>
+        <p:blipFill>
+          <a:blip r:embed="rId2">
+            <a:extLst>
+              <a:ext uri="{28A0092B-C50C-407E-A947-70E740481C1C}">
+                <a14:useLocalDpi xmlns:a14="http://schemas.microsoft.com/office/drawing/2010/main" val="0"/>
+              </a:ext>
+            </a:extLst>
+          </a:blip>
+          <a:srcRect/>
+          <a:stretch>
+            <a:fillRect/>
+          </a:stretch>
+        </p:blipFill>
+        <p:spPr bwMode="auto">
+          <a:xfrm>
+            <a:off x="8582297" y="-31904"/>
+            <a:ext cx="3609703" cy="3135286"/>
+          </a:xfrm>
+          <a:prstGeom prst="rect">
+            <a:avLst/>
+          </a:prstGeom>
+          <a:noFill/>
+          <a:extLst>
+            <a:ext uri="{909E8E84-426E-40DD-AFC4-6F175D3DCCD1}">
+              <a14:hiddenFill xmlns:a14="http://schemas.microsoft.com/office/drawing/2010/main">
+                <a:solidFill>
+                  <a:srgbClr val="FFFFFF"/>
+                </a:solidFill>
+              </a14:hiddenFill>
+            </a:ext>
+          </a:extLst>
+        </p:spPr>
+      </p:pic>
     </p:spTree>
     <p:extLst>
       <p:ext uri="{BB962C8B-B14F-4D97-AF65-F5344CB8AC3E}">
@@ -10850,6 +11024,206 @@
           <a:lstStyle/>
           <a:p>
             <a:r>
+              <a:rPr lang="en-IN" dirty="0" smtClean="0"/>
+              <a:t>Dealing with </a:t>
+            </a:r>
+            <a:r>
+              <a:rPr lang="en-IN" dirty="0" err="1" smtClean="0"/>
+              <a:t>BigData</a:t>
+            </a:r>
+            <a:endParaRPr lang="en-IN" dirty="0"/>
+          </a:p>
+        </p:txBody>
+      </p:sp>
+      <p:sp>
+        <p:nvSpPr>
+          <p:cNvPr id="3" name="Content Placeholder 2"/>
+          <p:cNvSpPr>
+            <a:spLocks noGrp="1"/>
+          </p:cNvSpPr>
+          <p:nvPr>
+            <p:ph idx="1"/>
+          </p:nvPr>
+        </p:nvSpPr>
+        <p:spPr>
+          <a:xfrm>
+            <a:off x="1097280" y="2259874"/>
+            <a:ext cx="10058400" cy="4023360"/>
+          </a:xfrm>
+        </p:spPr>
+        <p:txBody>
+          <a:bodyPr/>
+          <a:lstStyle/>
+          <a:p>
+            <a:pPr>
+              <a:buFont typeface="Wingdings" panose="05000000000000000000" pitchFamily="2" charset="2"/>
+              <a:buChar char="q"/>
+            </a:pPr>
+            <a:r>
+              <a:rPr lang="en-IN" sz="2400" dirty="0"/>
+              <a:t>Apache </a:t>
+            </a:r>
+            <a:r>
+              <a:rPr lang="en-IN" sz="2400" dirty="0" smtClean="0"/>
+              <a:t>Hadoop</a:t>
+            </a:r>
+          </a:p>
+          <a:p>
+            <a:pPr>
+              <a:buFont typeface="Wingdings" panose="05000000000000000000" pitchFamily="2" charset="2"/>
+              <a:buChar char="q"/>
+            </a:pPr>
+            <a:r>
+              <a:rPr lang="en-IN" sz="2400" dirty="0"/>
+              <a:t>Microsoft </a:t>
+            </a:r>
+            <a:r>
+              <a:rPr lang="en-IN" sz="2400" dirty="0" smtClean="0"/>
+              <a:t>HDInsight</a:t>
+            </a:r>
+          </a:p>
+          <a:p>
+            <a:pPr>
+              <a:buFont typeface="Wingdings" panose="05000000000000000000" pitchFamily="2" charset="2"/>
+              <a:buChar char="q"/>
+            </a:pPr>
+            <a:r>
+              <a:rPr lang="en-IN" sz="2400" dirty="0"/>
+              <a:t>Big data in </a:t>
+            </a:r>
+            <a:r>
+              <a:rPr lang="en-IN" sz="2400" dirty="0" smtClean="0"/>
+              <a:t>EXCEL</a:t>
+            </a:r>
+          </a:p>
+          <a:p>
+            <a:pPr>
+              <a:buFont typeface="Wingdings" panose="05000000000000000000" pitchFamily="2" charset="2"/>
+              <a:buChar char="q"/>
+            </a:pPr>
+            <a:r>
+              <a:rPr lang="en-IN" sz="2400" dirty="0" err="1" smtClean="0"/>
+              <a:t>PolyBase</a:t>
+            </a:r>
+            <a:r>
+              <a:rPr lang="en-IN" sz="2400" dirty="0" smtClean="0"/>
+              <a:t>	</a:t>
+            </a:r>
+          </a:p>
+          <a:p>
+            <a:pPr>
+              <a:buFont typeface="Wingdings" panose="05000000000000000000" pitchFamily="2" charset="2"/>
+              <a:buChar char="q"/>
+            </a:pPr>
+            <a:r>
+              <a:rPr lang="en-IN" sz="2400" dirty="0" smtClean="0"/>
+              <a:t>Presto</a:t>
+            </a:r>
+          </a:p>
+          <a:p>
+            <a:pPr>
+              <a:buFont typeface="Wingdings" panose="05000000000000000000" pitchFamily="2" charset="2"/>
+              <a:buChar char="q"/>
+            </a:pPr>
+            <a:r>
+              <a:rPr lang="en-IN" sz="2400" dirty="0" err="1" smtClean="0"/>
+              <a:t>SkyTree</a:t>
+            </a:r>
+            <a:r>
+              <a:rPr lang="en-IN" b="1" dirty="0" smtClean="0"/>
+              <a:t>	</a:t>
+            </a:r>
+            <a:endParaRPr lang="en-IN" dirty="0"/>
+          </a:p>
+        </p:txBody>
+      </p:sp>
+      <p:pic>
+        <p:nvPicPr>
+          <p:cNvPr id="2052" name="Picture 4" descr="http://semeon.com/blog/wp-content/uploads/2017/02/big-data.png"/>
+          <p:cNvPicPr>
+            <a:picLocks noChangeAspect="1" noChangeArrowheads="1"/>
+          </p:cNvPicPr>
+          <p:nvPr/>
+        </p:nvPicPr>
+        <p:blipFill>
+          <a:blip r:embed="rId2">
+            <a:extLst>
+              <a:ext uri="{28A0092B-C50C-407E-A947-70E740481C1C}">
+                <a14:useLocalDpi xmlns:a14="http://schemas.microsoft.com/office/drawing/2010/main" val="0"/>
+              </a:ext>
+            </a:extLst>
+          </a:blip>
+          <a:srcRect/>
+          <a:stretch>
+            <a:fillRect/>
+          </a:stretch>
+        </p:blipFill>
+        <p:spPr bwMode="auto">
+          <a:xfrm>
+            <a:off x="7000058" y="1920241"/>
+            <a:ext cx="5230430" cy="4486548"/>
+          </a:xfrm>
+          <a:prstGeom prst="rect">
+            <a:avLst/>
+          </a:prstGeom>
+          <a:noFill/>
+          <a:extLst>
+            <a:ext uri="{909E8E84-426E-40DD-AFC4-6F175D3DCCD1}">
+              <a14:hiddenFill xmlns:a14="http://schemas.microsoft.com/office/drawing/2010/main">
+                <a:solidFill>
+                  <a:srgbClr val="FFFFFF"/>
+                </a:solidFill>
+              </a14:hiddenFill>
+            </a:ext>
+          </a:extLst>
+        </p:spPr>
+      </p:pic>
+    </p:spTree>
+    <p:extLst>
+      <p:ext uri="{BB962C8B-B14F-4D97-AF65-F5344CB8AC3E}">
+        <p14:creationId xmlns:p14="http://schemas.microsoft.com/office/powerpoint/2010/main" val="1465276377"/>
+      </p:ext>
+    </p:extLst>
+  </p:cSld>
+  <p:clrMapOvr>
+    <a:masterClrMapping/>
+  </p:clrMapOvr>
+</p:sld>
+</file>
+
+<file path=ppt/slides/slide7.xml><?xml version="1.0" encoding="utf-8"?>
+<p:sld xmlns:a="http://schemas.openxmlformats.org/drawingml/2006/main" xmlns:r="http://schemas.openxmlformats.org/officeDocument/2006/relationships" xmlns:p="http://schemas.openxmlformats.org/presentationml/2006/main">
+  <p:cSld>
+    <p:spTree>
+      <p:nvGrpSpPr>
+        <p:cNvPr id="1" name=""/>
+        <p:cNvGrpSpPr/>
+        <p:nvPr/>
+      </p:nvGrpSpPr>
+      <p:grpSpPr>
+        <a:xfrm>
+          <a:off x="0" y="0"/>
+          <a:ext cx="0" cy="0"/>
+          <a:chOff x="0" y="0"/>
+          <a:chExt cx="0" cy="0"/>
+        </a:xfrm>
+      </p:grpSpPr>
+      <p:sp>
+        <p:nvSpPr>
+          <p:cNvPr id="2" name="Title 1"/>
+          <p:cNvSpPr>
+            <a:spLocks noGrp="1"/>
+          </p:cNvSpPr>
+          <p:nvPr>
+            <p:ph type="title"/>
+          </p:nvPr>
+        </p:nvSpPr>
+        <p:spPr/>
+        <p:txBody>
+          <a:bodyPr/>
+          <a:lstStyle/>
+          <a:p>
+            <a:r>
               <a:rPr lang="en-IN" dirty="0"/>
               <a:t>Apache Hadoop </a:t>
             </a:r>
@@ -10890,7 +11264,17 @@
             </a:r>
             <a:r>
               <a:rPr lang="en-US" sz="2800" dirty="0"/>
-              <a:t>an open-source software framework used for distributed storage and processing of dataset of big data using the </a:t>
+              <a:t>an open-source software framework used for distributed storage and processing of dataset of big </a:t>
+            </a:r>
+            <a:r>
+              <a:rPr lang="en-US" sz="2800" dirty="0" smtClean="0"/>
+              <a:t>data.</a:t>
+            </a:r>
+          </a:p>
+          <a:p>
+            <a:r>
+              <a:rPr lang="en-US" sz="2800" dirty="0" smtClean="0"/>
+              <a:t>Uses the </a:t>
             </a:r>
             <a:r>
               <a:rPr lang="en-US" sz="2800" dirty="0" err="1"/>
@@ -10971,218 +11355,6 @@
 </p:sld>
 </file>
 
-<file path=ppt/slides/slide7.xml><?xml version="1.0" encoding="utf-8"?>
-<p:sld xmlns:a="http://schemas.openxmlformats.org/drawingml/2006/main" xmlns:r="http://schemas.openxmlformats.org/officeDocument/2006/relationships" xmlns:p="http://schemas.openxmlformats.org/presentationml/2006/main">
-  <p:cSld>
-    <p:spTree>
-      <p:nvGrpSpPr>
-        <p:cNvPr id="1" name=""/>
-        <p:cNvGrpSpPr/>
-        <p:nvPr/>
-      </p:nvGrpSpPr>
-      <p:grpSpPr>
-        <a:xfrm>
-          <a:off x="0" y="0"/>
-          <a:ext cx="0" cy="0"/>
-          <a:chOff x="0" y="0"/>
-          <a:chExt cx="0" cy="0"/>
-        </a:xfrm>
-      </p:grpSpPr>
-      <p:sp>
-        <p:nvSpPr>
-          <p:cNvPr id="2" name="Title 1"/>
-          <p:cNvSpPr>
-            <a:spLocks noGrp="1"/>
-          </p:cNvSpPr>
-          <p:nvPr>
-            <p:ph type="title"/>
-          </p:nvPr>
-        </p:nvSpPr>
-        <p:spPr/>
-        <p:txBody>
-          <a:bodyPr/>
-          <a:lstStyle/>
-          <a:p>
-            <a:r>
-              <a:rPr lang="en-IN" altLang="en-US" dirty="0"/>
-              <a:t>Benefits of Hadoop</a:t>
-            </a:r>
-            <a:endParaRPr lang="en-IN" dirty="0"/>
-          </a:p>
-        </p:txBody>
-      </p:sp>
-      <p:sp>
-        <p:nvSpPr>
-          <p:cNvPr id="3" name="Content Placeholder 2"/>
-          <p:cNvSpPr>
-            <a:spLocks noGrp="1"/>
-          </p:cNvSpPr>
-          <p:nvPr>
-            <p:ph idx="1"/>
-          </p:nvPr>
-        </p:nvSpPr>
-        <p:spPr/>
-        <p:txBody>
-          <a:bodyPr>
-            <a:normAutofit lnSpcReduction="10000"/>
-          </a:bodyPr>
-          <a:lstStyle/>
-          <a:p>
-            <a:pPr lvl="1">
-              <a:spcAft>
-                <a:spcPts val="0"/>
-              </a:spcAft>
-              <a:buFont typeface="Wingdings" panose="05000000000000000000" pitchFamily="2" charset="2"/>
-              <a:buChar char="§"/>
-              <a:defRPr/>
-            </a:pPr>
-            <a:r>
-              <a:rPr lang="en-IN" sz="2400" dirty="0"/>
-              <a:t>Scalability </a:t>
-            </a:r>
-          </a:p>
-          <a:p>
-            <a:pPr marL="806958" lvl="1" indent="-514350">
-              <a:spcAft>
-                <a:spcPts val="0"/>
-              </a:spcAft>
-              <a:buFont typeface="+mj-lt"/>
-              <a:buAutoNum type="arabicPeriod"/>
-              <a:defRPr/>
-            </a:pPr>
-            <a:r>
-              <a:rPr lang="en-IN" sz="2400" dirty="0"/>
-              <a:t>Scale out : Adding more nodes to a cluster </a:t>
-            </a:r>
-          </a:p>
-          <a:p>
-            <a:pPr marL="806958" lvl="1" indent="-514350">
-              <a:spcAft>
-                <a:spcPts val="0"/>
-              </a:spcAft>
-              <a:buFont typeface="+mj-lt"/>
-              <a:buAutoNum type="arabicPeriod"/>
-              <a:defRPr/>
-            </a:pPr>
-            <a:r>
-              <a:rPr lang="en-IN" sz="2400" dirty="0"/>
-              <a:t>Scale up: Adding more CPU/ram/external hardware to the existing </a:t>
-            </a:r>
-            <a:r>
-              <a:rPr lang="en-IN" sz="2400" dirty="0" smtClean="0"/>
-              <a:t>nodes</a:t>
-            </a:r>
-          </a:p>
-          <a:p>
-            <a:pPr marL="514350" indent="-514350">
-              <a:spcAft>
-                <a:spcPts val="0"/>
-              </a:spcAft>
-              <a:buFont typeface="+mj-lt"/>
-              <a:buAutoNum type="arabicPeriod"/>
-              <a:defRPr/>
-            </a:pPr>
-            <a:endParaRPr lang="en-IN" sz="2800" dirty="0"/>
-          </a:p>
-          <a:p>
-            <a:pPr lvl="1">
-              <a:spcAft>
-                <a:spcPts val="0"/>
-              </a:spcAft>
-              <a:buFont typeface="Wingdings" panose="05000000000000000000" pitchFamily="2" charset="2"/>
-              <a:buChar char="§"/>
-              <a:defRPr/>
-            </a:pPr>
-            <a:r>
-              <a:rPr lang="en-IN" sz="2400" dirty="0"/>
-              <a:t>Reliability – In case of node failure </a:t>
-            </a:r>
-            <a:r>
-              <a:rPr lang="en-US" sz="2400" dirty="0"/>
-              <a:t>processing is re-directed to the remaining nodes in the cluster and data is automatically re-replicated in preparation for future node failures</a:t>
-            </a:r>
-            <a:r>
-              <a:rPr lang="en-US" sz="2400" dirty="0" smtClean="0"/>
-              <a:t>.</a:t>
-            </a:r>
-          </a:p>
-          <a:p>
-            <a:pPr lvl="1">
-              <a:spcAft>
-                <a:spcPts val="0"/>
-              </a:spcAft>
-              <a:buFont typeface="Wingdings" panose="05000000000000000000" pitchFamily="2" charset="2"/>
-              <a:buChar char="§"/>
-              <a:defRPr/>
-            </a:pPr>
-            <a:endParaRPr lang="en-US" sz="2400" dirty="0"/>
-          </a:p>
-          <a:p>
-            <a:pPr lvl="1">
-              <a:spcAft>
-                <a:spcPts val="0"/>
-              </a:spcAft>
-              <a:buFont typeface="Wingdings" panose="05000000000000000000" pitchFamily="2" charset="2"/>
-              <a:buChar char="§"/>
-              <a:defRPr/>
-            </a:pPr>
-            <a:r>
-              <a:rPr lang="en-IN" sz="2400" dirty="0"/>
-              <a:t>Flexibility – Don’t have to create schemas on write, Schemas created on </a:t>
-            </a:r>
-            <a:r>
-              <a:rPr lang="en-IN" sz="2400" dirty="0" smtClean="0"/>
-              <a:t>read</a:t>
-            </a:r>
-          </a:p>
-          <a:p>
-            <a:pPr lvl="1">
-              <a:spcAft>
-                <a:spcPts val="0"/>
-              </a:spcAft>
-              <a:buFont typeface="Wingdings" panose="05000000000000000000" pitchFamily="2" charset="2"/>
-              <a:buChar char="§"/>
-              <a:defRPr/>
-            </a:pPr>
-            <a:endParaRPr lang="en-IN" sz="2400" dirty="0"/>
-          </a:p>
-          <a:p>
-            <a:pPr lvl="1">
-              <a:spcAft>
-                <a:spcPts val="0"/>
-              </a:spcAft>
-              <a:buFont typeface="Wingdings" panose="05000000000000000000" pitchFamily="2" charset="2"/>
-              <a:buChar char="§"/>
-              <a:defRPr/>
-            </a:pPr>
-            <a:r>
-              <a:rPr lang="en-IN" sz="2400" dirty="0"/>
-              <a:t>Low cost - </a:t>
-            </a:r>
-            <a:r>
-              <a:rPr lang="en-US" sz="2400" dirty="0"/>
-              <a:t>Hadoop is open source and runs on low-cost commodity hardware</a:t>
-            </a:r>
-            <a:endParaRPr lang="en-IN" sz="2400" dirty="0"/>
-          </a:p>
-          <a:p>
-            <a:endParaRPr lang="en-IN" dirty="0"/>
-          </a:p>
-        </p:txBody>
-      </p:sp>
-    </p:spTree>
-    <p:extLst>
-      <p:ext uri="{BB962C8B-B14F-4D97-AF65-F5344CB8AC3E}">
-        <p14:creationId xmlns:p14="http://schemas.microsoft.com/office/powerpoint/2010/main" val="4282492555"/>
-      </p:ext>
-    </p:extLst>
-  </p:cSld>
-  <p:clrMapOvr>
-    <a:masterClrMapping/>
-  </p:clrMapOvr>
-</p:sld>
-</file>
-
 <file path=ppt/slides/slide8.xml><?xml version="1.0" encoding="utf-8"?>
 <p:sld xmlns:a="http://schemas.openxmlformats.org/drawingml/2006/main" xmlns:r="http://schemas.openxmlformats.org/officeDocument/2006/relationships" xmlns:p="http://schemas.openxmlformats.org/presentationml/2006/main">
   <p:cSld>
@@ -11216,47 +11388,176 @@
           <a:lstStyle/>
           <a:p>
             <a:r>
-              <a:rPr lang="en-IN" dirty="0" smtClean="0"/>
-              <a:t>Hadoop Ecosystem</a:t>
+              <a:rPr lang="en-IN" altLang="en-US" dirty="0"/>
+              <a:t>Benefits of Hadoop</a:t>
             </a:r>
             <a:endParaRPr lang="en-IN" dirty="0"/>
           </a:p>
         </p:txBody>
       </p:sp>
-      <p:pic>
-        <p:nvPicPr>
-          <p:cNvPr id="4" name="Content Placeholder 4"/>
-          <p:cNvPicPr>
-            <a:picLocks noGrp="1" noChangeAspect="1" noChangeArrowheads="1"/>
-          </p:cNvPicPr>
+      <p:sp>
+        <p:nvSpPr>
+          <p:cNvPr id="3" name="Content Placeholder 2"/>
+          <p:cNvSpPr>
+            <a:spLocks noGrp="1"/>
+          </p:cNvSpPr>
           <p:nvPr>
             <p:ph idx="1"/>
           </p:nvPr>
-        </p:nvPicPr>
-        <p:blipFill>
-          <a:blip r:embed="rId2">
-            <a:extLst>
-              <a:ext uri="{28A0092B-C50C-407E-A947-70E740481C1C}">
-                <a14:useLocalDpi xmlns:a14="http://schemas.microsoft.com/office/drawing/2010/main" val="0"/>
-              </a:ext>
-            </a:extLst>
-          </a:blip>
-          <a:srcRect/>
-          <a:stretch>
-            <a:fillRect/>
-          </a:stretch>
-        </p:blipFill>
-        <p:spPr>
-          <a:xfrm>
-            <a:off x="2996246" y="1867989"/>
-            <a:ext cx="6260468" cy="4379822"/>
-          </a:xfrm>
-        </p:spPr>
-      </p:pic>
+        </p:nvSpPr>
+        <p:spPr/>
+        <p:txBody>
+          <a:bodyPr>
+            <a:normAutofit lnSpcReduction="10000"/>
+          </a:bodyPr>
+          <a:lstStyle/>
+          <a:p>
+            <a:pPr lvl="1">
+              <a:spcAft>
+                <a:spcPts val="0"/>
+              </a:spcAft>
+              <a:buFont typeface="Wingdings" panose="05000000000000000000" pitchFamily="2" charset="2"/>
+              <a:buChar char="§"/>
+              <a:defRPr/>
+            </a:pPr>
+            <a:r>
+              <a:rPr lang="en-IN" sz="2400" dirty="0"/>
+              <a:t>Scalability </a:t>
+            </a:r>
+          </a:p>
+          <a:p>
+            <a:pPr marL="806958" lvl="1" indent="-514350">
+              <a:spcAft>
+                <a:spcPts val="0"/>
+              </a:spcAft>
+              <a:buFont typeface="+mj-lt"/>
+              <a:buAutoNum type="arabicPeriod"/>
+              <a:defRPr/>
+            </a:pPr>
+            <a:r>
+              <a:rPr lang="en-IN" sz="2400" dirty="0"/>
+              <a:t>Scale out : Adding more nodes to a cluster </a:t>
+            </a:r>
+          </a:p>
+          <a:p>
+            <a:pPr marL="806958" lvl="1" indent="-514350">
+              <a:spcAft>
+                <a:spcPts val="0"/>
+              </a:spcAft>
+              <a:buFont typeface="+mj-lt"/>
+              <a:buAutoNum type="arabicPeriod"/>
+              <a:defRPr/>
+            </a:pPr>
+            <a:r>
+              <a:rPr lang="en-IN" sz="2400" dirty="0"/>
+              <a:t>Scale up: Adding more CPU/ram/external hardware to the existing </a:t>
+            </a:r>
+            <a:r>
+              <a:rPr lang="en-IN" sz="2400" dirty="0" smtClean="0"/>
+              <a:t>nodes</a:t>
+            </a:r>
+          </a:p>
+          <a:p>
+            <a:pPr marL="514350" indent="-514350">
+              <a:spcAft>
+                <a:spcPts val="0"/>
+              </a:spcAft>
+              <a:buFont typeface="+mj-lt"/>
+              <a:buAutoNum type="arabicPeriod"/>
+              <a:defRPr/>
+            </a:pPr>
+            <a:endParaRPr lang="en-IN" sz="2800" dirty="0"/>
+          </a:p>
+          <a:p>
+            <a:pPr lvl="1">
+              <a:spcAft>
+                <a:spcPts val="0"/>
+              </a:spcAft>
+              <a:buFont typeface="Wingdings" panose="05000000000000000000" pitchFamily="2" charset="2"/>
+              <a:buChar char="§"/>
+              <a:defRPr/>
+            </a:pPr>
+            <a:r>
+              <a:rPr lang="en-IN" sz="2400" dirty="0"/>
+              <a:t>Reliability – In case of node failure </a:t>
+            </a:r>
+            <a:r>
+              <a:rPr lang="en-US" sz="2400" dirty="0"/>
+              <a:t>processing is re-directed to the remaining nodes in the cluster and data is automatically re-replicated in preparation for future node failures</a:t>
+            </a:r>
+            <a:r>
+              <a:rPr lang="en-US" sz="2400" dirty="0" smtClean="0"/>
+              <a:t>.</a:t>
+            </a:r>
+          </a:p>
+          <a:p>
+            <a:pPr lvl="1">
+              <a:spcAft>
+                <a:spcPts val="0"/>
+              </a:spcAft>
+              <a:buFont typeface="Wingdings" panose="05000000000000000000" pitchFamily="2" charset="2"/>
+              <a:buChar char="§"/>
+              <a:defRPr/>
+            </a:pPr>
+            <a:endParaRPr lang="en-US" sz="2400" dirty="0"/>
+          </a:p>
+          <a:p>
+            <a:pPr lvl="1">
+              <a:spcAft>
+                <a:spcPts val="0"/>
+              </a:spcAft>
+              <a:buFont typeface="Wingdings" panose="05000000000000000000" pitchFamily="2" charset="2"/>
+              <a:buChar char="§"/>
+              <a:defRPr/>
+            </a:pPr>
+            <a:r>
+              <a:rPr lang="en-IN" sz="2400" dirty="0"/>
+              <a:t>Flexibility – Don’t have to create schemas on write, Schemas created on </a:t>
+            </a:r>
+            <a:r>
+              <a:rPr lang="en-IN" sz="2400" dirty="0" smtClean="0"/>
+              <a:t>read</a:t>
+            </a:r>
+          </a:p>
+          <a:p>
+            <a:pPr lvl="1">
+              <a:spcAft>
+                <a:spcPts val="0"/>
+              </a:spcAft>
+              <a:buFont typeface="Wingdings" panose="05000000000000000000" pitchFamily="2" charset="2"/>
+              <a:buChar char="§"/>
+              <a:defRPr/>
+            </a:pPr>
+            <a:endParaRPr lang="en-IN" sz="2400" dirty="0"/>
+          </a:p>
+          <a:p>
+            <a:pPr lvl="1">
+              <a:spcAft>
+                <a:spcPts val="0"/>
+              </a:spcAft>
+              <a:buFont typeface="Wingdings" panose="05000000000000000000" pitchFamily="2" charset="2"/>
+              <a:buChar char="§"/>
+              <a:defRPr/>
+            </a:pPr>
+            <a:r>
+              <a:rPr lang="en-IN" sz="2400" dirty="0"/>
+              <a:t>Low cost - </a:t>
+            </a:r>
+            <a:r>
+              <a:rPr lang="en-US" sz="2400" dirty="0"/>
+              <a:t>Hadoop is open source and runs on low-cost commodity hardware</a:t>
+            </a:r>
+            <a:endParaRPr lang="en-IN" sz="2400" dirty="0"/>
+          </a:p>
+          <a:p>
+            <a:endParaRPr lang="en-IN" dirty="0"/>
+          </a:p>
+        </p:txBody>
+      </p:sp>
     </p:spTree>
     <p:extLst>
       <p:ext uri="{BB962C8B-B14F-4D97-AF65-F5344CB8AC3E}">
-        <p14:creationId xmlns:p14="http://schemas.microsoft.com/office/powerpoint/2010/main" val="2248975789"/>
+        <p14:creationId xmlns:p14="http://schemas.microsoft.com/office/powerpoint/2010/main" val="4282492555"/>
       </p:ext>
     </p:extLst>
   </p:cSld>
@@ -11300,7 +11601,7 @@
           <a:p>
             <a:r>
               <a:rPr lang="en-IN" dirty="0" smtClean="0"/>
-              <a:t>Hadoop Master/Slave Architecture</a:t>
+              <a:t>Hadoop Ecosystem</a:t>
             </a:r>
             <a:endParaRPr lang="en-IN" dirty="0"/>
           </a:p>
@@ -11308,15 +11609,15 @@
       </p:sp>
       <p:pic>
         <p:nvPicPr>
-          <p:cNvPr id="7" name="Content Placeholder 6"/>
+          <p:cNvPr id="4" name="Content Placeholder 4"/>
           <p:cNvPicPr>
-            <a:picLocks noGrp="1" noChangeAspect="1"/>
+            <a:picLocks noGrp="1" noChangeAspect="1" noChangeArrowheads="1"/>
           </p:cNvPicPr>
           <p:nvPr>
             <p:ph idx="1"/>
           </p:nvPr>
         </p:nvPicPr>
-        <p:blipFill rotWithShape="1">
+        <p:blipFill>
           <a:blip r:embed="rId2">
             <a:extLst>
               <a:ext uri="{28A0092B-C50C-407E-A947-70E740481C1C}">
@@ -11324,33 +11625,22 @@
               </a:ext>
             </a:extLst>
           </a:blip>
-          <a:srcRect t="25817" b="8486"/>
-          <a:stretch/>
+          <a:srcRect/>
+          <a:stretch>
+            <a:fillRect/>
+          </a:stretch>
         </p:blipFill>
-        <p:spPr bwMode="auto">
+        <p:spPr>
           <a:xfrm>
-            <a:off x="1727143" y="2377440"/>
-            <a:ext cx="8798673" cy="3252651"/>
+            <a:off x="2996246" y="1867989"/>
+            <a:ext cx="6260468" cy="4379822"/>
           </a:xfrm>
-          <a:prstGeom prst="rect">
-            <a:avLst/>
-          </a:prstGeom>
-          <a:noFill/>
-          <a:extLst>
-            <a:ext uri="{909E8E84-426E-40DD-AFC4-6F175D3DCCD1}">
-              <a14:hiddenFill xmlns:a14="http://schemas.microsoft.com/office/drawing/2010/main">
-                <a:solidFill>
-                  <a:srgbClr val="FFFFFF"/>
-                </a:solidFill>
-              </a14:hiddenFill>
-            </a:ext>
-          </a:extLst>
         </p:spPr>
       </p:pic>
     </p:spTree>
     <p:extLst>
       <p:ext uri="{BB962C8B-B14F-4D97-AF65-F5344CB8AC3E}">
-        <p14:creationId xmlns:p14="http://schemas.microsoft.com/office/powerpoint/2010/main" val="1986059482"/>
+        <p14:creationId xmlns:p14="http://schemas.microsoft.com/office/powerpoint/2010/main" val="2248975789"/>
       </p:ext>
     </p:extLst>
   </p:cSld>

--- a/Big Data & Hadoop.pptx
+++ b/Big Data & Hadoop.pptx
@@ -12,28 +12,30 @@
     <p:sldId id="260" r:id="rId6"/>
     <p:sldId id="285" r:id="rId7"/>
     <p:sldId id="262" r:id="rId8"/>
-    <p:sldId id="264" r:id="rId9"/>
-    <p:sldId id="263" r:id="rId10"/>
-    <p:sldId id="265" r:id="rId11"/>
-    <p:sldId id="279" r:id="rId12"/>
-    <p:sldId id="280" r:id="rId13"/>
-    <p:sldId id="266" r:id="rId14"/>
-    <p:sldId id="286" r:id="rId15"/>
-    <p:sldId id="287" r:id="rId16"/>
-    <p:sldId id="269" r:id="rId17"/>
-    <p:sldId id="267" r:id="rId18"/>
-    <p:sldId id="270" r:id="rId19"/>
-    <p:sldId id="271" r:id="rId20"/>
-    <p:sldId id="272" r:id="rId21"/>
-    <p:sldId id="275" r:id="rId22"/>
-    <p:sldId id="273" r:id="rId23"/>
-    <p:sldId id="276" r:id="rId24"/>
-    <p:sldId id="278" r:id="rId25"/>
-    <p:sldId id="288" r:id="rId26"/>
-    <p:sldId id="283" r:id="rId27"/>
-    <p:sldId id="281" r:id="rId28"/>
-    <p:sldId id="284" r:id="rId29"/>
-    <p:sldId id="289" r:id="rId30"/>
+    <p:sldId id="290" r:id="rId9"/>
+    <p:sldId id="264" r:id="rId10"/>
+    <p:sldId id="291" r:id="rId11"/>
+    <p:sldId id="263" r:id="rId12"/>
+    <p:sldId id="265" r:id="rId13"/>
+    <p:sldId id="279" r:id="rId14"/>
+    <p:sldId id="280" r:id="rId15"/>
+    <p:sldId id="266" r:id="rId16"/>
+    <p:sldId id="286" r:id="rId17"/>
+    <p:sldId id="287" r:id="rId18"/>
+    <p:sldId id="269" r:id="rId19"/>
+    <p:sldId id="267" r:id="rId20"/>
+    <p:sldId id="270" r:id="rId21"/>
+    <p:sldId id="271" r:id="rId22"/>
+    <p:sldId id="272" r:id="rId23"/>
+    <p:sldId id="275" r:id="rId24"/>
+    <p:sldId id="273" r:id="rId25"/>
+    <p:sldId id="276" r:id="rId26"/>
+    <p:sldId id="278" r:id="rId27"/>
+    <p:sldId id="288" r:id="rId28"/>
+    <p:sldId id="283" r:id="rId29"/>
+    <p:sldId id="281" r:id="rId30"/>
+    <p:sldId id="284" r:id="rId31"/>
+    <p:sldId id="289" r:id="rId32"/>
   </p:sldIdLst>
   <p:sldSz cx="12192000" cy="6858000"/>
   <p:notesSz cx="6858000" cy="9144000"/>
@@ -473,7 +475,6 @@
     </c:plotArea>
     <c:legend>
       <c:legendPos val="b"/>
-      <c:layout/>
       <c:overlay val="0"/>
       <c:spPr>
         <a:noFill/>
@@ -1095,7 +1096,6 @@
     </c:plotArea>
     <c:legend>
       <c:legendPos val="b"/>
-      <c:layout/>
       <c:overlay val="0"/>
       <c:spPr>
         <a:noFill/>
@@ -6079,6 +6079,168 @@
           <a:p>
             <a:r>
               <a:rPr lang="en-IN" dirty="0" smtClean="0"/>
+              <a:t>Hadoop Components</a:t>
+            </a:r>
+            <a:endParaRPr lang="en-IN" dirty="0"/>
+          </a:p>
+        </p:txBody>
+      </p:sp>
+      <p:pic>
+        <p:nvPicPr>
+          <p:cNvPr id="4" name="Content Placeholder 3"/>
+          <p:cNvPicPr>
+            <a:picLocks noGrp="1" noChangeAspect="1"/>
+          </p:cNvPicPr>
+          <p:nvPr>
+            <p:ph idx="1"/>
+          </p:nvPr>
+        </p:nvPicPr>
+        <p:blipFill>
+          <a:blip r:embed="rId2"/>
+          <a:stretch>
+            <a:fillRect/>
+          </a:stretch>
+        </p:blipFill>
+        <p:spPr>
+          <a:xfrm>
+            <a:off x="1953333" y="2016081"/>
+            <a:ext cx="8346294" cy="4022725"/>
+          </a:xfrm>
+          <a:prstGeom prst="rect">
+            <a:avLst/>
+          </a:prstGeom>
+        </p:spPr>
+      </p:pic>
+    </p:spTree>
+    <p:extLst>
+      <p:ext uri="{BB962C8B-B14F-4D97-AF65-F5344CB8AC3E}">
+        <p14:creationId xmlns:p14="http://schemas.microsoft.com/office/powerpoint/2010/main" val="50155040"/>
+      </p:ext>
+    </p:extLst>
+  </p:cSld>
+  <p:clrMapOvr>
+    <a:masterClrMapping/>
+  </p:clrMapOvr>
+</p:sld>
+</file>
+
+<file path=ppt/slides/slide11.xml><?xml version="1.0" encoding="utf-8"?>
+<p:sld xmlns:a="http://schemas.openxmlformats.org/drawingml/2006/main" xmlns:r="http://schemas.openxmlformats.org/officeDocument/2006/relationships" xmlns:p="http://schemas.openxmlformats.org/presentationml/2006/main">
+  <p:cSld>
+    <p:spTree>
+      <p:nvGrpSpPr>
+        <p:cNvPr id="1" name=""/>
+        <p:cNvGrpSpPr/>
+        <p:nvPr/>
+      </p:nvGrpSpPr>
+      <p:grpSpPr>
+        <a:xfrm>
+          <a:off x="0" y="0"/>
+          <a:ext cx="0" cy="0"/>
+          <a:chOff x="0" y="0"/>
+          <a:chExt cx="0" cy="0"/>
+        </a:xfrm>
+      </p:grpSpPr>
+      <p:sp>
+        <p:nvSpPr>
+          <p:cNvPr id="2" name="Title 1"/>
+          <p:cNvSpPr>
+            <a:spLocks noGrp="1"/>
+          </p:cNvSpPr>
+          <p:nvPr>
+            <p:ph type="title"/>
+          </p:nvPr>
+        </p:nvSpPr>
+        <p:spPr/>
+        <p:txBody>
+          <a:bodyPr/>
+          <a:lstStyle/>
+          <a:p>
+            <a:r>
+              <a:rPr lang="en-IN" dirty="0" smtClean="0"/>
+              <a:t>Hadoop Ecosystem</a:t>
+            </a:r>
+            <a:endParaRPr lang="en-IN" dirty="0"/>
+          </a:p>
+        </p:txBody>
+      </p:sp>
+      <p:pic>
+        <p:nvPicPr>
+          <p:cNvPr id="4" name="Content Placeholder 4"/>
+          <p:cNvPicPr>
+            <a:picLocks noGrp="1" noChangeAspect="1" noChangeArrowheads="1"/>
+          </p:cNvPicPr>
+          <p:nvPr>
+            <p:ph idx="1"/>
+          </p:nvPr>
+        </p:nvPicPr>
+        <p:blipFill>
+          <a:blip r:embed="rId2">
+            <a:extLst>
+              <a:ext uri="{28A0092B-C50C-407E-A947-70E740481C1C}">
+                <a14:useLocalDpi xmlns:a14="http://schemas.microsoft.com/office/drawing/2010/main" val="0"/>
+              </a:ext>
+            </a:extLst>
+          </a:blip>
+          <a:srcRect/>
+          <a:stretch>
+            <a:fillRect/>
+          </a:stretch>
+        </p:blipFill>
+        <p:spPr>
+          <a:xfrm>
+            <a:off x="2996246" y="1867989"/>
+            <a:ext cx="6260468" cy="4379822"/>
+          </a:xfrm>
+        </p:spPr>
+      </p:pic>
+    </p:spTree>
+    <p:extLst>
+      <p:ext uri="{BB962C8B-B14F-4D97-AF65-F5344CB8AC3E}">
+        <p14:creationId xmlns:p14="http://schemas.microsoft.com/office/powerpoint/2010/main" val="2248975789"/>
+      </p:ext>
+    </p:extLst>
+  </p:cSld>
+  <p:clrMapOvr>
+    <a:masterClrMapping/>
+  </p:clrMapOvr>
+</p:sld>
+</file>
+
+<file path=ppt/slides/slide12.xml><?xml version="1.0" encoding="utf-8"?>
+<p:sld xmlns:a="http://schemas.openxmlformats.org/drawingml/2006/main" xmlns:r="http://schemas.openxmlformats.org/officeDocument/2006/relationships" xmlns:p="http://schemas.openxmlformats.org/presentationml/2006/main">
+  <p:cSld>
+    <p:spTree>
+      <p:nvGrpSpPr>
+        <p:cNvPr id="1" name=""/>
+        <p:cNvGrpSpPr/>
+        <p:nvPr/>
+      </p:nvGrpSpPr>
+      <p:grpSpPr>
+        <a:xfrm>
+          <a:off x="0" y="0"/>
+          <a:ext cx="0" cy="0"/>
+          <a:chOff x="0" y="0"/>
+          <a:chExt cx="0" cy="0"/>
+        </a:xfrm>
+      </p:grpSpPr>
+      <p:sp>
+        <p:nvSpPr>
+          <p:cNvPr id="2" name="Title 1"/>
+          <p:cNvSpPr>
+            <a:spLocks noGrp="1"/>
+          </p:cNvSpPr>
+          <p:nvPr>
+            <p:ph type="title"/>
+          </p:nvPr>
+        </p:nvSpPr>
+        <p:spPr/>
+        <p:txBody>
+          <a:bodyPr/>
+          <a:lstStyle/>
+          <a:p>
+            <a:r>
+              <a:rPr lang="en-IN" dirty="0" smtClean="0"/>
               <a:t>Hadoop Master/Slave Architecture</a:t>
             </a:r>
             <a:endParaRPr lang="en-IN" dirty="0"/>
@@ -6139,7 +6301,7 @@
 </p:sld>
 </file>
 
-<file path=ppt/slides/slide11.xml><?xml version="1.0" encoding="utf-8"?>
+<file path=ppt/slides/slide13.xml><?xml version="1.0" encoding="utf-8"?>
 <p:sld xmlns:a="http://schemas.openxmlformats.org/drawingml/2006/main" xmlns:r="http://schemas.openxmlformats.org/officeDocument/2006/relationships" xmlns:p="http://schemas.openxmlformats.org/presentationml/2006/main">
   <p:cSld>
     <p:spTree>
@@ -6235,7 +6397,7 @@
 </p:sld>
 </file>
 
-<file path=ppt/slides/slide12.xml><?xml version="1.0" encoding="utf-8"?>
+<file path=ppt/slides/slide14.xml><?xml version="1.0" encoding="utf-8"?>
 <p:sld xmlns:a="http://schemas.openxmlformats.org/drawingml/2006/main" xmlns:r="http://schemas.openxmlformats.org/officeDocument/2006/relationships" xmlns:p="http://schemas.openxmlformats.org/presentationml/2006/main">
   <p:cSld>
     <p:spTree>
@@ -6419,7 +6581,7 @@
 </p:sld>
 </file>
 
-<file path=ppt/slides/slide13.xml><?xml version="1.0" encoding="utf-8"?>
+<file path=ppt/slides/slide15.xml><?xml version="1.0" encoding="utf-8"?>
 <p:sld xmlns:a="http://schemas.openxmlformats.org/drawingml/2006/main" xmlns:r="http://schemas.openxmlformats.org/officeDocument/2006/relationships" xmlns:p="http://schemas.openxmlformats.org/presentationml/2006/main">
   <p:cSld>
     <p:spTree>
@@ -6703,7 +6865,7 @@
 </p:sld>
 </file>
 
-<file path=ppt/slides/slide14.xml><?xml version="1.0" encoding="utf-8"?>
+<file path=ppt/slides/slide16.xml><?xml version="1.0" encoding="utf-8"?>
 <p:sld xmlns:a="http://schemas.openxmlformats.org/drawingml/2006/main" xmlns:r="http://schemas.openxmlformats.org/officeDocument/2006/relationships" xmlns:p="http://schemas.openxmlformats.org/presentationml/2006/main">
   <p:cSld>
     <p:spTree>
@@ -6803,7 +6965,7 @@
 </p:sld>
 </file>
 
-<file path=ppt/slides/slide15.xml><?xml version="1.0" encoding="utf-8"?>
+<file path=ppt/slides/slide17.xml><?xml version="1.0" encoding="utf-8"?>
 <p:sld xmlns:a="http://schemas.openxmlformats.org/drawingml/2006/main" xmlns:r="http://schemas.openxmlformats.org/officeDocument/2006/relationships" xmlns:p="http://schemas.openxmlformats.org/presentationml/2006/main">
   <p:cSld>
     <p:spTree>
@@ -7187,7 +7349,7 @@
 </p:sld>
 </file>
 
-<file path=ppt/slides/slide16.xml><?xml version="1.0" encoding="utf-8"?>
+<file path=ppt/slides/slide18.xml><?xml version="1.0" encoding="utf-8"?>
 <p:sld xmlns:a="http://schemas.openxmlformats.org/drawingml/2006/main" xmlns:r="http://schemas.openxmlformats.org/officeDocument/2006/relationships" xmlns:p="http://schemas.openxmlformats.org/presentationml/2006/main">
   <p:cSld>
     <p:spTree>
@@ -7382,7 +7544,7 @@
 </p:sld>
 </file>
 
-<file path=ppt/slides/slide17.xml><?xml version="1.0" encoding="utf-8"?>
+<file path=ppt/slides/slide19.xml><?xml version="1.0" encoding="utf-8"?>
 <p:sld xmlns:a="http://schemas.openxmlformats.org/drawingml/2006/main" xmlns:r="http://schemas.openxmlformats.org/officeDocument/2006/relationships" xmlns:p="http://schemas.openxmlformats.org/presentationml/2006/main">
   <p:cSld>
     <p:spTree>
@@ -7606,7 +7768,194 @@
 </p:sld>
 </file>
 
-<file path=ppt/slides/slide18.xml><?xml version="1.0" encoding="utf-8"?>
+<file path=ppt/slides/slide2.xml><?xml version="1.0" encoding="utf-8"?>
+<p:sld xmlns:a="http://schemas.openxmlformats.org/drawingml/2006/main" xmlns:r="http://schemas.openxmlformats.org/officeDocument/2006/relationships" xmlns:p="http://schemas.openxmlformats.org/presentationml/2006/main">
+  <p:cSld>
+    <p:spTree>
+      <p:nvGrpSpPr>
+        <p:cNvPr id="1" name=""/>
+        <p:cNvGrpSpPr/>
+        <p:nvPr/>
+      </p:nvGrpSpPr>
+      <p:grpSpPr>
+        <a:xfrm>
+          <a:off x="0" y="0"/>
+          <a:ext cx="0" cy="0"/>
+          <a:chOff x="0" y="0"/>
+          <a:chExt cx="0" cy="0"/>
+        </a:xfrm>
+      </p:grpSpPr>
+      <p:sp>
+        <p:nvSpPr>
+          <p:cNvPr id="2" name="Title 1"/>
+          <p:cNvSpPr>
+            <a:spLocks noGrp="1"/>
+          </p:cNvSpPr>
+          <p:nvPr>
+            <p:ph type="title"/>
+          </p:nvPr>
+        </p:nvSpPr>
+        <p:spPr/>
+        <p:txBody>
+          <a:bodyPr/>
+          <a:lstStyle/>
+          <a:p>
+            <a:r>
+              <a:rPr lang="en-IN" dirty="0"/>
+              <a:t>BIG DATA </a:t>
+            </a:r>
+          </a:p>
+        </p:txBody>
+      </p:sp>
+      <p:sp>
+        <p:nvSpPr>
+          <p:cNvPr id="3" name="Content Placeholder 2"/>
+          <p:cNvSpPr>
+            <a:spLocks noGrp="1"/>
+          </p:cNvSpPr>
+          <p:nvPr>
+            <p:ph idx="1"/>
+          </p:nvPr>
+        </p:nvSpPr>
+        <p:spPr/>
+        <p:txBody>
+          <a:bodyPr/>
+          <a:lstStyle/>
+          <a:p>
+            <a:r>
+              <a:rPr lang="en-US" dirty="0"/>
+              <a:t>E</a:t>
+            </a:r>
+            <a:r>
+              <a:rPr lang="en-US" dirty="0" smtClean="0"/>
+              <a:t>xtremely </a:t>
+            </a:r>
+            <a:r>
+              <a:rPr lang="en-US" dirty="0"/>
+              <a:t>large data sets that may be </a:t>
+            </a:r>
+            <a:r>
+              <a:rPr lang="en-US" dirty="0" smtClean="0"/>
+              <a:t>analyzed </a:t>
+            </a:r>
+            <a:r>
+              <a:rPr lang="en-US" dirty="0"/>
+              <a:t>computationally to reveal patterns, trends, and associations, especially relating to human </a:t>
+            </a:r>
+            <a:r>
+              <a:rPr lang="en-US" dirty="0" smtClean="0"/>
+              <a:t>behavior </a:t>
+            </a:r>
+            <a:r>
+              <a:rPr lang="en-US" dirty="0"/>
+              <a:t>and interactions.</a:t>
+            </a:r>
+            <a:endParaRPr lang="en-US" dirty="0" smtClean="0"/>
+          </a:p>
+          <a:p>
+            <a:r>
+              <a:rPr lang="en-US" dirty="0" smtClean="0"/>
+              <a:t>Data </a:t>
+            </a:r>
+            <a:r>
+              <a:rPr lang="en-US" dirty="0"/>
+              <a:t>that is </a:t>
+            </a:r>
+            <a:r>
+              <a:rPr lang="en-US" dirty="0" smtClean="0"/>
+              <a:t>too </a:t>
+            </a:r>
+            <a:r>
+              <a:rPr lang="en-US" dirty="0"/>
+              <a:t>big to be processed by a single machine. </a:t>
+            </a:r>
+            <a:endParaRPr lang="en-US" dirty="0" smtClean="0"/>
+          </a:p>
+          <a:p>
+            <a:r>
+              <a:rPr lang="en-IN" b="1" dirty="0" smtClean="0"/>
+              <a:t>How Big :</a:t>
+            </a:r>
+          </a:p>
+          <a:p>
+            <a:pPr>
+              <a:spcAft>
+                <a:spcPts val="0"/>
+              </a:spcAft>
+              <a:defRPr/>
+            </a:pPr>
+            <a:r>
+              <a:rPr lang="en-IN" dirty="0"/>
+              <a:t>Facebook hosts more than 240 billion photos , growing at 7 PB per months</a:t>
+            </a:r>
+          </a:p>
+          <a:p>
+            <a:pPr>
+              <a:spcAft>
+                <a:spcPts val="0"/>
+              </a:spcAft>
+              <a:defRPr/>
+            </a:pPr>
+            <a:r>
+              <a:rPr lang="en-IN" dirty="0"/>
+              <a:t>The New York Stock Exchange generates 4-5 PB per day </a:t>
+            </a:r>
+            <a:endParaRPr lang="en-IN" dirty="0" smtClean="0"/>
+          </a:p>
+          <a:p>
+            <a:pPr>
+              <a:spcAft>
+                <a:spcPts val="0"/>
+              </a:spcAft>
+              <a:defRPr/>
+            </a:pPr>
+            <a:endParaRPr lang="en-IN" dirty="0"/>
+          </a:p>
+          <a:p>
+            <a:pPr>
+              <a:spcAft>
+                <a:spcPts val="0"/>
+              </a:spcAft>
+              <a:defRPr/>
+            </a:pPr>
+            <a:r>
+              <a:rPr lang="en-US" dirty="0"/>
+              <a:t>Traditional data processing application software is inadequate to deal with such </a:t>
+            </a:r>
+            <a:r>
+              <a:rPr lang="en-US" dirty="0" smtClean="0"/>
+              <a:t>large data.</a:t>
+            </a:r>
+            <a:endParaRPr lang="en-US" dirty="0"/>
+          </a:p>
+          <a:p>
+            <a:pPr>
+              <a:spcAft>
+                <a:spcPts val="0"/>
+              </a:spcAft>
+              <a:defRPr/>
+            </a:pPr>
+            <a:endParaRPr lang="en-IN" dirty="0"/>
+          </a:p>
+          <a:p>
+            <a:endParaRPr lang="en-IN" b="1" dirty="0"/>
+          </a:p>
+        </p:txBody>
+      </p:sp>
+    </p:spTree>
+    <p:extLst>
+      <p:ext uri="{BB962C8B-B14F-4D97-AF65-F5344CB8AC3E}">
+        <p14:creationId xmlns:p14="http://schemas.microsoft.com/office/powerpoint/2010/main" val="2634573981"/>
+      </p:ext>
+    </p:extLst>
+  </p:cSld>
+  <p:clrMapOvr>
+    <a:masterClrMapping/>
+  </p:clrMapOvr>
+</p:sld>
+</file>
+
+<file path=ppt/slides/slide20.xml><?xml version="1.0" encoding="utf-8"?>
 <p:sld xmlns:a="http://schemas.openxmlformats.org/drawingml/2006/main" xmlns:r="http://schemas.openxmlformats.org/officeDocument/2006/relationships" xmlns:p="http://schemas.openxmlformats.org/presentationml/2006/main">
   <p:cSld>
     <p:spTree>
@@ -8128,7 +8477,7 @@
 </p:sld>
 </file>
 
-<file path=ppt/slides/slide19.xml><?xml version="1.0" encoding="utf-8"?>
+<file path=ppt/slides/slide21.xml><?xml version="1.0" encoding="utf-8"?>
 <p:sld xmlns:a="http://schemas.openxmlformats.org/drawingml/2006/main" xmlns:r="http://schemas.openxmlformats.org/officeDocument/2006/relationships" xmlns:p="http://schemas.openxmlformats.org/presentationml/2006/main">
   <p:cSld>
     <p:spTree>
@@ -8537,194 +8886,7 @@
 </p:sld>
 </file>
 
-<file path=ppt/slides/slide2.xml><?xml version="1.0" encoding="utf-8"?>
-<p:sld xmlns:a="http://schemas.openxmlformats.org/drawingml/2006/main" xmlns:r="http://schemas.openxmlformats.org/officeDocument/2006/relationships" xmlns:p="http://schemas.openxmlformats.org/presentationml/2006/main">
-  <p:cSld>
-    <p:spTree>
-      <p:nvGrpSpPr>
-        <p:cNvPr id="1" name=""/>
-        <p:cNvGrpSpPr/>
-        <p:nvPr/>
-      </p:nvGrpSpPr>
-      <p:grpSpPr>
-        <a:xfrm>
-          <a:off x="0" y="0"/>
-          <a:ext cx="0" cy="0"/>
-          <a:chOff x="0" y="0"/>
-          <a:chExt cx="0" cy="0"/>
-        </a:xfrm>
-      </p:grpSpPr>
-      <p:sp>
-        <p:nvSpPr>
-          <p:cNvPr id="2" name="Title 1"/>
-          <p:cNvSpPr>
-            <a:spLocks noGrp="1"/>
-          </p:cNvSpPr>
-          <p:nvPr>
-            <p:ph type="title"/>
-          </p:nvPr>
-        </p:nvSpPr>
-        <p:spPr/>
-        <p:txBody>
-          <a:bodyPr/>
-          <a:lstStyle/>
-          <a:p>
-            <a:r>
-              <a:rPr lang="en-IN" dirty="0"/>
-              <a:t>BIG DATA </a:t>
-            </a:r>
-          </a:p>
-        </p:txBody>
-      </p:sp>
-      <p:sp>
-        <p:nvSpPr>
-          <p:cNvPr id="3" name="Content Placeholder 2"/>
-          <p:cNvSpPr>
-            <a:spLocks noGrp="1"/>
-          </p:cNvSpPr>
-          <p:nvPr>
-            <p:ph idx="1"/>
-          </p:nvPr>
-        </p:nvSpPr>
-        <p:spPr/>
-        <p:txBody>
-          <a:bodyPr/>
-          <a:lstStyle/>
-          <a:p>
-            <a:r>
-              <a:rPr lang="en-US" dirty="0"/>
-              <a:t>E</a:t>
-            </a:r>
-            <a:r>
-              <a:rPr lang="en-US" dirty="0" smtClean="0"/>
-              <a:t>xtremely </a:t>
-            </a:r>
-            <a:r>
-              <a:rPr lang="en-US" dirty="0"/>
-              <a:t>large data sets that may be </a:t>
-            </a:r>
-            <a:r>
-              <a:rPr lang="en-US" dirty="0" smtClean="0"/>
-              <a:t>analyzed </a:t>
-            </a:r>
-            <a:r>
-              <a:rPr lang="en-US" dirty="0"/>
-              <a:t>computationally to reveal patterns, trends, and associations, especially relating to human </a:t>
-            </a:r>
-            <a:r>
-              <a:rPr lang="en-US" dirty="0" smtClean="0"/>
-              <a:t>behavior </a:t>
-            </a:r>
-            <a:r>
-              <a:rPr lang="en-US" dirty="0"/>
-              <a:t>and interactions.</a:t>
-            </a:r>
-            <a:endParaRPr lang="en-US" dirty="0" smtClean="0"/>
-          </a:p>
-          <a:p>
-            <a:r>
-              <a:rPr lang="en-US" dirty="0" smtClean="0"/>
-              <a:t>Data </a:t>
-            </a:r>
-            <a:r>
-              <a:rPr lang="en-US" dirty="0"/>
-              <a:t>that is </a:t>
-            </a:r>
-            <a:r>
-              <a:rPr lang="en-US" dirty="0" smtClean="0"/>
-              <a:t>too </a:t>
-            </a:r>
-            <a:r>
-              <a:rPr lang="en-US" dirty="0"/>
-              <a:t>big to be processed by a single machine. </a:t>
-            </a:r>
-            <a:endParaRPr lang="en-US" dirty="0" smtClean="0"/>
-          </a:p>
-          <a:p>
-            <a:r>
-              <a:rPr lang="en-IN" b="1" dirty="0" smtClean="0"/>
-              <a:t>How Big :</a:t>
-            </a:r>
-          </a:p>
-          <a:p>
-            <a:pPr>
-              <a:spcAft>
-                <a:spcPts val="0"/>
-              </a:spcAft>
-              <a:defRPr/>
-            </a:pPr>
-            <a:r>
-              <a:rPr lang="en-IN" dirty="0"/>
-              <a:t>Facebook hosts more than 240 billion photos , growing at 7 PB per months</a:t>
-            </a:r>
-          </a:p>
-          <a:p>
-            <a:pPr>
-              <a:spcAft>
-                <a:spcPts val="0"/>
-              </a:spcAft>
-              <a:defRPr/>
-            </a:pPr>
-            <a:r>
-              <a:rPr lang="en-IN" dirty="0"/>
-              <a:t>The New York Stock Exchange generates 4-5 PB per day </a:t>
-            </a:r>
-            <a:endParaRPr lang="en-IN" dirty="0" smtClean="0"/>
-          </a:p>
-          <a:p>
-            <a:pPr>
-              <a:spcAft>
-                <a:spcPts val="0"/>
-              </a:spcAft>
-              <a:defRPr/>
-            </a:pPr>
-            <a:endParaRPr lang="en-IN" dirty="0"/>
-          </a:p>
-          <a:p>
-            <a:pPr>
-              <a:spcAft>
-                <a:spcPts val="0"/>
-              </a:spcAft>
-              <a:defRPr/>
-            </a:pPr>
-            <a:r>
-              <a:rPr lang="en-US" dirty="0"/>
-              <a:t>Traditional data processing application software is inadequate to deal with such </a:t>
-            </a:r>
-            <a:r>
-              <a:rPr lang="en-US" dirty="0" smtClean="0"/>
-              <a:t>large data.</a:t>
-            </a:r>
-            <a:endParaRPr lang="en-US" dirty="0"/>
-          </a:p>
-          <a:p>
-            <a:pPr>
-              <a:spcAft>
-                <a:spcPts val="0"/>
-              </a:spcAft>
-              <a:defRPr/>
-            </a:pPr>
-            <a:endParaRPr lang="en-IN" dirty="0"/>
-          </a:p>
-          <a:p>
-            <a:endParaRPr lang="en-IN" b="1" dirty="0"/>
-          </a:p>
-        </p:txBody>
-      </p:sp>
-    </p:spTree>
-    <p:extLst>
-      <p:ext uri="{BB962C8B-B14F-4D97-AF65-F5344CB8AC3E}">
-        <p14:creationId xmlns:p14="http://schemas.microsoft.com/office/powerpoint/2010/main" val="2634573981"/>
-      </p:ext>
-    </p:extLst>
-  </p:cSld>
-  <p:clrMapOvr>
-    <a:masterClrMapping/>
-  </p:clrMapOvr>
-</p:sld>
-</file>
-
-<file path=ppt/slides/slide20.xml><?xml version="1.0" encoding="utf-8"?>
+<file path=ppt/slides/slide22.xml><?xml version="1.0" encoding="utf-8"?>
 <p:sld xmlns:a="http://schemas.openxmlformats.org/drawingml/2006/main" xmlns:r="http://schemas.openxmlformats.org/officeDocument/2006/relationships" xmlns:p="http://schemas.openxmlformats.org/presentationml/2006/main">
   <p:cSld>
     <p:spTree>
@@ -8891,7 +9053,7 @@
 </p:sld>
 </file>
 
-<file path=ppt/slides/slide21.xml><?xml version="1.0" encoding="utf-8"?>
+<file path=ppt/slides/slide23.xml><?xml version="1.0" encoding="utf-8"?>
 <p:sld xmlns:a="http://schemas.openxmlformats.org/drawingml/2006/main" xmlns:r="http://schemas.openxmlformats.org/officeDocument/2006/relationships" xmlns:p="http://schemas.openxmlformats.org/presentationml/2006/main">
   <p:cSld>
     <p:spTree>
@@ -9012,7 +9174,7 @@
 </p:sld>
 </file>
 
-<file path=ppt/slides/slide22.xml><?xml version="1.0" encoding="utf-8"?>
+<file path=ppt/slides/slide24.xml><?xml version="1.0" encoding="utf-8"?>
 <p:sld xmlns:a="http://schemas.openxmlformats.org/drawingml/2006/main" xmlns:r="http://schemas.openxmlformats.org/officeDocument/2006/relationships" xmlns:p="http://schemas.openxmlformats.org/presentationml/2006/main">
   <p:cSld>
     <p:spTree>
@@ -9394,7 +9556,7 @@
 </p:sld>
 </file>
 
-<file path=ppt/slides/slide23.xml><?xml version="1.0" encoding="utf-8"?>
+<file path=ppt/slides/slide25.xml><?xml version="1.0" encoding="utf-8"?>
 <p:sld xmlns:a="http://schemas.openxmlformats.org/drawingml/2006/main" xmlns:r="http://schemas.openxmlformats.org/officeDocument/2006/relationships" xmlns:p="http://schemas.openxmlformats.org/presentationml/2006/main">
   <p:cSld>
     <p:spTree>
@@ -9586,7 +9748,7 @@
 </p:sld>
 </file>
 
-<file path=ppt/slides/slide24.xml><?xml version="1.0" encoding="utf-8"?>
+<file path=ppt/slides/slide26.xml><?xml version="1.0" encoding="utf-8"?>
 <p:sld xmlns:a="http://schemas.openxmlformats.org/drawingml/2006/main" xmlns:r="http://schemas.openxmlformats.org/officeDocument/2006/relationships" xmlns:p="http://schemas.openxmlformats.org/presentationml/2006/main">
   <p:cSld>
     <p:spTree>
@@ -9746,7 +9908,6 @@
               <a:rPr lang="en-US" dirty="0" smtClean="0"/>
               <a:t>492MB.</a:t>
             </a:r>
-            <a:endParaRPr lang="en-US" dirty="0" smtClean="0"/>
           </a:p>
           <a:p>
             <a:pPr>
@@ -9816,7 +9977,7 @@
 </p:sld>
 </file>
 
-<file path=ppt/slides/slide25.xml><?xml version="1.0" encoding="utf-8"?>
+<file path=ppt/slides/slide27.xml><?xml version="1.0" encoding="utf-8"?>
 <p:sld xmlns:a="http://schemas.openxmlformats.org/drawingml/2006/main" xmlns:r="http://schemas.openxmlformats.org/officeDocument/2006/relationships" xmlns:p="http://schemas.openxmlformats.org/presentationml/2006/main">
   <p:cSld>
     <p:spTree>
@@ -9882,12 +10043,24 @@
             </a:r>
           </a:p>
           <a:p>
+            <a:pPr>
+              <a:buFont typeface="Arial" panose="020B0604020202020204" pitchFamily="34" charset="0"/>
+              <a:buChar char="•"/>
+            </a:pPr>
             <a:r>
               <a:rPr lang="en-IN" dirty="0" smtClean="0"/>
-              <a:t>Pre-processing of data (cleansing)  is done through Hive</a:t>
-            </a:r>
-          </a:p>
-          <a:p>
+              <a:t>  Pre-processing of data (cleansing)  is done through Hive</a:t>
+            </a:r>
+          </a:p>
+          <a:p>
+            <a:pPr>
+              <a:buFont typeface="Arial" panose="020B0604020202020204" pitchFamily="34" charset="0"/>
+              <a:buChar char="•"/>
+            </a:pPr>
+            <a:r>
+              <a:rPr lang="en-IN" dirty="0" smtClean="0"/>
+              <a:t>  </a:t>
+            </a:r>
             <a:r>
               <a:rPr lang="en-IN" dirty="0" err="1" smtClean="0"/>
               <a:t>MapReduce</a:t>
@@ -9898,18 +10071,34 @@
             </a:r>
           </a:p>
           <a:p>
+            <a:pPr>
+              <a:buFont typeface="Arial" panose="020B0604020202020204" pitchFamily="34" charset="0"/>
+              <a:buChar char="•"/>
+            </a:pPr>
             <a:r>
               <a:rPr lang="en-IN" dirty="0" smtClean="0"/>
-              <a:t>Pig (3)</a:t>
-            </a:r>
-          </a:p>
-          <a:p>
+              <a:t>  Pig (3)</a:t>
+            </a:r>
+          </a:p>
+          <a:p>
+            <a:pPr>
+              <a:buFont typeface="Arial" panose="020B0604020202020204" pitchFamily="34" charset="0"/>
+              <a:buChar char="•"/>
+            </a:pPr>
             <a:r>
               <a:rPr lang="en-IN" dirty="0" smtClean="0"/>
-              <a:t>Hive (3)</a:t>
-            </a:r>
-          </a:p>
-          <a:p>
+              <a:t>  Hive (3)</a:t>
+            </a:r>
+          </a:p>
+          <a:p>
+            <a:pPr>
+              <a:buFont typeface="Arial" panose="020B0604020202020204" pitchFamily="34" charset="0"/>
+              <a:buChar char="•"/>
+            </a:pPr>
+            <a:r>
+              <a:rPr lang="en-IN" dirty="0" smtClean="0"/>
+              <a:t>  </a:t>
+            </a:r>
             <a:r>
               <a:rPr lang="en-IN" dirty="0" err="1" smtClean="0"/>
               <a:t>Sqoop</a:t>
@@ -9917,6 +10106,16 @@
             <a:r>
               <a:rPr lang="en-IN" dirty="0" smtClean="0"/>
               <a:t> (1)</a:t>
+            </a:r>
+          </a:p>
+          <a:p>
+            <a:pPr>
+              <a:buFont typeface="Arial" panose="020B0604020202020204" pitchFamily="34" charset="0"/>
+              <a:buChar char="•"/>
+            </a:pPr>
+            <a:r>
+              <a:rPr lang="en-IN" dirty="0" smtClean="0"/>
+              <a:t>  Menu is build on shell-scripting</a:t>
             </a:r>
           </a:p>
         </p:txBody>
@@ -10016,7 +10215,7 @@
 </p:sld>
 </file>
 
-<file path=ppt/slides/slide26.xml><?xml version="1.0" encoding="utf-8"?>
+<file path=ppt/slides/slide28.xml><?xml version="1.0" encoding="utf-8"?>
 <p:sld xmlns:a="http://schemas.openxmlformats.org/drawingml/2006/main" xmlns:r="http://schemas.openxmlformats.org/officeDocument/2006/relationships" xmlns:p="http://schemas.openxmlformats.org/presentationml/2006/main">
   <p:cSld>
     <p:spTree>
@@ -10161,7 +10360,7 @@
 </p:sld>
 </file>
 
-<file path=ppt/slides/slide27.xml><?xml version="1.0" encoding="utf-8"?>
+<file path=ppt/slides/slide29.xml><?xml version="1.0" encoding="utf-8"?>
 <p:sld xmlns:a="http://schemas.openxmlformats.org/drawingml/2006/main" xmlns:r="http://schemas.openxmlformats.org/officeDocument/2006/relationships" xmlns:p="http://schemas.openxmlformats.org/presentationml/2006/main">
   <p:cSld>
     <p:spTree>
@@ -10339,7 +10538,106 @@
 </p:sld>
 </file>
 
-<file path=ppt/slides/slide28.xml><?xml version="1.0" encoding="utf-8"?>
+<file path=ppt/slides/slide3.xml><?xml version="1.0" encoding="utf-8"?>
+<p:sld xmlns:a="http://schemas.openxmlformats.org/drawingml/2006/main" xmlns:r="http://schemas.openxmlformats.org/officeDocument/2006/relationships" xmlns:p="http://schemas.openxmlformats.org/presentationml/2006/main">
+  <p:cSld>
+    <p:spTree>
+      <p:nvGrpSpPr>
+        <p:cNvPr id="1" name=""/>
+        <p:cNvGrpSpPr/>
+        <p:nvPr/>
+      </p:nvGrpSpPr>
+      <p:grpSpPr>
+        <a:xfrm>
+          <a:off x="0" y="0"/>
+          <a:ext cx="0" cy="0"/>
+          <a:chOff x="0" y="0"/>
+          <a:chExt cx="0" cy="0"/>
+        </a:xfrm>
+      </p:grpSpPr>
+      <p:sp>
+        <p:nvSpPr>
+          <p:cNvPr id="2" name="Title 1"/>
+          <p:cNvSpPr>
+            <a:spLocks noGrp="1"/>
+          </p:cNvSpPr>
+          <p:nvPr>
+            <p:ph type="title"/>
+          </p:nvPr>
+        </p:nvSpPr>
+        <p:spPr>
+          <a:xfrm>
+            <a:off x="1097280" y="286603"/>
+            <a:ext cx="10058400" cy="1202563"/>
+          </a:xfrm>
+        </p:spPr>
+        <p:txBody>
+          <a:bodyPr/>
+          <a:lstStyle/>
+          <a:p>
+            <a:r>
+              <a:rPr lang="en-IN" altLang="en-US" dirty="0"/>
+              <a:t>Characteristics</a:t>
+            </a:r>
+            <a:endParaRPr lang="en-IN" dirty="0"/>
+          </a:p>
+        </p:txBody>
+      </p:sp>
+      <p:pic>
+        <p:nvPicPr>
+          <p:cNvPr id="2050" name="Picture 2" descr="Related image"/>
+          <p:cNvPicPr>
+            <a:picLocks noGrp="1" noChangeAspect="1" noChangeArrowheads="1"/>
+          </p:cNvPicPr>
+          <p:nvPr>
+            <p:ph idx="1"/>
+          </p:nvPr>
+        </p:nvPicPr>
+        <p:blipFill rotWithShape="1">
+          <a:blip r:embed="rId2">
+            <a:extLst>
+              <a:ext uri="{28A0092B-C50C-407E-A947-70E740481C1C}">
+                <a14:useLocalDpi xmlns:a14="http://schemas.microsoft.com/office/drawing/2010/main" val="0"/>
+              </a:ext>
+            </a:extLst>
+          </a:blip>
+          <a:srcRect l="2311" t="4522" r="1612" b="2061"/>
+          <a:stretch/>
+        </p:blipFill>
+        <p:spPr bwMode="auto">
+          <a:xfrm>
+            <a:off x="2651760" y="1778887"/>
+            <a:ext cx="6740434" cy="4504347"/>
+          </a:xfrm>
+          <a:prstGeom prst="rect">
+            <a:avLst/>
+          </a:prstGeom>
+          <a:noFill/>
+          <a:extLst>
+            <a:ext uri="{909E8E84-426E-40DD-AFC4-6F175D3DCCD1}">
+              <a14:hiddenFill xmlns:a14="http://schemas.microsoft.com/office/drawing/2010/main">
+                <a:solidFill>
+                  <a:srgbClr val="FFFFFF"/>
+                </a:solidFill>
+              </a14:hiddenFill>
+            </a:ext>
+          </a:extLst>
+        </p:spPr>
+      </p:pic>
+    </p:spTree>
+    <p:extLst>
+      <p:ext uri="{BB962C8B-B14F-4D97-AF65-F5344CB8AC3E}">
+        <p14:creationId xmlns:p14="http://schemas.microsoft.com/office/powerpoint/2010/main" val="764486655"/>
+      </p:ext>
+    </p:extLst>
+  </p:cSld>
+  <p:clrMapOvr>
+    <a:masterClrMapping/>
+  </p:clrMapOvr>
+</p:sld>
+</file>
+
+<file path=ppt/slides/slide30.xml><?xml version="1.0" encoding="utf-8"?>
 <p:sld xmlns:a="http://schemas.openxmlformats.org/drawingml/2006/main" xmlns:r="http://schemas.openxmlformats.org/officeDocument/2006/relationships" xmlns:p="http://schemas.openxmlformats.org/presentationml/2006/main">
   <p:cSld>
     <p:spTree>
@@ -10527,7 +10825,7 @@
 </p:sld>
 </file>
 
-<file path=ppt/slides/slide29.xml><?xml version="1.0" encoding="utf-8"?>
+<file path=ppt/slides/slide31.xml><?xml version="1.0" encoding="utf-8"?>
 <p:sld xmlns:a="http://schemas.openxmlformats.org/drawingml/2006/main" xmlns:r="http://schemas.openxmlformats.org/officeDocument/2006/relationships" xmlns:p="http://schemas.openxmlformats.org/presentationml/2006/main">
   <p:cSld>
     <p:spTree>
@@ -10587,105 +10885,6 @@
     <p:extLst>
       <p:ext uri="{BB962C8B-B14F-4D97-AF65-F5344CB8AC3E}">
         <p14:creationId xmlns:p14="http://schemas.microsoft.com/office/powerpoint/2010/main" val="3749479368"/>
-      </p:ext>
-    </p:extLst>
-  </p:cSld>
-  <p:clrMapOvr>
-    <a:masterClrMapping/>
-  </p:clrMapOvr>
-</p:sld>
-</file>
-
-<file path=ppt/slides/slide3.xml><?xml version="1.0" encoding="utf-8"?>
-<p:sld xmlns:a="http://schemas.openxmlformats.org/drawingml/2006/main" xmlns:r="http://schemas.openxmlformats.org/officeDocument/2006/relationships" xmlns:p="http://schemas.openxmlformats.org/presentationml/2006/main">
-  <p:cSld>
-    <p:spTree>
-      <p:nvGrpSpPr>
-        <p:cNvPr id="1" name=""/>
-        <p:cNvGrpSpPr/>
-        <p:nvPr/>
-      </p:nvGrpSpPr>
-      <p:grpSpPr>
-        <a:xfrm>
-          <a:off x="0" y="0"/>
-          <a:ext cx="0" cy="0"/>
-          <a:chOff x="0" y="0"/>
-          <a:chExt cx="0" cy="0"/>
-        </a:xfrm>
-      </p:grpSpPr>
-      <p:sp>
-        <p:nvSpPr>
-          <p:cNvPr id="2" name="Title 1"/>
-          <p:cNvSpPr>
-            <a:spLocks noGrp="1"/>
-          </p:cNvSpPr>
-          <p:nvPr>
-            <p:ph type="title"/>
-          </p:nvPr>
-        </p:nvSpPr>
-        <p:spPr>
-          <a:xfrm>
-            <a:off x="1097280" y="286603"/>
-            <a:ext cx="10058400" cy="1202563"/>
-          </a:xfrm>
-        </p:spPr>
-        <p:txBody>
-          <a:bodyPr/>
-          <a:lstStyle/>
-          <a:p>
-            <a:r>
-              <a:rPr lang="en-IN" altLang="en-US" dirty="0"/>
-              <a:t>Characteristics</a:t>
-            </a:r>
-            <a:endParaRPr lang="en-IN" dirty="0"/>
-          </a:p>
-        </p:txBody>
-      </p:sp>
-      <p:pic>
-        <p:nvPicPr>
-          <p:cNvPr id="2050" name="Picture 2" descr="Related image"/>
-          <p:cNvPicPr>
-            <a:picLocks noGrp="1" noChangeAspect="1" noChangeArrowheads="1"/>
-          </p:cNvPicPr>
-          <p:nvPr>
-            <p:ph idx="1"/>
-          </p:nvPr>
-        </p:nvPicPr>
-        <p:blipFill rotWithShape="1">
-          <a:blip r:embed="rId2">
-            <a:extLst>
-              <a:ext uri="{28A0092B-C50C-407E-A947-70E740481C1C}">
-                <a14:useLocalDpi xmlns:a14="http://schemas.microsoft.com/office/drawing/2010/main" val="0"/>
-              </a:ext>
-            </a:extLst>
-          </a:blip>
-          <a:srcRect l="2311" t="4522" r="1612" b="2061"/>
-          <a:stretch/>
-        </p:blipFill>
-        <p:spPr bwMode="auto">
-          <a:xfrm>
-            <a:off x="2651760" y="1778887"/>
-            <a:ext cx="6740434" cy="4504347"/>
-          </a:xfrm>
-          <a:prstGeom prst="rect">
-            <a:avLst/>
-          </a:prstGeom>
-          <a:noFill/>
-          <a:extLst>
-            <a:ext uri="{909E8E84-426E-40DD-AFC4-6F175D3DCCD1}">
-              <a14:hiddenFill xmlns:a14="http://schemas.microsoft.com/office/drawing/2010/main">
-                <a:solidFill>
-                  <a:srgbClr val="FFFFFF"/>
-                </a:solidFill>
-              </a14:hiddenFill>
-            </a:ext>
-          </a:extLst>
-        </p:spPr>
-      </p:pic>
-    </p:spTree>
-    <p:extLst>
-      <p:ext uri="{BB962C8B-B14F-4D97-AF65-F5344CB8AC3E}">
-        <p14:creationId xmlns:p14="http://schemas.microsoft.com/office/powerpoint/2010/main" val="764486655"/>
       </p:ext>
     </p:extLst>
   </p:cSld>
@@ -11388,176 +11587,41 @@
           <a:lstStyle/>
           <a:p>
             <a:r>
-              <a:rPr lang="en-IN" altLang="en-US" dirty="0"/>
-              <a:t>Benefits of Hadoop</a:t>
+              <a:rPr lang="en-IN" dirty="0" smtClean="0"/>
+              <a:t>Hadoop vs RDBMS</a:t>
             </a:r>
             <a:endParaRPr lang="en-IN" dirty="0"/>
           </a:p>
         </p:txBody>
       </p:sp>
-      <p:sp>
-        <p:nvSpPr>
-          <p:cNvPr id="3" name="Content Placeholder 2"/>
-          <p:cNvSpPr>
-            <a:spLocks noGrp="1"/>
-          </p:cNvSpPr>
-          <p:nvPr>
-            <p:ph idx="1"/>
-          </p:nvPr>
-        </p:nvSpPr>
-        <p:spPr/>
-        <p:txBody>
-          <a:bodyPr>
-            <a:normAutofit lnSpcReduction="10000"/>
-          </a:bodyPr>
-          <a:lstStyle/>
-          <a:p>
-            <a:pPr lvl="1">
-              <a:spcAft>
-                <a:spcPts val="0"/>
-              </a:spcAft>
-              <a:buFont typeface="Wingdings" panose="05000000000000000000" pitchFamily="2" charset="2"/>
-              <a:buChar char="§"/>
-              <a:defRPr/>
-            </a:pPr>
-            <a:r>
-              <a:rPr lang="en-IN" sz="2400" dirty="0"/>
-              <a:t>Scalability </a:t>
-            </a:r>
-          </a:p>
-          <a:p>
-            <a:pPr marL="806958" lvl="1" indent="-514350">
-              <a:spcAft>
-                <a:spcPts val="0"/>
-              </a:spcAft>
-              <a:buFont typeface="+mj-lt"/>
-              <a:buAutoNum type="arabicPeriod"/>
-              <a:defRPr/>
-            </a:pPr>
-            <a:r>
-              <a:rPr lang="en-IN" sz="2400" dirty="0"/>
-              <a:t>Scale out : Adding more nodes to a cluster </a:t>
-            </a:r>
-          </a:p>
-          <a:p>
-            <a:pPr marL="806958" lvl="1" indent="-514350">
-              <a:spcAft>
-                <a:spcPts val="0"/>
-              </a:spcAft>
-              <a:buFont typeface="+mj-lt"/>
-              <a:buAutoNum type="arabicPeriod"/>
-              <a:defRPr/>
-            </a:pPr>
-            <a:r>
-              <a:rPr lang="en-IN" sz="2400" dirty="0"/>
-              <a:t>Scale up: Adding more CPU/ram/external hardware to the existing </a:t>
-            </a:r>
-            <a:r>
-              <a:rPr lang="en-IN" sz="2400" dirty="0" smtClean="0"/>
-              <a:t>nodes</a:t>
-            </a:r>
-          </a:p>
-          <a:p>
-            <a:pPr marL="514350" indent="-514350">
-              <a:spcAft>
-                <a:spcPts val="0"/>
-              </a:spcAft>
-              <a:buFont typeface="+mj-lt"/>
-              <a:buAutoNum type="arabicPeriod"/>
-              <a:defRPr/>
-            </a:pPr>
-            <a:endParaRPr lang="en-IN" sz="2800" dirty="0"/>
-          </a:p>
-          <a:p>
-            <a:pPr lvl="1">
-              <a:spcAft>
-                <a:spcPts val="0"/>
-              </a:spcAft>
-              <a:buFont typeface="Wingdings" panose="05000000000000000000" pitchFamily="2" charset="2"/>
-              <a:buChar char="§"/>
-              <a:defRPr/>
-            </a:pPr>
-            <a:r>
-              <a:rPr lang="en-IN" sz="2400" dirty="0"/>
-              <a:t>Reliability – In case of node failure </a:t>
-            </a:r>
-            <a:r>
-              <a:rPr lang="en-US" sz="2400" dirty="0"/>
-              <a:t>processing is re-directed to the remaining nodes in the cluster and data is automatically re-replicated in preparation for future node failures</a:t>
-            </a:r>
-            <a:r>
-              <a:rPr lang="en-US" sz="2400" dirty="0" smtClean="0"/>
-              <a:t>.</a:t>
-            </a:r>
-          </a:p>
-          <a:p>
-            <a:pPr lvl="1">
-              <a:spcAft>
-                <a:spcPts val="0"/>
-              </a:spcAft>
-              <a:buFont typeface="Wingdings" panose="05000000000000000000" pitchFamily="2" charset="2"/>
-              <a:buChar char="§"/>
-              <a:defRPr/>
-            </a:pPr>
-            <a:endParaRPr lang="en-US" sz="2400" dirty="0"/>
-          </a:p>
-          <a:p>
-            <a:pPr lvl="1">
-              <a:spcAft>
-                <a:spcPts val="0"/>
-              </a:spcAft>
-              <a:buFont typeface="Wingdings" panose="05000000000000000000" pitchFamily="2" charset="2"/>
-              <a:buChar char="§"/>
-              <a:defRPr/>
-            </a:pPr>
-            <a:r>
-              <a:rPr lang="en-IN" sz="2400" dirty="0"/>
-              <a:t>Flexibility – Don’t have to create schemas on write, Schemas created on </a:t>
-            </a:r>
-            <a:r>
-              <a:rPr lang="en-IN" sz="2400" dirty="0" smtClean="0"/>
-              <a:t>read</a:t>
-            </a:r>
-          </a:p>
-          <a:p>
-            <a:pPr lvl="1">
-              <a:spcAft>
-                <a:spcPts val="0"/>
-              </a:spcAft>
-              <a:buFont typeface="Wingdings" panose="05000000000000000000" pitchFamily="2" charset="2"/>
-              <a:buChar char="§"/>
-              <a:defRPr/>
-            </a:pPr>
-            <a:endParaRPr lang="en-IN" sz="2400" dirty="0"/>
-          </a:p>
-          <a:p>
-            <a:pPr lvl="1">
-              <a:spcAft>
-                <a:spcPts val="0"/>
-              </a:spcAft>
-              <a:buFont typeface="Wingdings" panose="05000000000000000000" pitchFamily="2" charset="2"/>
-              <a:buChar char="§"/>
-              <a:defRPr/>
-            </a:pPr>
-            <a:r>
-              <a:rPr lang="en-IN" sz="2400" dirty="0"/>
-              <a:t>Low cost - </a:t>
-            </a:r>
-            <a:r>
-              <a:rPr lang="en-US" sz="2400" dirty="0"/>
-              <a:t>Hadoop is open source and runs on low-cost commodity hardware</a:t>
-            </a:r>
-            <a:endParaRPr lang="en-IN" sz="2400" dirty="0"/>
-          </a:p>
-          <a:p>
-            <a:endParaRPr lang="en-IN" dirty="0"/>
-          </a:p>
-        </p:txBody>
-      </p:sp>
+      <p:pic>
+        <p:nvPicPr>
+          <p:cNvPr id="4" name="Picture 3"/>
+          <p:cNvPicPr>
+            <a:picLocks noChangeAspect="1"/>
+          </p:cNvPicPr>
+          <p:nvPr/>
+        </p:nvPicPr>
+        <p:blipFill>
+          <a:blip r:embed="rId2"/>
+          <a:stretch>
+            <a:fillRect/>
+          </a:stretch>
+        </p:blipFill>
+        <p:spPr>
+          <a:xfrm>
+            <a:off x="930336" y="2093928"/>
+            <a:ext cx="10392288" cy="4023360"/>
+          </a:xfrm>
+          <a:prstGeom prst="rect">
+            <a:avLst/>
+          </a:prstGeom>
+        </p:spPr>
+      </p:pic>
     </p:spTree>
     <p:extLst>
       <p:ext uri="{BB962C8B-B14F-4D97-AF65-F5344CB8AC3E}">
-        <p14:creationId xmlns:p14="http://schemas.microsoft.com/office/powerpoint/2010/main" val="4282492555"/>
+        <p14:creationId xmlns:p14="http://schemas.microsoft.com/office/powerpoint/2010/main" val="1804654495"/>
       </p:ext>
     </p:extLst>
   </p:cSld>
@@ -11600,47 +11664,176 @@
           <a:lstStyle/>
           <a:p>
             <a:r>
-              <a:rPr lang="en-IN" dirty="0" smtClean="0"/>
-              <a:t>Hadoop Ecosystem</a:t>
+              <a:rPr lang="en-IN" altLang="en-US" dirty="0"/>
+              <a:t>Benefits of Hadoop</a:t>
             </a:r>
             <a:endParaRPr lang="en-IN" dirty="0"/>
           </a:p>
         </p:txBody>
       </p:sp>
-      <p:pic>
-        <p:nvPicPr>
-          <p:cNvPr id="4" name="Content Placeholder 4"/>
-          <p:cNvPicPr>
-            <a:picLocks noGrp="1" noChangeAspect="1" noChangeArrowheads="1"/>
-          </p:cNvPicPr>
+      <p:sp>
+        <p:nvSpPr>
+          <p:cNvPr id="3" name="Content Placeholder 2"/>
+          <p:cNvSpPr>
+            <a:spLocks noGrp="1"/>
+          </p:cNvSpPr>
           <p:nvPr>
             <p:ph idx="1"/>
           </p:nvPr>
-        </p:nvPicPr>
-        <p:blipFill>
-          <a:blip r:embed="rId2">
-            <a:extLst>
-              <a:ext uri="{28A0092B-C50C-407E-A947-70E740481C1C}">
-                <a14:useLocalDpi xmlns:a14="http://schemas.microsoft.com/office/drawing/2010/main" val="0"/>
-              </a:ext>
-            </a:extLst>
-          </a:blip>
-          <a:srcRect/>
-          <a:stretch>
-            <a:fillRect/>
-          </a:stretch>
-        </p:blipFill>
-        <p:spPr>
-          <a:xfrm>
-            <a:off x="2996246" y="1867989"/>
-            <a:ext cx="6260468" cy="4379822"/>
-          </a:xfrm>
-        </p:spPr>
-      </p:pic>
+        </p:nvSpPr>
+        <p:spPr/>
+        <p:txBody>
+          <a:bodyPr>
+            <a:normAutofit lnSpcReduction="10000"/>
+          </a:bodyPr>
+          <a:lstStyle/>
+          <a:p>
+            <a:pPr lvl="1">
+              <a:spcAft>
+                <a:spcPts val="0"/>
+              </a:spcAft>
+              <a:buFont typeface="Wingdings" panose="05000000000000000000" pitchFamily="2" charset="2"/>
+              <a:buChar char="§"/>
+              <a:defRPr/>
+            </a:pPr>
+            <a:r>
+              <a:rPr lang="en-IN" sz="2400" dirty="0"/>
+              <a:t>Scalability </a:t>
+            </a:r>
+          </a:p>
+          <a:p>
+            <a:pPr marL="806958" lvl="1" indent="-514350">
+              <a:spcAft>
+                <a:spcPts val="0"/>
+              </a:spcAft>
+              <a:buFont typeface="+mj-lt"/>
+              <a:buAutoNum type="arabicPeriod"/>
+              <a:defRPr/>
+            </a:pPr>
+            <a:r>
+              <a:rPr lang="en-IN" sz="2400" dirty="0"/>
+              <a:t>Scale out : Adding more nodes to a cluster </a:t>
+            </a:r>
+          </a:p>
+          <a:p>
+            <a:pPr marL="806958" lvl="1" indent="-514350">
+              <a:spcAft>
+                <a:spcPts val="0"/>
+              </a:spcAft>
+              <a:buFont typeface="+mj-lt"/>
+              <a:buAutoNum type="arabicPeriod"/>
+              <a:defRPr/>
+            </a:pPr>
+            <a:r>
+              <a:rPr lang="en-IN" sz="2400" dirty="0"/>
+              <a:t>Scale up: Adding more CPU/ram/external hardware to the existing </a:t>
+            </a:r>
+            <a:r>
+              <a:rPr lang="en-IN" sz="2400" dirty="0" smtClean="0"/>
+              <a:t>nodes</a:t>
+            </a:r>
+          </a:p>
+          <a:p>
+            <a:pPr marL="514350" indent="-514350">
+              <a:spcAft>
+                <a:spcPts val="0"/>
+              </a:spcAft>
+              <a:buFont typeface="+mj-lt"/>
+              <a:buAutoNum type="arabicPeriod"/>
+              <a:defRPr/>
+            </a:pPr>
+            <a:endParaRPr lang="en-IN" sz="2800" dirty="0"/>
+          </a:p>
+          <a:p>
+            <a:pPr lvl="1">
+              <a:spcAft>
+                <a:spcPts val="0"/>
+              </a:spcAft>
+              <a:buFont typeface="Wingdings" panose="05000000000000000000" pitchFamily="2" charset="2"/>
+              <a:buChar char="§"/>
+              <a:defRPr/>
+            </a:pPr>
+            <a:r>
+              <a:rPr lang="en-IN" sz="2400" dirty="0"/>
+              <a:t>Reliability – In case of node failure </a:t>
+            </a:r>
+            <a:r>
+              <a:rPr lang="en-US" sz="2400" dirty="0"/>
+              <a:t>processing is re-directed to the remaining nodes in the cluster and data is automatically re-replicated in preparation for future node failures</a:t>
+            </a:r>
+            <a:r>
+              <a:rPr lang="en-US" sz="2400" dirty="0" smtClean="0"/>
+              <a:t>.</a:t>
+            </a:r>
+          </a:p>
+          <a:p>
+            <a:pPr lvl="1">
+              <a:spcAft>
+                <a:spcPts val="0"/>
+              </a:spcAft>
+              <a:buFont typeface="Wingdings" panose="05000000000000000000" pitchFamily="2" charset="2"/>
+              <a:buChar char="§"/>
+              <a:defRPr/>
+            </a:pPr>
+            <a:endParaRPr lang="en-US" sz="2400" dirty="0"/>
+          </a:p>
+          <a:p>
+            <a:pPr lvl="1">
+              <a:spcAft>
+                <a:spcPts val="0"/>
+              </a:spcAft>
+              <a:buFont typeface="Wingdings" panose="05000000000000000000" pitchFamily="2" charset="2"/>
+              <a:buChar char="§"/>
+              <a:defRPr/>
+            </a:pPr>
+            <a:r>
+              <a:rPr lang="en-IN" sz="2400" dirty="0"/>
+              <a:t>Flexibility – Don’t have to create schemas on write, Schemas created on </a:t>
+            </a:r>
+            <a:r>
+              <a:rPr lang="en-IN" sz="2400" dirty="0" smtClean="0"/>
+              <a:t>read</a:t>
+            </a:r>
+          </a:p>
+          <a:p>
+            <a:pPr lvl="1">
+              <a:spcAft>
+                <a:spcPts val="0"/>
+              </a:spcAft>
+              <a:buFont typeface="Wingdings" panose="05000000000000000000" pitchFamily="2" charset="2"/>
+              <a:buChar char="§"/>
+              <a:defRPr/>
+            </a:pPr>
+            <a:endParaRPr lang="en-IN" sz="2400" dirty="0"/>
+          </a:p>
+          <a:p>
+            <a:pPr lvl="1">
+              <a:spcAft>
+                <a:spcPts val="0"/>
+              </a:spcAft>
+              <a:buFont typeface="Wingdings" panose="05000000000000000000" pitchFamily="2" charset="2"/>
+              <a:buChar char="§"/>
+              <a:defRPr/>
+            </a:pPr>
+            <a:r>
+              <a:rPr lang="en-IN" sz="2400" dirty="0"/>
+              <a:t>Low cost - </a:t>
+            </a:r>
+            <a:r>
+              <a:rPr lang="en-US" sz="2400" dirty="0"/>
+              <a:t>Hadoop is open source and runs on low-cost commodity hardware</a:t>
+            </a:r>
+            <a:endParaRPr lang="en-IN" sz="2400" dirty="0"/>
+          </a:p>
+          <a:p>
+            <a:endParaRPr lang="en-IN" dirty="0"/>
+          </a:p>
+        </p:txBody>
+      </p:sp>
     </p:spTree>
     <p:extLst>
       <p:ext uri="{BB962C8B-B14F-4D97-AF65-F5344CB8AC3E}">
-        <p14:creationId xmlns:p14="http://schemas.microsoft.com/office/powerpoint/2010/main" val="2248975789"/>
+        <p14:creationId xmlns:p14="http://schemas.microsoft.com/office/powerpoint/2010/main" val="4282492555"/>
       </p:ext>
     </p:extLst>
   </p:cSld>
